--- a/포트폴리오.pptx
+++ b/포트폴리오.pptx
@@ -298,7 +298,7 @@
           <a:p>
             <a:fld id="{EDE86C09-8350-46A3-A934-715D20D4F05E}" type="datetimeFigureOut">
               <a:rPr lang="ko-KR" altLang="en-US" smtClean="0"/>
-              <a:t>2020-11-24</a:t>
+              <a:t>2020-12-29</a:t>
             </a:fld>
             <a:endParaRPr lang="ko-KR" altLang="en-US"/>
           </a:p>
@@ -468,7 +468,7 @@
           <a:p>
             <a:fld id="{EDE86C09-8350-46A3-A934-715D20D4F05E}" type="datetimeFigureOut">
               <a:rPr lang="ko-KR" altLang="en-US" smtClean="0"/>
-              <a:t>2020-11-24</a:t>
+              <a:t>2020-12-29</a:t>
             </a:fld>
             <a:endParaRPr lang="ko-KR" altLang="en-US"/>
           </a:p>
@@ -648,7 +648,7 @@
           <a:p>
             <a:fld id="{EDE86C09-8350-46A3-A934-715D20D4F05E}" type="datetimeFigureOut">
               <a:rPr lang="ko-KR" altLang="en-US" smtClean="0"/>
-              <a:t>2020-11-24</a:t>
+              <a:t>2020-12-29</a:t>
             </a:fld>
             <a:endParaRPr lang="ko-KR" altLang="en-US"/>
           </a:p>
@@ -818,7 +818,7 @@
           <a:p>
             <a:fld id="{EDE86C09-8350-46A3-A934-715D20D4F05E}" type="datetimeFigureOut">
               <a:rPr lang="ko-KR" altLang="en-US" smtClean="0"/>
-              <a:t>2020-11-24</a:t>
+              <a:t>2020-12-29</a:t>
             </a:fld>
             <a:endParaRPr lang="ko-KR" altLang="en-US"/>
           </a:p>
@@ -1064,7 +1064,7 @@
           <a:p>
             <a:fld id="{EDE86C09-8350-46A3-A934-715D20D4F05E}" type="datetimeFigureOut">
               <a:rPr lang="ko-KR" altLang="en-US" smtClean="0"/>
-              <a:t>2020-11-24</a:t>
+              <a:t>2020-12-29</a:t>
             </a:fld>
             <a:endParaRPr lang="ko-KR" altLang="en-US"/>
           </a:p>
@@ -1296,7 +1296,7 @@
           <a:p>
             <a:fld id="{EDE86C09-8350-46A3-A934-715D20D4F05E}" type="datetimeFigureOut">
               <a:rPr lang="ko-KR" altLang="en-US" smtClean="0"/>
-              <a:t>2020-11-24</a:t>
+              <a:t>2020-12-29</a:t>
             </a:fld>
             <a:endParaRPr lang="ko-KR" altLang="en-US"/>
           </a:p>
@@ -1663,7 +1663,7 @@
           <a:p>
             <a:fld id="{EDE86C09-8350-46A3-A934-715D20D4F05E}" type="datetimeFigureOut">
               <a:rPr lang="ko-KR" altLang="en-US" smtClean="0"/>
-              <a:t>2020-11-24</a:t>
+              <a:t>2020-12-29</a:t>
             </a:fld>
             <a:endParaRPr lang="ko-KR" altLang="en-US"/>
           </a:p>
@@ -1781,7 +1781,7 @@
           <a:p>
             <a:fld id="{EDE86C09-8350-46A3-A934-715D20D4F05E}" type="datetimeFigureOut">
               <a:rPr lang="ko-KR" altLang="en-US" smtClean="0"/>
-              <a:t>2020-11-24</a:t>
+              <a:t>2020-12-29</a:t>
             </a:fld>
             <a:endParaRPr lang="ko-KR" altLang="en-US"/>
           </a:p>
@@ -1876,7 +1876,7 @@
           <a:p>
             <a:fld id="{EDE86C09-8350-46A3-A934-715D20D4F05E}" type="datetimeFigureOut">
               <a:rPr lang="ko-KR" altLang="en-US" smtClean="0"/>
-              <a:t>2020-11-24</a:t>
+              <a:t>2020-12-29</a:t>
             </a:fld>
             <a:endParaRPr lang="ko-KR" altLang="en-US"/>
           </a:p>
@@ -2153,7 +2153,7 @@
           <a:p>
             <a:fld id="{EDE86C09-8350-46A3-A934-715D20D4F05E}" type="datetimeFigureOut">
               <a:rPr lang="ko-KR" altLang="en-US" smtClean="0"/>
-              <a:t>2020-11-24</a:t>
+              <a:t>2020-12-29</a:t>
             </a:fld>
             <a:endParaRPr lang="ko-KR" altLang="en-US"/>
           </a:p>
@@ -2410,7 +2410,7 @@
           <a:p>
             <a:fld id="{EDE86C09-8350-46A3-A934-715D20D4F05E}" type="datetimeFigureOut">
               <a:rPr lang="ko-KR" altLang="en-US" smtClean="0"/>
-              <a:t>2020-11-24</a:t>
+              <a:t>2020-12-29</a:t>
             </a:fld>
             <a:endParaRPr lang="ko-KR" altLang="en-US"/>
           </a:p>
@@ -2623,7 +2623,7 @@
           <a:p>
             <a:fld id="{EDE86C09-8350-46A3-A934-715D20D4F05E}" type="datetimeFigureOut">
               <a:rPr lang="ko-KR" altLang="en-US" smtClean="0"/>
-              <a:t>2020-11-24</a:t>
+              <a:t>2020-12-29</a:t>
             </a:fld>
             <a:endParaRPr lang="ko-KR" altLang="en-US"/>
           </a:p>
@@ -4511,7 +4511,7 @@
         </p:nvSpPr>
         <p:spPr bwMode="auto">
           <a:xfrm>
-            <a:off x="5135153" y="7673751"/>
+            <a:off x="5135153" y="7276704"/>
             <a:ext cx="10214874" cy="830997"/>
           </a:xfrm>
           <a:prstGeom prst="rect">
@@ -4766,7 +4766,7 @@
         </p:nvSpPr>
         <p:spPr bwMode="auto">
           <a:xfrm>
-            <a:off x="13610389" y="7794838"/>
+            <a:off x="13610389" y="7397791"/>
             <a:ext cx="2600616" cy="646331"/>
           </a:xfrm>
           <a:prstGeom prst="rect">
@@ -5243,7 +5243,7 @@
         </p:nvSpPr>
         <p:spPr bwMode="auto">
           <a:xfrm>
-            <a:off x="1143343" y="7637713"/>
+            <a:off x="1143343" y="7240666"/>
             <a:ext cx="3356811" cy="584775"/>
           </a:xfrm>
           <a:prstGeom prst="rect">
@@ -5636,8 +5636,8 @@
         </p:nvSpPr>
         <p:spPr bwMode="auto">
           <a:xfrm>
-            <a:off x="5135153" y="8605136"/>
-            <a:ext cx="10214874" cy="461665"/>
+            <a:off x="5135153" y="8264057"/>
+            <a:ext cx="10214874" cy="830997"/>
           </a:xfrm>
           <a:prstGeom prst="rect">
             <a:avLst/>
@@ -5817,64 +5817,316 @@
               <a:buChar char="•"/>
             </a:pPr>
             <a:r>
-              <a:rPr lang="en-US" altLang="ko-KR" sz="2400">
+              <a:rPr lang="ko-KR" altLang="en-US" sz="2400">
                 <a:solidFill>
                   <a:srgbClr val="333333"/>
                 </a:solidFill>
                 <a:latin typeface="맑은 고딕" panose="020B0503020000020004" pitchFamily="50" charset="-127"/>
                 <a:ea typeface="맑은 고딕" panose="020B0503020000020004" pitchFamily="50" charset="-127"/>
               </a:rPr>
-              <a:t>2020 </a:t>
-            </a:r>
-            <a:r>
-              <a:rPr lang="ko-KR" altLang="en-US" sz="2400" err="1">
+              <a:t>한국데이터진흥원 주관 </a:t>
+            </a:r>
+            <a:r>
+              <a:rPr lang="en-US" altLang="ko-KR" sz="2400">
                 <a:solidFill>
                   <a:srgbClr val="333333"/>
                 </a:solidFill>
                 <a:latin typeface="맑은 고딕" panose="020B0503020000020004" pitchFamily="50" charset="-127"/>
                 <a:ea typeface="맑은 고딕" panose="020B0503020000020004" pitchFamily="50" charset="-127"/>
               </a:rPr>
-              <a:t>빅콘테스트</a:t>
-            </a:r>
-            <a:r>
-              <a:rPr lang="ko-KR" altLang="en-US" sz="2400">
+              <a:t>2020 </a:t>
+            </a:r>
+            <a:r>
+              <a:rPr lang="ko-KR" altLang="en-US" sz="2400" err="1">
                 <a:solidFill>
                   <a:srgbClr val="333333"/>
                 </a:solidFill>
                 <a:latin typeface="맑은 고딕" panose="020B0503020000020004" pitchFamily="50" charset="-127"/>
                 <a:ea typeface="맑은 고딕" panose="020B0503020000020004" pitchFamily="50" charset="-127"/>
               </a:rPr>
-              <a:t> 공모전 본선 진출</a:t>
-            </a:r>
-            <a:r>
-              <a:rPr lang="en-US" altLang="ko-KR" sz="2400">
+              <a:t>빅콘테스트</a:t>
+            </a:r>
+            <a:r>
+              <a:rPr lang="ko-KR" altLang="en-US" sz="2400">
                 <a:solidFill>
                   <a:srgbClr val="333333"/>
                 </a:solidFill>
                 <a:latin typeface="맑은 고딕" panose="020B0503020000020004" pitchFamily="50" charset="-127"/>
                 <a:ea typeface="맑은 고딕" panose="020B0503020000020004" pitchFamily="50" charset="-127"/>
               </a:rPr>
-              <a:t>(12/1 </a:t>
-            </a:r>
-            <a:r>
-              <a:rPr lang="ko-KR" altLang="en-US" sz="2400">
+              <a:t> 공모전 </a:t>
+            </a:r>
+            <a:br>
+              <a:rPr lang="en-US" altLang="ko-KR" sz="2400">
                 <a:solidFill>
                   <a:srgbClr val="333333"/>
                 </a:solidFill>
                 <a:latin typeface="맑은 고딕" panose="020B0503020000020004" pitchFamily="50" charset="-127"/>
                 <a:ea typeface="맑은 고딕" panose="020B0503020000020004" pitchFamily="50" charset="-127"/>
               </a:rPr>
-              <a:t>결과발표</a:t>
-            </a:r>
-            <a:r>
-              <a:rPr lang="en-US" altLang="ko-KR" sz="2400">
+            </a:br>
+            <a:r>
+              <a:rPr lang="ko-KR" altLang="en-US" sz="2400">
                 <a:solidFill>
                   <a:srgbClr val="333333"/>
                 </a:solidFill>
                 <a:latin typeface="맑은 고딕" panose="020B0503020000020004" pitchFamily="50" charset="-127"/>
                 <a:ea typeface="맑은 고딕" panose="020B0503020000020004" pitchFamily="50" charset="-127"/>
               </a:rPr>
-              <a:t>)</a:t>
+              <a:t>최우수상</a:t>
+            </a:r>
+            <a:r>
+              <a:rPr lang="en-US" altLang="ko-KR" sz="2400">
+                <a:solidFill>
+                  <a:srgbClr val="333333"/>
+                </a:solidFill>
+                <a:latin typeface="맑은 고딕" panose="020B0503020000020004" pitchFamily="50" charset="-127"/>
+                <a:ea typeface="맑은 고딕" panose="020B0503020000020004" pitchFamily="50" charset="-127"/>
+              </a:rPr>
+              <a:t>(sk</a:t>
+            </a:r>
+            <a:r>
+              <a:rPr lang="ko-KR" altLang="en-US" sz="2400">
+                <a:solidFill>
+                  <a:srgbClr val="333333"/>
+                </a:solidFill>
+                <a:latin typeface="맑은 고딕" panose="020B0503020000020004" pitchFamily="50" charset="-127"/>
+                <a:ea typeface="맑은 고딕" panose="020B0503020000020004" pitchFamily="50" charset="-127"/>
+              </a:rPr>
+              <a:t>텔레콤상</a:t>
+            </a:r>
+            <a:r>
+              <a:rPr lang="en-US" altLang="ko-KR" sz="2400">
+                <a:solidFill>
+                  <a:srgbClr val="333333"/>
+                </a:solidFill>
+                <a:latin typeface="맑은 고딕" panose="020B0503020000020004" pitchFamily="50" charset="-127"/>
+                <a:ea typeface="맑은 고딕" panose="020B0503020000020004" pitchFamily="50" charset="-127"/>
+              </a:rPr>
+              <a:t>) </a:t>
+            </a:r>
+            <a:r>
+              <a:rPr lang="ko-KR" altLang="en-US" sz="2400">
+                <a:solidFill>
+                  <a:srgbClr val="333333"/>
+                </a:solidFill>
+                <a:latin typeface="맑은 고딕" panose="020B0503020000020004" pitchFamily="50" charset="-127"/>
+                <a:ea typeface="맑은 고딕" panose="020B0503020000020004" pitchFamily="50" charset="-127"/>
+              </a:rPr>
+              <a:t>수상</a:t>
+            </a:r>
+            <a:endParaRPr lang="en-US" altLang="ko-KR" sz="2400">
+              <a:solidFill>
+                <a:srgbClr val="333333"/>
+              </a:solidFill>
+              <a:latin typeface="맑은 고딕" panose="020B0503020000020004" pitchFamily="50" charset="-127"/>
+              <a:ea typeface="맑은 고딕" panose="020B0503020000020004" pitchFamily="50" charset="-127"/>
+            </a:endParaRPr>
+          </a:p>
+        </p:txBody>
+      </p:sp>
+      <p:sp>
+        <p:nvSpPr>
+          <p:cNvPr id="16" name="Rectangle 1">
+            <a:extLst>
+              <a:ext uri="{FF2B5EF4-FFF2-40B4-BE49-F238E27FC236}">
+                <a16:creationId xmlns:a16="http://schemas.microsoft.com/office/drawing/2014/main" id="{ADD081D7-4187-462D-A9AC-78E549395D14}"/>
+              </a:ext>
+            </a:extLst>
+          </p:cNvPr>
+          <p:cNvSpPr>
+            <a:spLocks noChangeArrowheads="1"/>
+          </p:cNvSpPr>
+          <p:nvPr/>
+        </p:nvSpPr>
+        <p:spPr bwMode="auto">
+          <a:xfrm>
+            <a:off x="13610389" y="8511390"/>
+            <a:ext cx="2600616" cy="369332"/>
+          </a:xfrm>
+          <a:prstGeom prst="rect">
+            <a:avLst/>
+          </a:prstGeom>
+          <a:noFill/>
+          <a:ln>
+            <a:noFill/>
+          </a:ln>
+          <a:effectLst/>
+          <a:extLst>
+            <a:ext uri="{909E8E84-426E-40DD-AFC4-6F175D3DCCD1}">
+              <a14:hiddenFill xmlns:a14="http://schemas.microsoft.com/office/drawing/2010/main">
+                <a:solidFill>
+                  <a:schemeClr val="accent1"/>
+                </a:solidFill>
+              </a14:hiddenFill>
+            </a:ext>
+            <a:ext uri="{91240B29-F687-4F45-9708-019B960494DF}">
+              <a14:hiddenLine xmlns:a14="http://schemas.microsoft.com/office/drawing/2010/main" w="9525">
+                <a:solidFill>
+                  <a:schemeClr val="tx1"/>
+                </a:solidFill>
+                <a:miter lim="800000"/>
+                <a:headEnd/>
+                <a:tailEnd/>
+              </a14:hiddenLine>
+            </a:ext>
+            <a:ext uri="{AF507438-7753-43E0-B8FC-AC1667EBCBE1}">
+              <a14:hiddenEffects xmlns:a14="http://schemas.microsoft.com/office/drawing/2010/main">
+                <a:effectLst>
+                  <a:outerShdw dist="35921" dir="2700000" algn="ctr" rotWithShape="0">
+                    <a:schemeClr val="bg2"/>
+                  </a:outerShdw>
+                </a:effectLst>
+              </a14:hiddenEffects>
+            </a:ext>
+          </a:extLst>
+        </p:spPr>
+        <p:txBody>
+          <a:bodyPr vert="horz" wrap="square" lIns="91440" tIns="45720" rIns="91440" bIns="45720" numCol="1" anchor="ctr" anchorCtr="0" compatLnSpc="1">
+            <a:prstTxWarp prst="textNoShape">
+              <a:avLst/>
+            </a:prstTxWarp>
+            <a:spAutoFit/>
+          </a:bodyPr>
+          <a:lstStyle>
+            <a:lvl1pPr eaLnBrk="0" fontAlgn="base" hangingPunct="0">
+              <a:spcBef>
+                <a:spcPct val="0"/>
+              </a:spcBef>
+              <a:spcAft>
+                <a:spcPct val="0"/>
+              </a:spcAft>
+              <a:defRPr>
+                <a:solidFill>
+                  <a:schemeClr val="tx1"/>
+                </a:solidFill>
+                <a:latin typeface="Arial" panose="020B0604020202020204" pitchFamily="34" charset="0"/>
+              </a:defRPr>
+            </a:lvl1pPr>
+            <a:lvl2pPr eaLnBrk="0" fontAlgn="base" hangingPunct="0">
+              <a:spcBef>
+                <a:spcPct val="0"/>
+              </a:spcBef>
+              <a:spcAft>
+                <a:spcPct val="0"/>
+              </a:spcAft>
+              <a:defRPr>
+                <a:solidFill>
+                  <a:schemeClr val="tx1"/>
+                </a:solidFill>
+                <a:latin typeface="Arial" panose="020B0604020202020204" pitchFamily="34" charset="0"/>
+              </a:defRPr>
+            </a:lvl2pPr>
+            <a:lvl3pPr eaLnBrk="0" fontAlgn="base" hangingPunct="0">
+              <a:spcBef>
+                <a:spcPct val="0"/>
+              </a:spcBef>
+              <a:spcAft>
+                <a:spcPct val="0"/>
+              </a:spcAft>
+              <a:defRPr>
+                <a:solidFill>
+                  <a:schemeClr val="tx1"/>
+                </a:solidFill>
+                <a:latin typeface="Arial" panose="020B0604020202020204" pitchFamily="34" charset="0"/>
+              </a:defRPr>
+            </a:lvl3pPr>
+            <a:lvl4pPr eaLnBrk="0" fontAlgn="base" hangingPunct="0">
+              <a:spcBef>
+                <a:spcPct val="0"/>
+              </a:spcBef>
+              <a:spcAft>
+                <a:spcPct val="0"/>
+              </a:spcAft>
+              <a:defRPr>
+                <a:solidFill>
+                  <a:schemeClr val="tx1"/>
+                </a:solidFill>
+                <a:latin typeface="Arial" panose="020B0604020202020204" pitchFamily="34" charset="0"/>
+              </a:defRPr>
+            </a:lvl4pPr>
+            <a:lvl5pPr eaLnBrk="0" fontAlgn="base" hangingPunct="0">
+              <a:spcBef>
+                <a:spcPct val="0"/>
+              </a:spcBef>
+              <a:spcAft>
+                <a:spcPct val="0"/>
+              </a:spcAft>
+              <a:defRPr>
+                <a:solidFill>
+                  <a:schemeClr val="tx1"/>
+                </a:solidFill>
+                <a:latin typeface="Arial" panose="020B0604020202020204" pitchFamily="34" charset="0"/>
+              </a:defRPr>
+            </a:lvl5pPr>
+            <a:lvl6pPr eaLnBrk="0" fontAlgn="base" hangingPunct="0">
+              <a:spcBef>
+                <a:spcPct val="0"/>
+              </a:spcBef>
+              <a:spcAft>
+                <a:spcPct val="0"/>
+              </a:spcAft>
+              <a:defRPr>
+                <a:solidFill>
+                  <a:schemeClr val="tx1"/>
+                </a:solidFill>
+                <a:latin typeface="Arial" panose="020B0604020202020204" pitchFamily="34" charset="0"/>
+              </a:defRPr>
+            </a:lvl6pPr>
+            <a:lvl7pPr eaLnBrk="0" fontAlgn="base" hangingPunct="0">
+              <a:spcBef>
+                <a:spcPct val="0"/>
+              </a:spcBef>
+              <a:spcAft>
+                <a:spcPct val="0"/>
+              </a:spcAft>
+              <a:defRPr>
+                <a:solidFill>
+                  <a:schemeClr val="tx1"/>
+                </a:solidFill>
+                <a:latin typeface="Arial" panose="020B0604020202020204" pitchFamily="34" charset="0"/>
+              </a:defRPr>
+            </a:lvl7pPr>
+            <a:lvl8pPr eaLnBrk="0" fontAlgn="base" hangingPunct="0">
+              <a:spcBef>
+                <a:spcPct val="0"/>
+              </a:spcBef>
+              <a:spcAft>
+                <a:spcPct val="0"/>
+              </a:spcAft>
+              <a:defRPr>
+                <a:solidFill>
+                  <a:schemeClr val="tx1"/>
+                </a:solidFill>
+                <a:latin typeface="Arial" panose="020B0604020202020204" pitchFamily="34" charset="0"/>
+              </a:defRPr>
+            </a:lvl8pPr>
+            <a:lvl9pPr eaLnBrk="0" fontAlgn="base" hangingPunct="0">
+              <a:spcBef>
+                <a:spcPct val="0"/>
+              </a:spcBef>
+              <a:spcAft>
+                <a:spcPct val="0"/>
+              </a:spcAft>
+              <a:defRPr>
+                <a:solidFill>
+                  <a:schemeClr val="tx1"/>
+                </a:solidFill>
+                <a:latin typeface="Arial" panose="020B0604020202020204" pitchFamily="34" charset="0"/>
+              </a:defRPr>
+            </a:lvl9pPr>
+          </a:lstStyle>
+          <a:p>
+            <a:pPr algn="r" defTabSz="914400"/>
+            <a:r>
+              <a:rPr lang="en-US" altLang="ko-KR">
+                <a:solidFill>
+                  <a:srgbClr val="333333"/>
+                </a:solidFill>
+                <a:latin typeface="맑은 고딕" panose="020B0503020000020004" pitchFamily="50" charset="-127"/>
+                <a:ea typeface="맑은 고딕" panose="020B0503020000020004" pitchFamily="50" charset="-127"/>
+              </a:rPr>
+              <a:t>2020. 12. 15</a:t>
             </a:r>
           </a:p>
         </p:txBody>
@@ -6166,212 +6418,6 @@
       </p:cxnSp>
       <p:sp>
         <p:nvSpPr>
-          <p:cNvPr id="11" name="Rectangle 1">
-            <a:extLst>
-              <a:ext uri="{FF2B5EF4-FFF2-40B4-BE49-F238E27FC236}">
-                <a16:creationId xmlns:a16="http://schemas.microsoft.com/office/drawing/2014/main" id="{7926A36D-CC31-4887-9B8D-E5A640616E0E}"/>
-              </a:ext>
-            </a:extLst>
-          </p:cNvPr>
-          <p:cNvSpPr>
-            <a:spLocks noChangeArrowheads="1"/>
-          </p:cNvSpPr>
-          <p:nvPr/>
-        </p:nvSpPr>
-        <p:spPr bwMode="auto">
-          <a:xfrm>
-            <a:off x="12332298" y="1693403"/>
-            <a:ext cx="4078705" cy="523220"/>
-          </a:xfrm>
-          <a:prstGeom prst="rect">
-            <a:avLst/>
-          </a:prstGeom>
-          <a:noFill/>
-          <a:ln>
-            <a:noFill/>
-          </a:ln>
-          <a:effectLst/>
-          <a:extLst>
-            <a:ext uri="{909E8E84-426E-40DD-AFC4-6F175D3DCCD1}">
-              <a14:hiddenFill xmlns:a14="http://schemas.microsoft.com/office/drawing/2010/main">
-                <a:solidFill>
-                  <a:schemeClr val="accent1"/>
-                </a:solidFill>
-              </a14:hiddenFill>
-            </a:ext>
-            <a:ext uri="{91240B29-F687-4F45-9708-019B960494DF}">
-              <a14:hiddenLine xmlns:a14="http://schemas.microsoft.com/office/drawing/2010/main" w="9525">
-                <a:solidFill>
-                  <a:schemeClr val="tx1"/>
-                </a:solidFill>
-                <a:miter lim="800000"/>
-                <a:headEnd/>
-                <a:tailEnd/>
-              </a14:hiddenLine>
-            </a:ext>
-            <a:ext uri="{AF507438-7753-43E0-B8FC-AC1667EBCBE1}">
-              <a14:hiddenEffects xmlns:a14="http://schemas.microsoft.com/office/drawing/2010/main">
-                <a:effectLst>
-                  <a:outerShdw dist="35921" dir="2700000" algn="ctr" rotWithShape="0">
-                    <a:schemeClr val="bg2"/>
-                  </a:outerShdw>
-                </a:effectLst>
-              </a14:hiddenEffects>
-            </a:ext>
-          </a:extLst>
-        </p:spPr>
-        <p:txBody>
-          <a:bodyPr vert="horz" wrap="square" lIns="91440" tIns="45720" rIns="91440" bIns="45720" numCol="1" anchor="ctr" anchorCtr="0" compatLnSpc="1">
-            <a:prstTxWarp prst="textNoShape">
-              <a:avLst/>
-            </a:prstTxWarp>
-            <a:spAutoFit/>
-          </a:bodyPr>
-          <a:lstStyle>
-            <a:lvl1pPr eaLnBrk="0" fontAlgn="base" hangingPunct="0">
-              <a:spcBef>
-                <a:spcPct val="0"/>
-              </a:spcBef>
-              <a:spcAft>
-                <a:spcPct val="0"/>
-              </a:spcAft>
-              <a:defRPr>
-                <a:solidFill>
-                  <a:schemeClr val="tx1"/>
-                </a:solidFill>
-                <a:latin typeface="Arial" panose="020B0604020202020204" pitchFamily="34" charset="0"/>
-              </a:defRPr>
-            </a:lvl1pPr>
-            <a:lvl2pPr eaLnBrk="0" fontAlgn="base" hangingPunct="0">
-              <a:spcBef>
-                <a:spcPct val="0"/>
-              </a:spcBef>
-              <a:spcAft>
-                <a:spcPct val="0"/>
-              </a:spcAft>
-              <a:defRPr>
-                <a:solidFill>
-                  <a:schemeClr val="tx1"/>
-                </a:solidFill>
-                <a:latin typeface="Arial" panose="020B0604020202020204" pitchFamily="34" charset="0"/>
-              </a:defRPr>
-            </a:lvl2pPr>
-            <a:lvl3pPr eaLnBrk="0" fontAlgn="base" hangingPunct="0">
-              <a:spcBef>
-                <a:spcPct val="0"/>
-              </a:spcBef>
-              <a:spcAft>
-                <a:spcPct val="0"/>
-              </a:spcAft>
-              <a:defRPr>
-                <a:solidFill>
-                  <a:schemeClr val="tx1"/>
-                </a:solidFill>
-                <a:latin typeface="Arial" panose="020B0604020202020204" pitchFamily="34" charset="0"/>
-              </a:defRPr>
-            </a:lvl3pPr>
-            <a:lvl4pPr eaLnBrk="0" fontAlgn="base" hangingPunct="0">
-              <a:spcBef>
-                <a:spcPct val="0"/>
-              </a:spcBef>
-              <a:spcAft>
-                <a:spcPct val="0"/>
-              </a:spcAft>
-              <a:defRPr>
-                <a:solidFill>
-                  <a:schemeClr val="tx1"/>
-                </a:solidFill>
-                <a:latin typeface="Arial" panose="020B0604020202020204" pitchFamily="34" charset="0"/>
-              </a:defRPr>
-            </a:lvl4pPr>
-            <a:lvl5pPr eaLnBrk="0" fontAlgn="base" hangingPunct="0">
-              <a:spcBef>
-                <a:spcPct val="0"/>
-              </a:spcBef>
-              <a:spcAft>
-                <a:spcPct val="0"/>
-              </a:spcAft>
-              <a:defRPr>
-                <a:solidFill>
-                  <a:schemeClr val="tx1"/>
-                </a:solidFill>
-                <a:latin typeface="Arial" panose="020B0604020202020204" pitchFamily="34" charset="0"/>
-              </a:defRPr>
-            </a:lvl5pPr>
-            <a:lvl6pPr eaLnBrk="0" fontAlgn="base" hangingPunct="0">
-              <a:spcBef>
-                <a:spcPct val="0"/>
-              </a:spcBef>
-              <a:spcAft>
-                <a:spcPct val="0"/>
-              </a:spcAft>
-              <a:defRPr>
-                <a:solidFill>
-                  <a:schemeClr val="tx1"/>
-                </a:solidFill>
-                <a:latin typeface="Arial" panose="020B0604020202020204" pitchFamily="34" charset="0"/>
-              </a:defRPr>
-            </a:lvl6pPr>
-            <a:lvl7pPr eaLnBrk="0" fontAlgn="base" hangingPunct="0">
-              <a:spcBef>
-                <a:spcPct val="0"/>
-              </a:spcBef>
-              <a:spcAft>
-                <a:spcPct val="0"/>
-              </a:spcAft>
-              <a:defRPr>
-                <a:solidFill>
-                  <a:schemeClr val="tx1"/>
-                </a:solidFill>
-                <a:latin typeface="Arial" panose="020B0604020202020204" pitchFamily="34" charset="0"/>
-              </a:defRPr>
-            </a:lvl7pPr>
-            <a:lvl8pPr eaLnBrk="0" fontAlgn="base" hangingPunct="0">
-              <a:spcBef>
-                <a:spcPct val="0"/>
-              </a:spcBef>
-              <a:spcAft>
-                <a:spcPct val="0"/>
-              </a:spcAft>
-              <a:defRPr>
-                <a:solidFill>
-                  <a:schemeClr val="tx1"/>
-                </a:solidFill>
-                <a:latin typeface="Arial" panose="020B0604020202020204" pitchFamily="34" charset="0"/>
-              </a:defRPr>
-            </a:lvl8pPr>
-            <a:lvl9pPr eaLnBrk="0" fontAlgn="base" hangingPunct="0">
-              <a:spcBef>
-                <a:spcPct val="0"/>
-              </a:spcBef>
-              <a:spcAft>
-                <a:spcPct val="0"/>
-              </a:spcAft>
-              <a:defRPr>
-                <a:solidFill>
-                  <a:schemeClr val="tx1"/>
-                </a:solidFill>
-                <a:latin typeface="Arial" panose="020B0604020202020204" pitchFamily="34" charset="0"/>
-              </a:defRPr>
-            </a:lvl9pPr>
-          </a:lstStyle>
-          <a:p>
-            <a:pPr algn="r" defTabSz="914400"/>
-            <a:r>
-              <a:rPr lang="en-US" altLang="ko-KR" sz="2800">
-                <a:solidFill>
-                  <a:srgbClr val="333333"/>
-                </a:solidFill>
-                <a:latin typeface="맑은 고딕" panose="020B0503020000020004" pitchFamily="50" charset="-127"/>
-                <a:ea typeface="맑은 고딕" panose="020B0503020000020004" pitchFamily="50" charset="-127"/>
-              </a:rPr>
-              <a:t>20.08.13~20.08.19</a:t>
-            </a:r>
-          </a:p>
-        </p:txBody>
-      </p:sp>
-      <p:sp>
-        <p:nvSpPr>
           <p:cNvPr id="2" name="Rectangle 1">
             <a:extLst>
               <a:ext uri="{FF2B5EF4-FFF2-40B4-BE49-F238E27FC236}">
@@ -6576,7 +6622,7 @@
                 <a:latin typeface="나눔스퀘어라운드 Regular" panose="020B0600000101010101" pitchFamily="50" charset="-127"/>
                 <a:ea typeface="나눔스퀘어라운드 Regular" panose="020B0600000101010101" pitchFamily="50" charset="-127"/>
               </a:rPr>
-              <a:t>전반적인 알고리즘 </a:t>
+              <a:t>알고리즘 </a:t>
             </a:r>
             <a:r>
               <a:rPr lang="ko-KR" altLang="en-US" sz="2000" b="1" i="0">
@@ -7663,212 +7709,6 @@
           </a:fontRef>
         </p:style>
       </p:cxnSp>
-      <p:sp>
-        <p:nvSpPr>
-          <p:cNvPr id="11" name="Rectangle 1">
-            <a:extLst>
-              <a:ext uri="{FF2B5EF4-FFF2-40B4-BE49-F238E27FC236}">
-                <a16:creationId xmlns:a16="http://schemas.microsoft.com/office/drawing/2014/main" id="{7926A36D-CC31-4887-9B8D-E5A640616E0E}"/>
-              </a:ext>
-            </a:extLst>
-          </p:cNvPr>
-          <p:cNvSpPr>
-            <a:spLocks noChangeArrowheads="1"/>
-          </p:cNvSpPr>
-          <p:nvPr/>
-        </p:nvSpPr>
-        <p:spPr bwMode="auto">
-          <a:xfrm>
-            <a:off x="12332298" y="1693403"/>
-            <a:ext cx="4078705" cy="523220"/>
-          </a:xfrm>
-          <a:prstGeom prst="rect">
-            <a:avLst/>
-          </a:prstGeom>
-          <a:noFill/>
-          <a:ln>
-            <a:noFill/>
-          </a:ln>
-          <a:effectLst/>
-          <a:extLst>
-            <a:ext uri="{909E8E84-426E-40DD-AFC4-6F175D3DCCD1}">
-              <a14:hiddenFill xmlns:a14="http://schemas.microsoft.com/office/drawing/2010/main">
-                <a:solidFill>
-                  <a:schemeClr val="accent1"/>
-                </a:solidFill>
-              </a14:hiddenFill>
-            </a:ext>
-            <a:ext uri="{91240B29-F687-4F45-9708-019B960494DF}">
-              <a14:hiddenLine xmlns:a14="http://schemas.microsoft.com/office/drawing/2010/main" w="9525">
-                <a:solidFill>
-                  <a:schemeClr val="tx1"/>
-                </a:solidFill>
-                <a:miter lim="800000"/>
-                <a:headEnd/>
-                <a:tailEnd/>
-              </a14:hiddenLine>
-            </a:ext>
-            <a:ext uri="{AF507438-7753-43E0-B8FC-AC1667EBCBE1}">
-              <a14:hiddenEffects xmlns:a14="http://schemas.microsoft.com/office/drawing/2010/main">
-                <a:effectLst>
-                  <a:outerShdw dist="35921" dir="2700000" algn="ctr" rotWithShape="0">
-                    <a:schemeClr val="bg2"/>
-                  </a:outerShdw>
-                </a:effectLst>
-              </a14:hiddenEffects>
-            </a:ext>
-          </a:extLst>
-        </p:spPr>
-        <p:txBody>
-          <a:bodyPr vert="horz" wrap="square" lIns="91440" tIns="45720" rIns="91440" bIns="45720" numCol="1" anchor="ctr" anchorCtr="0" compatLnSpc="1">
-            <a:prstTxWarp prst="textNoShape">
-              <a:avLst/>
-            </a:prstTxWarp>
-            <a:spAutoFit/>
-          </a:bodyPr>
-          <a:lstStyle>
-            <a:lvl1pPr eaLnBrk="0" fontAlgn="base" hangingPunct="0">
-              <a:spcBef>
-                <a:spcPct val="0"/>
-              </a:spcBef>
-              <a:spcAft>
-                <a:spcPct val="0"/>
-              </a:spcAft>
-              <a:defRPr>
-                <a:solidFill>
-                  <a:schemeClr val="tx1"/>
-                </a:solidFill>
-                <a:latin typeface="Arial" panose="020B0604020202020204" pitchFamily="34" charset="0"/>
-              </a:defRPr>
-            </a:lvl1pPr>
-            <a:lvl2pPr eaLnBrk="0" fontAlgn="base" hangingPunct="0">
-              <a:spcBef>
-                <a:spcPct val="0"/>
-              </a:spcBef>
-              <a:spcAft>
-                <a:spcPct val="0"/>
-              </a:spcAft>
-              <a:defRPr>
-                <a:solidFill>
-                  <a:schemeClr val="tx1"/>
-                </a:solidFill>
-                <a:latin typeface="Arial" panose="020B0604020202020204" pitchFamily="34" charset="0"/>
-              </a:defRPr>
-            </a:lvl2pPr>
-            <a:lvl3pPr eaLnBrk="0" fontAlgn="base" hangingPunct="0">
-              <a:spcBef>
-                <a:spcPct val="0"/>
-              </a:spcBef>
-              <a:spcAft>
-                <a:spcPct val="0"/>
-              </a:spcAft>
-              <a:defRPr>
-                <a:solidFill>
-                  <a:schemeClr val="tx1"/>
-                </a:solidFill>
-                <a:latin typeface="Arial" panose="020B0604020202020204" pitchFamily="34" charset="0"/>
-              </a:defRPr>
-            </a:lvl3pPr>
-            <a:lvl4pPr eaLnBrk="0" fontAlgn="base" hangingPunct="0">
-              <a:spcBef>
-                <a:spcPct val="0"/>
-              </a:spcBef>
-              <a:spcAft>
-                <a:spcPct val="0"/>
-              </a:spcAft>
-              <a:defRPr>
-                <a:solidFill>
-                  <a:schemeClr val="tx1"/>
-                </a:solidFill>
-                <a:latin typeface="Arial" panose="020B0604020202020204" pitchFamily="34" charset="0"/>
-              </a:defRPr>
-            </a:lvl4pPr>
-            <a:lvl5pPr eaLnBrk="0" fontAlgn="base" hangingPunct="0">
-              <a:spcBef>
-                <a:spcPct val="0"/>
-              </a:spcBef>
-              <a:spcAft>
-                <a:spcPct val="0"/>
-              </a:spcAft>
-              <a:defRPr>
-                <a:solidFill>
-                  <a:schemeClr val="tx1"/>
-                </a:solidFill>
-                <a:latin typeface="Arial" panose="020B0604020202020204" pitchFamily="34" charset="0"/>
-              </a:defRPr>
-            </a:lvl5pPr>
-            <a:lvl6pPr eaLnBrk="0" fontAlgn="base" hangingPunct="0">
-              <a:spcBef>
-                <a:spcPct val="0"/>
-              </a:spcBef>
-              <a:spcAft>
-                <a:spcPct val="0"/>
-              </a:spcAft>
-              <a:defRPr>
-                <a:solidFill>
-                  <a:schemeClr val="tx1"/>
-                </a:solidFill>
-                <a:latin typeface="Arial" panose="020B0604020202020204" pitchFamily="34" charset="0"/>
-              </a:defRPr>
-            </a:lvl6pPr>
-            <a:lvl7pPr eaLnBrk="0" fontAlgn="base" hangingPunct="0">
-              <a:spcBef>
-                <a:spcPct val="0"/>
-              </a:spcBef>
-              <a:spcAft>
-                <a:spcPct val="0"/>
-              </a:spcAft>
-              <a:defRPr>
-                <a:solidFill>
-                  <a:schemeClr val="tx1"/>
-                </a:solidFill>
-                <a:latin typeface="Arial" panose="020B0604020202020204" pitchFamily="34" charset="0"/>
-              </a:defRPr>
-            </a:lvl7pPr>
-            <a:lvl8pPr eaLnBrk="0" fontAlgn="base" hangingPunct="0">
-              <a:spcBef>
-                <a:spcPct val="0"/>
-              </a:spcBef>
-              <a:spcAft>
-                <a:spcPct val="0"/>
-              </a:spcAft>
-              <a:defRPr>
-                <a:solidFill>
-                  <a:schemeClr val="tx1"/>
-                </a:solidFill>
-                <a:latin typeface="Arial" panose="020B0604020202020204" pitchFamily="34" charset="0"/>
-              </a:defRPr>
-            </a:lvl8pPr>
-            <a:lvl9pPr eaLnBrk="0" fontAlgn="base" hangingPunct="0">
-              <a:spcBef>
-                <a:spcPct val="0"/>
-              </a:spcBef>
-              <a:spcAft>
-                <a:spcPct val="0"/>
-              </a:spcAft>
-              <a:defRPr>
-                <a:solidFill>
-                  <a:schemeClr val="tx1"/>
-                </a:solidFill>
-                <a:latin typeface="Arial" panose="020B0604020202020204" pitchFamily="34" charset="0"/>
-              </a:defRPr>
-            </a:lvl9pPr>
-          </a:lstStyle>
-          <a:p>
-            <a:pPr algn="r" defTabSz="914400"/>
-            <a:r>
-              <a:rPr lang="en-US" altLang="ko-KR" sz="2800">
-                <a:solidFill>
-                  <a:srgbClr val="333333"/>
-                </a:solidFill>
-                <a:latin typeface="맑은 고딕" panose="020B0503020000020004" pitchFamily="50" charset="-127"/>
-                <a:ea typeface="맑은 고딕" panose="020B0503020000020004" pitchFamily="50" charset="-127"/>
-              </a:rPr>
-              <a:t>20.08.13~20.08.19</a:t>
-            </a:r>
-          </a:p>
-        </p:txBody>
-      </p:sp>
       <p:sp>
         <p:nvSpPr>
           <p:cNvPr id="4" name="Rectangle 1">
@@ -10053,6 +9893,26 @@
               </a:rPr>
               <a:t> 상권 수 변화량과</a:t>
             </a:r>
+            <a:r>
+              <a:rPr lang="en-US" altLang="ko-KR" sz="2000">
+                <a:solidFill>
+                  <a:srgbClr val="333333"/>
+                </a:solidFill>
+                <a:latin typeface="나눔스퀘어라운드 Regular" panose="020B0600000101010101" pitchFamily="50" charset="-127"/>
+                <a:ea typeface="나눔스퀘어라운드 Regular" panose="020B0600000101010101" pitchFamily="50" charset="-127"/>
+              </a:rPr>
+              <a:t> </a:t>
+            </a:r>
+            <a:r>
+              <a:rPr lang="ko-KR" altLang="en-US" sz="2000">
+                <a:solidFill>
+                  <a:srgbClr val="333333"/>
+                </a:solidFill>
+                <a:latin typeface="나눔스퀘어라운드 Regular" panose="020B0600000101010101" pitchFamily="50" charset="-127"/>
+                <a:ea typeface="나눔스퀘어라운드 Regular" panose="020B0600000101010101" pitchFamily="50" charset="-127"/>
+              </a:rPr>
+              <a:t>유동인구의 상관성 분석</a:t>
+            </a:r>
             <a:endParaRPr lang="en-US" altLang="ko-KR" sz="2000">
               <a:solidFill>
                 <a:srgbClr val="333333"/>
@@ -10077,7 +9937,47 @@
                 <a:latin typeface="나눔스퀘어라운드 Regular" panose="020B0600000101010101" pitchFamily="50" charset="-127"/>
                 <a:ea typeface="나눔스퀘어라운드 Regular" panose="020B0600000101010101" pitchFamily="50" charset="-127"/>
               </a:rPr>
-              <a:t>지하철역 하차 인원수 변화량과의 상관성 분석</a:t>
+              <a:t>지하철역 하차 인원수</a:t>
+            </a:r>
+            <a:r>
+              <a:rPr lang="en-US" altLang="ko-KR" sz="2000">
+                <a:solidFill>
+                  <a:srgbClr val="333333"/>
+                </a:solidFill>
+                <a:latin typeface="나눔스퀘어라운드 Regular" panose="020B0600000101010101" pitchFamily="50" charset="-127"/>
+                <a:ea typeface="나눔스퀘어라운드 Regular" panose="020B0600000101010101" pitchFamily="50" charset="-127"/>
+              </a:rPr>
+              <a:t>(</a:t>
+            </a:r>
+            <a:r>
+              <a:rPr lang="ko-KR" altLang="en-US" sz="2000">
+                <a:solidFill>
+                  <a:srgbClr val="333333"/>
+                </a:solidFill>
+                <a:latin typeface="나눔스퀘어라운드 Regular" panose="020B0600000101010101" pitchFamily="50" charset="-127"/>
+                <a:ea typeface="나눔스퀘어라운드 Regular" panose="020B0600000101010101" pitchFamily="50" charset="-127"/>
+              </a:rPr>
+              <a:t>유동인구</a:t>
+            </a:r>
+            <a:r>
+              <a:rPr lang="en-US" altLang="ko-KR" sz="2000">
+                <a:solidFill>
+                  <a:srgbClr val="333333"/>
+                </a:solidFill>
+                <a:latin typeface="나눔스퀘어라운드 Regular" panose="020B0600000101010101" pitchFamily="50" charset="-127"/>
+                <a:ea typeface="나눔스퀘어라운드 Regular" panose="020B0600000101010101" pitchFamily="50" charset="-127"/>
+              </a:rPr>
+              <a:t>)</a:t>
+            </a:r>
+            <a:r>
+              <a:rPr lang="ko-KR" altLang="en-US" sz="2000">
+                <a:solidFill>
+                  <a:srgbClr val="333333"/>
+                </a:solidFill>
+                <a:latin typeface="나눔스퀘어라운드 Regular" panose="020B0600000101010101" pitchFamily="50" charset="-127"/>
+                <a:ea typeface="나눔스퀘어라운드 Regular" panose="020B0600000101010101" pitchFamily="50" charset="-127"/>
+              </a:rPr>
+              <a:t> 예측 모델링</a:t>
             </a:r>
             <a:endParaRPr lang="en-US" altLang="ko-KR" sz="2000">
               <a:solidFill>
@@ -12151,212 +12051,6 @@
           </a:fontRef>
         </p:style>
       </p:cxnSp>
-      <p:sp>
-        <p:nvSpPr>
-          <p:cNvPr id="12" name="Rectangle 1">
-            <a:extLst>
-              <a:ext uri="{FF2B5EF4-FFF2-40B4-BE49-F238E27FC236}">
-                <a16:creationId xmlns:a16="http://schemas.microsoft.com/office/drawing/2014/main" id="{C6502137-7F0B-4513-AAFD-60B29B633162}"/>
-              </a:ext>
-            </a:extLst>
-          </p:cNvPr>
-          <p:cNvSpPr>
-            <a:spLocks noChangeArrowheads="1"/>
-          </p:cNvSpPr>
-          <p:nvPr/>
-        </p:nvSpPr>
-        <p:spPr bwMode="auto">
-          <a:xfrm>
-            <a:off x="9841403" y="1690994"/>
-            <a:ext cx="6566997" cy="523220"/>
-          </a:xfrm>
-          <a:prstGeom prst="rect">
-            <a:avLst/>
-          </a:prstGeom>
-          <a:noFill/>
-          <a:ln>
-            <a:noFill/>
-          </a:ln>
-          <a:effectLst/>
-          <a:extLst>
-            <a:ext uri="{909E8E84-426E-40DD-AFC4-6F175D3DCCD1}">
-              <a14:hiddenFill xmlns:a14="http://schemas.microsoft.com/office/drawing/2010/main">
-                <a:solidFill>
-                  <a:schemeClr val="accent1"/>
-                </a:solidFill>
-              </a14:hiddenFill>
-            </a:ext>
-            <a:ext uri="{91240B29-F687-4F45-9708-019B960494DF}">
-              <a14:hiddenLine xmlns:a14="http://schemas.microsoft.com/office/drawing/2010/main" w="9525">
-                <a:solidFill>
-                  <a:schemeClr val="tx1"/>
-                </a:solidFill>
-                <a:miter lim="800000"/>
-                <a:headEnd/>
-                <a:tailEnd/>
-              </a14:hiddenLine>
-            </a:ext>
-            <a:ext uri="{AF507438-7753-43E0-B8FC-AC1667EBCBE1}">
-              <a14:hiddenEffects xmlns:a14="http://schemas.microsoft.com/office/drawing/2010/main">
-                <a:effectLst>
-                  <a:outerShdw dist="35921" dir="2700000" algn="ctr" rotWithShape="0">
-                    <a:schemeClr val="bg2"/>
-                  </a:outerShdw>
-                </a:effectLst>
-              </a14:hiddenEffects>
-            </a:ext>
-          </a:extLst>
-        </p:spPr>
-        <p:txBody>
-          <a:bodyPr vert="horz" wrap="square" lIns="91440" tIns="45720" rIns="91440" bIns="45720" numCol="1" anchor="ctr" anchorCtr="0" compatLnSpc="1">
-            <a:prstTxWarp prst="textNoShape">
-              <a:avLst/>
-            </a:prstTxWarp>
-            <a:spAutoFit/>
-          </a:bodyPr>
-          <a:lstStyle>
-            <a:lvl1pPr eaLnBrk="0" fontAlgn="base" hangingPunct="0">
-              <a:spcBef>
-                <a:spcPct val="0"/>
-              </a:spcBef>
-              <a:spcAft>
-                <a:spcPct val="0"/>
-              </a:spcAft>
-              <a:defRPr>
-                <a:solidFill>
-                  <a:schemeClr val="tx1"/>
-                </a:solidFill>
-                <a:latin typeface="Arial" panose="020B0604020202020204" pitchFamily="34" charset="0"/>
-              </a:defRPr>
-            </a:lvl1pPr>
-            <a:lvl2pPr eaLnBrk="0" fontAlgn="base" hangingPunct="0">
-              <a:spcBef>
-                <a:spcPct val="0"/>
-              </a:spcBef>
-              <a:spcAft>
-                <a:spcPct val="0"/>
-              </a:spcAft>
-              <a:defRPr>
-                <a:solidFill>
-                  <a:schemeClr val="tx1"/>
-                </a:solidFill>
-                <a:latin typeface="Arial" panose="020B0604020202020204" pitchFamily="34" charset="0"/>
-              </a:defRPr>
-            </a:lvl2pPr>
-            <a:lvl3pPr eaLnBrk="0" fontAlgn="base" hangingPunct="0">
-              <a:spcBef>
-                <a:spcPct val="0"/>
-              </a:spcBef>
-              <a:spcAft>
-                <a:spcPct val="0"/>
-              </a:spcAft>
-              <a:defRPr>
-                <a:solidFill>
-                  <a:schemeClr val="tx1"/>
-                </a:solidFill>
-                <a:latin typeface="Arial" panose="020B0604020202020204" pitchFamily="34" charset="0"/>
-              </a:defRPr>
-            </a:lvl3pPr>
-            <a:lvl4pPr eaLnBrk="0" fontAlgn="base" hangingPunct="0">
-              <a:spcBef>
-                <a:spcPct val="0"/>
-              </a:spcBef>
-              <a:spcAft>
-                <a:spcPct val="0"/>
-              </a:spcAft>
-              <a:defRPr>
-                <a:solidFill>
-                  <a:schemeClr val="tx1"/>
-                </a:solidFill>
-                <a:latin typeface="Arial" panose="020B0604020202020204" pitchFamily="34" charset="0"/>
-              </a:defRPr>
-            </a:lvl4pPr>
-            <a:lvl5pPr eaLnBrk="0" fontAlgn="base" hangingPunct="0">
-              <a:spcBef>
-                <a:spcPct val="0"/>
-              </a:spcBef>
-              <a:spcAft>
-                <a:spcPct val="0"/>
-              </a:spcAft>
-              <a:defRPr>
-                <a:solidFill>
-                  <a:schemeClr val="tx1"/>
-                </a:solidFill>
-                <a:latin typeface="Arial" panose="020B0604020202020204" pitchFamily="34" charset="0"/>
-              </a:defRPr>
-            </a:lvl5pPr>
-            <a:lvl6pPr eaLnBrk="0" fontAlgn="base" hangingPunct="0">
-              <a:spcBef>
-                <a:spcPct val="0"/>
-              </a:spcBef>
-              <a:spcAft>
-                <a:spcPct val="0"/>
-              </a:spcAft>
-              <a:defRPr>
-                <a:solidFill>
-                  <a:schemeClr val="tx1"/>
-                </a:solidFill>
-                <a:latin typeface="Arial" panose="020B0604020202020204" pitchFamily="34" charset="0"/>
-              </a:defRPr>
-            </a:lvl6pPr>
-            <a:lvl7pPr eaLnBrk="0" fontAlgn="base" hangingPunct="0">
-              <a:spcBef>
-                <a:spcPct val="0"/>
-              </a:spcBef>
-              <a:spcAft>
-                <a:spcPct val="0"/>
-              </a:spcAft>
-              <a:defRPr>
-                <a:solidFill>
-                  <a:schemeClr val="tx1"/>
-                </a:solidFill>
-                <a:latin typeface="Arial" panose="020B0604020202020204" pitchFamily="34" charset="0"/>
-              </a:defRPr>
-            </a:lvl7pPr>
-            <a:lvl8pPr eaLnBrk="0" fontAlgn="base" hangingPunct="0">
-              <a:spcBef>
-                <a:spcPct val="0"/>
-              </a:spcBef>
-              <a:spcAft>
-                <a:spcPct val="0"/>
-              </a:spcAft>
-              <a:defRPr>
-                <a:solidFill>
-                  <a:schemeClr val="tx1"/>
-                </a:solidFill>
-                <a:latin typeface="Arial" panose="020B0604020202020204" pitchFamily="34" charset="0"/>
-              </a:defRPr>
-            </a:lvl8pPr>
-            <a:lvl9pPr eaLnBrk="0" fontAlgn="base" hangingPunct="0">
-              <a:spcBef>
-                <a:spcPct val="0"/>
-              </a:spcBef>
-              <a:spcAft>
-                <a:spcPct val="0"/>
-              </a:spcAft>
-              <a:defRPr>
-                <a:solidFill>
-                  <a:schemeClr val="tx1"/>
-                </a:solidFill>
-                <a:latin typeface="Arial" panose="020B0604020202020204" pitchFamily="34" charset="0"/>
-              </a:defRPr>
-            </a:lvl9pPr>
-          </a:lstStyle>
-          <a:p>
-            <a:pPr algn="r" defTabSz="914400"/>
-            <a:r>
-              <a:rPr lang="en-US" altLang="ko-KR" sz="2800">
-                <a:solidFill>
-                  <a:srgbClr val="333333"/>
-                </a:solidFill>
-                <a:latin typeface="맑은 고딕" panose="020B0503020000020004" pitchFamily="50" charset="-127"/>
-                <a:ea typeface="맑은 고딕" panose="020B0503020000020004" pitchFamily="50" charset="-127"/>
-              </a:rPr>
-              <a:t>20.08.23.~  20.09.28 </a:t>
-            </a:r>
-          </a:p>
-        </p:txBody>
-      </p:sp>
       <p:sp>
         <p:nvSpPr>
           <p:cNvPr id="13" name="Rectangle 1">
@@ -13756,212 +13450,6 @@
           </a:fontRef>
         </p:style>
       </p:cxnSp>
-      <p:sp>
-        <p:nvSpPr>
-          <p:cNvPr id="12" name="Rectangle 1">
-            <a:extLst>
-              <a:ext uri="{FF2B5EF4-FFF2-40B4-BE49-F238E27FC236}">
-                <a16:creationId xmlns:a16="http://schemas.microsoft.com/office/drawing/2014/main" id="{AB3E4D95-61B5-4D76-BD98-6A6CA2B9D7A0}"/>
-              </a:ext>
-            </a:extLst>
-          </p:cNvPr>
-          <p:cNvSpPr>
-            <a:spLocks noChangeArrowheads="1"/>
-          </p:cNvSpPr>
-          <p:nvPr/>
-        </p:nvSpPr>
-        <p:spPr bwMode="auto">
-          <a:xfrm>
-            <a:off x="9841403" y="1690994"/>
-            <a:ext cx="6566997" cy="523220"/>
-          </a:xfrm>
-          <a:prstGeom prst="rect">
-            <a:avLst/>
-          </a:prstGeom>
-          <a:noFill/>
-          <a:ln>
-            <a:noFill/>
-          </a:ln>
-          <a:effectLst/>
-          <a:extLst>
-            <a:ext uri="{909E8E84-426E-40DD-AFC4-6F175D3DCCD1}">
-              <a14:hiddenFill xmlns:a14="http://schemas.microsoft.com/office/drawing/2010/main">
-                <a:solidFill>
-                  <a:schemeClr val="accent1"/>
-                </a:solidFill>
-              </a14:hiddenFill>
-            </a:ext>
-            <a:ext uri="{91240B29-F687-4F45-9708-019B960494DF}">
-              <a14:hiddenLine xmlns:a14="http://schemas.microsoft.com/office/drawing/2010/main" w="9525">
-                <a:solidFill>
-                  <a:schemeClr val="tx1"/>
-                </a:solidFill>
-                <a:miter lim="800000"/>
-                <a:headEnd/>
-                <a:tailEnd/>
-              </a14:hiddenLine>
-            </a:ext>
-            <a:ext uri="{AF507438-7753-43E0-B8FC-AC1667EBCBE1}">
-              <a14:hiddenEffects xmlns:a14="http://schemas.microsoft.com/office/drawing/2010/main">
-                <a:effectLst>
-                  <a:outerShdw dist="35921" dir="2700000" algn="ctr" rotWithShape="0">
-                    <a:schemeClr val="bg2"/>
-                  </a:outerShdw>
-                </a:effectLst>
-              </a14:hiddenEffects>
-            </a:ext>
-          </a:extLst>
-        </p:spPr>
-        <p:txBody>
-          <a:bodyPr vert="horz" wrap="square" lIns="91440" tIns="45720" rIns="91440" bIns="45720" numCol="1" anchor="ctr" anchorCtr="0" compatLnSpc="1">
-            <a:prstTxWarp prst="textNoShape">
-              <a:avLst/>
-            </a:prstTxWarp>
-            <a:spAutoFit/>
-          </a:bodyPr>
-          <a:lstStyle>
-            <a:lvl1pPr eaLnBrk="0" fontAlgn="base" hangingPunct="0">
-              <a:spcBef>
-                <a:spcPct val="0"/>
-              </a:spcBef>
-              <a:spcAft>
-                <a:spcPct val="0"/>
-              </a:spcAft>
-              <a:defRPr>
-                <a:solidFill>
-                  <a:schemeClr val="tx1"/>
-                </a:solidFill>
-                <a:latin typeface="Arial" panose="020B0604020202020204" pitchFamily="34" charset="0"/>
-              </a:defRPr>
-            </a:lvl1pPr>
-            <a:lvl2pPr eaLnBrk="0" fontAlgn="base" hangingPunct="0">
-              <a:spcBef>
-                <a:spcPct val="0"/>
-              </a:spcBef>
-              <a:spcAft>
-                <a:spcPct val="0"/>
-              </a:spcAft>
-              <a:defRPr>
-                <a:solidFill>
-                  <a:schemeClr val="tx1"/>
-                </a:solidFill>
-                <a:latin typeface="Arial" panose="020B0604020202020204" pitchFamily="34" charset="0"/>
-              </a:defRPr>
-            </a:lvl2pPr>
-            <a:lvl3pPr eaLnBrk="0" fontAlgn="base" hangingPunct="0">
-              <a:spcBef>
-                <a:spcPct val="0"/>
-              </a:spcBef>
-              <a:spcAft>
-                <a:spcPct val="0"/>
-              </a:spcAft>
-              <a:defRPr>
-                <a:solidFill>
-                  <a:schemeClr val="tx1"/>
-                </a:solidFill>
-                <a:latin typeface="Arial" panose="020B0604020202020204" pitchFamily="34" charset="0"/>
-              </a:defRPr>
-            </a:lvl3pPr>
-            <a:lvl4pPr eaLnBrk="0" fontAlgn="base" hangingPunct="0">
-              <a:spcBef>
-                <a:spcPct val="0"/>
-              </a:spcBef>
-              <a:spcAft>
-                <a:spcPct val="0"/>
-              </a:spcAft>
-              <a:defRPr>
-                <a:solidFill>
-                  <a:schemeClr val="tx1"/>
-                </a:solidFill>
-                <a:latin typeface="Arial" panose="020B0604020202020204" pitchFamily="34" charset="0"/>
-              </a:defRPr>
-            </a:lvl4pPr>
-            <a:lvl5pPr eaLnBrk="0" fontAlgn="base" hangingPunct="0">
-              <a:spcBef>
-                <a:spcPct val="0"/>
-              </a:spcBef>
-              <a:spcAft>
-                <a:spcPct val="0"/>
-              </a:spcAft>
-              <a:defRPr>
-                <a:solidFill>
-                  <a:schemeClr val="tx1"/>
-                </a:solidFill>
-                <a:latin typeface="Arial" panose="020B0604020202020204" pitchFamily="34" charset="0"/>
-              </a:defRPr>
-            </a:lvl5pPr>
-            <a:lvl6pPr eaLnBrk="0" fontAlgn="base" hangingPunct="0">
-              <a:spcBef>
-                <a:spcPct val="0"/>
-              </a:spcBef>
-              <a:spcAft>
-                <a:spcPct val="0"/>
-              </a:spcAft>
-              <a:defRPr>
-                <a:solidFill>
-                  <a:schemeClr val="tx1"/>
-                </a:solidFill>
-                <a:latin typeface="Arial" panose="020B0604020202020204" pitchFamily="34" charset="0"/>
-              </a:defRPr>
-            </a:lvl6pPr>
-            <a:lvl7pPr eaLnBrk="0" fontAlgn="base" hangingPunct="0">
-              <a:spcBef>
-                <a:spcPct val="0"/>
-              </a:spcBef>
-              <a:spcAft>
-                <a:spcPct val="0"/>
-              </a:spcAft>
-              <a:defRPr>
-                <a:solidFill>
-                  <a:schemeClr val="tx1"/>
-                </a:solidFill>
-                <a:latin typeface="Arial" panose="020B0604020202020204" pitchFamily="34" charset="0"/>
-              </a:defRPr>
-            </a:lvl7pPr>
-            <a:lvl8pPr eaLnBrk="0" fontAlgn="base" hangingPunct="0">
-              <a:spcBef>
-                <a:spcPct val="0"/>
-              </a:spcBef>
-              <a:spcAft>
-                <a:spcPct val="0"/>
-              </a:spcAft>
-              <a:defRPr>
-                <a:solidFill>
-                  <a:schemeClr val="tx1"/>
-                </a:solidFill>
-                <a:latin typeface="Arial" panose="020B0604020202020204" pitchFamily="34" charset="0"/>
-              </a:defRPr>
-            </a:lvl8pPr>
-            <a:lvl9pPr eaLnBrk="0" fontAlgn="base" hangingPunct="0">
-              <a:spcBef>
-                <a:spcPct val="0"/>
-              </a:spcBef>
-              <a:spcAft>
-                <a:spcPct val="0"/>
-              </a:spcAft>
-              <a:defRPr>
-                <a:solidFill>
-                  <a:schemeClr val="tx1"/>
-                </a:solidFill>
-                <a:latin typeface="Arial" panose="020B0604020202020204" pitchFamily="34" charset="0"/>
-              </a:defRPr>
-            </a:lvl9pPr>
-          </a:lstStyle>
-          <a:p>
-            <a:pPr algn="r" defTabSz="914400"/>
-            <a:r>
-              <a:rPr lang="en-US" altLang="ko-KR" sz="2800">
-                <a:solidFill>
-                  <a:srgbClr val="333333"/>
-                </a:solidFill>
-                <a:latin typeface="맑은 고딕" panose="020B0503020000020004" pitchFamily="50" charset="-127"/>
-                <a:ea typeface="맑은 고딕" panose="020B0503020000020004" pitchFamily="50" charset="-127"/>
-              </a:rPr>
-              <a:t>20.08.23.~  20.09.28 </a:t>
-            </a:r>
-          </a:p>
-        </p:txBody>
-      </p:sp>
       <p:sp>
         <p:nvSpPr>
           <p:cNvPr id="13" name="Rectangle 1">
@@ -15970,212 +15458,6 @@
       </p:cxnSp>
       <p:sp>
         <p:nvSpPr>
-          <p:cNvPr id="14" name="Rectangle 1">
-            <a:extLst>
-              <a:ext uri="{FF2B5EF4-FFF2-40B4-BE49-F238E27FC236}">
-                <a16:creationId xmlns:a16="http://schemas.microsoft.com/office/drawing/2014/main" id="{585DE067-E688-4300-9044-DEA2DC1F9038}"/>
-              </a:ext>
-            </a:extLst>
-          </p:cNvPr>
-          <p:cNvSpPr>
-            <a:spLocks noChangeArrowheads="1"/>
-          </p:cNvSpPr>
-          <p:nvPr/>
-        </p:nvSpPr>
-        <p:spPr bwMode="auto">
-          <a:xfrm>
-            <a:off x="9841403" y="1690994"/>
-            <a:ext cx="6566997" cy="523220"/>
-          </a:xfrm>
-          <a:prstGeom prst="rect">
-            <a:avLst/>
-          </a:prstGeom>
-          <a:noFill/>
-          <a:ln>
-            <a:noFill/>
-          </a:ln>
-          <a:effectLst/>
-          <a:extLst>
-            <a:ext uri="{909E8E84-426E-40DD-AFC4-6F175D3DCCD1}">
-              <a14:hiddenFill xmlns:a14="http://schemas.microsoft.com/office/drawing/2010/main">
-                <a:solidFill>
-                  <a:schemeClr val="accent1"/>
-                </a:solidFill>
-              </a14:hiddenFill>
-            </a:ext>
-            <a:ext uri="{91240B29-F687-4F45-9708-019B960494DF}">
-              <a14:hiddenLine xmlns:a14="http://schemas.microsoft.com/office/drawing/2010/main" w="9525">
-                <a:solidFill>
-                  <a:schemeClr val="tx1"/>
-                </a:solidFill>
-                <a:miter lim="800000"/>
-                <a:headEnd/>
-                <a:tailEnd/>
-              </a14:hiddenLine>
-            </a:ext>
-            <a:ext uri="{AF507438-7753-43E0-B8FC-AC1667EBCBE1}">
-              <a14:hiddenEffects xmlns:a14="http://schemas.microsoft.com/office/drawing/2010/main">
-                <a:effectLst>
-                  <a:outerShdw dist="35921" dir="2700000" algn="ctr" rotWithShape="0">
-                    <a:schemeClr val="bg2"/>
-                  </a:outerShdw>
-                </a:effectLst>
-              </a14:hiddenEffects>
-            </a:ext>
-          </a:extLst>
-        </p:spPr>
-        <p:txBody>
-          <a:bodyPr vert="horz" wrap="square" lIns="91440" tIns="45720" rIns="91440" bIns="45720" numCol="1" anchor="ctr" anchorCtr="0" compatLnSpc="1">
-            <a:prstTxWarp prst="textNoShape">
-              <a:avLst/>
-            </a:prstTxWarp>
-            <a:spAutoFit/>
-          </a:bodyPr>
-          <a:lstStyle>
-            <a:lvl1pPr eaLnBrk="0" fontAlgn="base" hangingPunct="0">
-              <a:spcBef>
-                <a:spcPct val="0"/>
-              </a:spcBef>
-              <a:spcAft>
-                <a:spcPct val="0"/>
-              </a:spcAft>
-              <a:defRPr>
-                <a:solidFill>
-                  <a:schemeClr val="tx1"/>
-                </a:solidFill>
-                <a:latin typeface="Arial" panose="020B0604020202020204" pitchFamily="34" charset="0"/>
-              </a:defRPr>
-            </a:lvl1pPr>
-            <a:lvl2pPr eaLnBrk="0" fontAlgn="base" hangingPunct="0">
-              <a:spcBef>
-                <a:spcPct val="0"/>
-              </a:spcBef>
-              <a:spcAft>
-                <a:spcPct val="0"/>
-              </a:spcAft>
-              <a:defRPr>
-                <a:solidFill>
-                  <a:schemeClr val="tx1"/>
-                </a:solidFill>
-                <a:latin typeface="Arial" panose="020B0604020202020204" pitchFamily="34" charset="0"/>
-              </a:defRPr>
-            </a:lvl2pPr>
-            <a:lvl3pPr eaLnBrk="0" fontAlgn="base" hangingPunct="0">
-              <a:spcBef>
-                <a:spcPct val="0"/>
-              </a:spcBef>
-              <a:spcAft>
-                <a:spcPct val="0"/>
-              </a:spcAft>
-              <a:defRPr>
-                <a:solidFill>
-                  <a:schemeClr val="tx1"/>
-                </a:solidFill>
-                <a:latin typeface="Arial" panose="020B0604020202020204" pitchFamily="34" charset="0"/>
-              </a:defRPr>
-            </a:lvl3pPr>
-            <a:lvl4pPr eaLnBrk="0" fontAlgn="base" hangingPunct="0">
-              <a:spcBef>
-                <a:spcPct val="0"/>
-              </a:spcBef>
-              <a:spcAft>
-                <a:spcPct val="0"/>
-              </a:spcAft>
-              <a:defRPr>
-                <a:solidFill>
-                  <a:schemeClr val="tx1"/>
-                </a:solidFill>
-                <a:latin typeface="Arial" panose="020B0604020202020204" pitchFamily="34" charset="0"/>
-              </a:defRPr>
-            </a:lvl4pPr>
-            <a:lvl5pPr eaLnBrk="0" fontAlgn="base" hangingPunct="0">
-              <a:spcBef>
-                <a:spcPct val="0"/>
-              </a:spcBef>
-              <a:spcAft>
-                <a:spcPct val="0"/>
-              </a:spcAft>
-              <a:defRPr>
-                <a:solidFill>
-                  <a:schemeClr val="tx1"/>
-                </a:solidFill>
-                <a:latin typeface="Arial" panose="020B0604020202020204" pitchFamily="34" charset="0"/>
-              </a:defRPr>
-            </a:lvl5pPr>
-            <a:lvl6pPr eaLnBrk="0" fontAlgn="base" hangingPunct="0">
-              <a:spcBef>
-                <a:spcPct val="0"/>
-              </a:spcBef>
-              <a:spcAft>
-                <a:spcPct val="0"/>
-              </a:spcAft>
-              <a:defRPr>
-                <a:solidFill>
-                  <a:schemeClr val="tx1"/>
-                </a:solidFill>
-                <a:latin typeface="Arial" panose="020B0604020202020204" pitchFamily="34" charset="0"/>
-              </a:defRPr>
-            </a:lvl6pPr>
-            <a:lvl7pPr eaLnBrk="0" fontAlgn="base" hangingPunct="0">
-              <a:spcBef>
-                <a:spcPct val="0"/>
-              </a:spcBef>
-              <a:spcAft>
-                <a:spcPct val="0"/>
-              </a:spcAft>
-              <a:defRPr>
-                <a:solidFill>
-                  <a:schemeClr val="tx1"/>
-                </a:solidFill>
-                <a:latin typeface="Arial" panose="020B0604020202020204" pitchFamily="34" charset="0"/>
-              </a:defRPr>
-            </a:lvl7pPr>
-            <a:lvl8pPr eaLnBrk="0" fontAlgn="base" hangingPunct="0">
-              <a:spcBef>
-                <a:spcPct val="0"/>
-              </a:spcBef>
-              <a:spcAft>
-                <a:spcPct val="0"/>
-              </a:spcAft>
-              <a:defRPr>
-                <a:solidFill>
-                  <a:schemeClr val="tx1"/>
-                </a:solidFill>
-                <a:latin typeface="Arial" panose="020B0604020202020204" pitchFamily="34" charset="0"/>
-              </a:defRPr>
-            </a:lvl8pPr>
-            <a:lvl9pPr eaLnBrk="0" fontAlgn="base" hangingPunct="0">
-              <a:spcBef>
-                <a:spcPct val="0"/>
-              </a:spcBef>
-              <a:spcAft>
-                <a:spcPct val="0"/>
-              </a:spcAft>
-              <a:defRPr>
-                <a:solidFill>
-                  <a:schemeClr val="tx1"/>
-                </a:solidFill>
-                <a:latin typeface="Arial" panose="020B0604020202020204" pitchFamily="34" charset="0"/>
-              </a:defRPr>
-            </a:lvl9pPr>
-          </a:lstStyle>
-          <a:p>
-            <a:pPr algn="r" defTabSz="914400"/>
-            <a:r>
-              <a:rPr lang="en-US" altLang="ko-KR" sz="2800">
-                <a:solidFill>
-                  <a:srgbClr val="333333"/>
-                </a:solidFill>
-                <a:latin typeface="맑은 고딕" panose="020B0503020000020004" pitchFamily="50" charset="-127"/>
-                <a:ea typeface="맑은 고딕" panose="020B0503020000020004" pitchFamily="50" charset="-127"/>
-              </a:rPr>
-              <a:t>20.08.23.~  20.09.28 </a:t>
-            </a:r>
-          </a:p>
-        </p:txBody>
-      </p:sp>
-      <p:sp>
-        <p:nvSpPr>
           <p:cNvPr id="15" name="Rectangle 1">
             <a:extLst>
               <a:ext uri="{FF2B5EF4-FFF2-40B4-BE49-F238E27FC236}">
@@ -17214,212 +16496,6 @@
       </p:cxnSp>
       <p:sp>
         <p:nvSpPr>
-          <p:cNvPr id="8" name="Rectangle 1">
-            <a:extLst>
-              <a:ext uri="{FF2B5EF4-FFF2-40B4-BE49-F238E27FC236}">
-                <a16:creationId xmlns:a16="http://schemas.microsoft.com/office/drawing/2014/main" id="{87AA1AD4-E491-4C35-B509-274A709C6BF1}"/>
-              </a:ext>
-            </a:extLst>
-          </p:cNvPr>
-          <p:cNvSpPr>
-            <a:spLocks noChangeArrowheads="1"/>
-          </p:cNvSpPr>
-          <p:nvPr/>
-        </p:nvSpPr>
-        <p:spPr bwMode="auto">
-          <a:xfrm>
-            <a:off x="9841403" y="1690994"/>
-            <a:ext cx="6566997" cy="523220"/>
-          </a:xfrm>
-          <a:prstGeom prst="rect">
-            <a:avLst/>
-          </a:prstGeom>
-          <a:noFill/>
-          <a:ln>
-            <a:noFill/>
-          </a:ln>
-          <a:effectLst/>
-          <a:extLst>
-            <a:ext uri="{909E8E84-426E-40DD-AFC4-6F175D3DCCD1}">
-              <a14:hiddenFill xmlns:a14="http://schemas.microsoft.com/office/drawing/2010/main">
-                <a:solidFill>
-                  <a:schemeClr val="accent1"/>
-                </a:solidFill>
-              </a14:hiddenFill>
-            </a:ext>
-            <a:ext uri="{91240B29-F687-4F45-9708-019B960494DF}">
-              <a14:hiddenLine xmlns:a14="http://schemas.microsoft.com/office/drawing/2010/main" w="9525">
-                <a:solidFill>
-                  <a:schemeClr val="tx1"/>
-                </a:solidFill>
-                <a:miter lim="800000"/>
-                <a:headEnd/>
-                <a:tailEnd/>
-              </a14:hiddenLine>
-            </a:ext>
-            <a:ext uri="{AF507438-7753-43E0-B8FC-AC1667EBCBE1}">
-              <a14:hiddenEffects xmlns:a14="http://schemas.microsoft.com/office/drawing/2010/main">
-                <a:effectLst>
-                  <a:outerShdw dist="35921" dir="2700000" algn="ctr" rotWithShape="0">
-                    <a:schemeClr val="bg2"/>
-                  </a:outerShdw>
-                </a:effectLst>
-              </a14:hiddenEffects>
-            </a:ext>
-          </a:extLst>
-        </p:spPr>
-        <p:txBody>
-          <a:bodyPr vert="horz" wrap="square" lIns="91440" tIns="45720" rIns="91440" bIns="45720" numCol="1" anchor="ctr" anchorCtr="0" compatLnSpc="1">
-            <a:prstTxWarp prst="textNoShape">
-              <a:avLst/>
-            </a:prstTxWarp>
-            <a:spAutoFit/>
-          </a:bodyPr>
-          <a:lstStyle>
-            <a:lvl1pPr eaLnBrk="0" fontAlgn="base" hangingPunct="0">
-              <a:spcBef>
-                <a:spcPct val="0"/>
-              </a:spcBef>
-              <a:spcAft>
-                <a:spcPct val="0"/>
-              </a:spcAft>
-              <a:defRPr>
-                <a:solidFill>
-                  <a:schemeClr val="tx1"/>
-                </a:solidFill>
-                <a:latin typeface="Arial" panose="020B0604020202020204" pitchFamily="34" charset="0"/>
-              </a:defRPr>
-            </a:lvl1pPr>
-            <a:lvl2pPr eaLnBrk="0" fontAlgn="base" hangingPunct="0">
-              <a:spcBef>
-                <a:spcPct val="0"/>
-              </a:spcBef>
-              <a:spcAft>
-                <a:spcPct val="0"/>
-              </a:spcAft>
-              <a:defRPr>
-                <a:solidFill>
-                  <a:schemeClr val="tx1"/>
-                </a:solidFill>
-                <a:latin typeface="Arial" panose="020B0604020202020204" pitchFamily="34" charset="0"/>
-              </a:defRPr>
-            </a:lvl2pPr>
-            <a:lvl3pPr eaLnBrk="0" fontAlgn="base" hangingPunct="0">
-              <a:spcBef>
-                <a:spcPct val="0"/>
-              </a:spcBef>
-              <a:spcAft>
-                <a:spcPct val="0"/>
-              </a:spcAft>
-              <a:defRPr>
-                <a:solidFill>
-                  <a:schemeClr val="tx1"/>
-                </a:solidFill>
-                <a:latin typeface="Arial" panose="020B0604020202020204" pitchFamily="34" charset="0"/>
-              </a:defRPr>
-            </a:lvl3pPr>
-            <a:lvl4pPr eaLnBrk="0" fontAlgn="base" hangingPunct="0">
-              <a:spcBef>
-                <a:spcPct val="0"/>
-              </a:spcBef>
-              <a:spcAft>
-                <a:spcPct val="0"/>
-              </a:spcAft>
-              <a:defRPr>
-                <a:solidFill>
-                  <a:schemeClr val="tx1"/>
-                </a:solidFill>
-                <a:latin typeface="Arial" panose="020B0604020202020204" pitchFamily="34" charset="0"/>
-              </a:defRPr>
-            </a:lvl4pPr>
-            <a:lvl5pPr eaLnBrk="0" fontAlgn="base" hangingPunct="0">
-              <a:spcBef>
-                <a:spcPct val="0"/>
-              </a:spcBef>
-              <a:spcAft>
-                <a:spcPct val="0"/>
-              </a:spcAft>
-              <a:defRPr>
-                <a:solidFill>
-                  <a:schemeClr val="tx1"/>
-                </a:solidFill>
-                <a:latin typeface="Arial" panose="020B0604020202020204" pitchFamily="34" charset="0"/>
-              </a:defRPr>
-            </a:lvl5pPr>
-            <a:lvl6pPr eaLnBrk="0" fontAlgn="base" hangingPunct="0">
-              <a:spcBef>
-                <a:spcPct val="0"/>
-              </a:spcBef>
-              <a:spcAft>
-                <a:spcPct val="0"/>
-              </a:spcAft>
-              <a:defRPr>
-                <a:solidFill>
-                  <a:schemeClr val="tx1"/>
-                </a:solidFill>
-                <a:latin typeface="Arial" panose="020B0604020202020204" pitchFamily="34" charset="0"/>
-              </a:defRPr>
-            </a:lvl6pPr>
-            <a:lvl7pPr eaLnBrk="0" fontAlgn="base" hangingPunct="0">
-              <a:spcBef>
-                <a:spcPct val="0"/>
-              </a:spcBef>
-              <a:spcAft>
-                <a:spcPct val="0"/>
-              </a:spcAft>
-              <a:defRPr>
-                <a:solidFill>
-                  <a:schemeClr val="tx1"/>
-                </a:solidFill>
-                <a:latin typeface="Arial" panose="020B0604020202020204" pitchFamily="34" charset="0"/>
-              </a:defRPr>
-            </a:lvl7pPr>
-            <a:lvl8pPr eaLnBrk="0" fontAlgn="base" hangingPunct="0">
-              <a:spcBef>
-                <a:spcPct val="0"/>
-              </a:spcBef>
-              <a:spcAft>
-                <a:spcPct val="0"/>
-              </a:spcAft>
-              <a:defRPr>
-                <a:solidFill>
-                  <a:schemeClr val="tx1"/>
-                </a:solidFill>
-                <a:latin typeface="Arial" panose="020B0604020202020204" pitchFamily="34" charset="0"/>
-              </a:defRPr>
-            </a:lvl8pPr>
-            <a:lvl9pPr eaLnBrk="0" fontAlgn="base" hangingPunct="0">
-              <a:spcBef>
-                <a:spcPct val="0"/>
-              </a:spcBef>
-              <a:spcAft>
-                <a:spcPct val="0"/>
-              </a:spcAft>
-              <a:defRPr>
-                <a:solidFill>
-                  <a:schemeClr val="tx1"/>
-                </a:solidFill>
-                <a:latin typeface="Arial" panose="020B0604020202020204" pitchFamily="34" charset="0"/>
-              </a:defRPr>
-            </a:lvl9pPr>
-          </a:lstStyle>
-          <a:p>
-            <a:pPr algn="r" defTabSz="914400"/>
-            <a:r>
-              <a:rPr lang="en-US" altLang="ko-KR" sz="2800">
-                <a:solidFill>
-                  <a:srgbClr val="333333"/>
-                </a:solidFill>
-                <a:latin typeface="맑은 고딕" panose="020B0503020000020004" pitchFamily="50" charset="-127"/>
-                <a:ea typeface="맑은 고딕" panose="020B0503020000020004" pitchFamily="50" charset="-127"/>
-              </a:rPr>
-              <a:t>20.08.23.~  20.09.28 </a:t>
-            </a:r>
-          </a:p>
-        </p:txBody>
-      </p:sp>
-      <p:sp>
-        <p:nvSpPr>
           <p:cNvPr id="9" name="Rectangle 1">
             <a:extLst>
               <a:ext uri="{FF2B5EF4-FFF2-40B4-BE49-F238E27FC236}">
@@ -17888,212 +16964,6 @@
           </a:fontRef>
         </p:style>
       </p:cxnSp>
-      <p:sp>
-        <p:nvSpPr>
-          <p:cNvPr id="11" name="Rectangle 1">
-            <a:extLst>
-              <a:ext uri="{FF2B5EF4-FFF2-40B4-BE49-F238E27FC236}">
-                <a16:creationId xmlns:a16="http://schemas.microsoft.com/office/drawing/2014/main" id="{7A06FF48-F425-4556-AC8E-F00A41E643ED}"/>
-              </a:ext>
-            </a:extLst>
-          </p:cNvPr>
-          <p:cNvSpPr>
-            <a:spLocks noChangeArrowheads="1"/>
-          </p:cNvSpPr>
-          <p:nvPr/>
-        </p:nvSpPr>
-        <p:spPr bwMode="auto">
-          <a:xfrm>
-            <a:off x="9841403" y="1690743"/>
-            <a:ext cx="6566997" cy="523220"/>
-          </a:xfrm>
-          <a:prstGeom prst="rect">
-            <a:avLst/>
-          </a:prstGeom>
-          <a:noFill/>
-          <a:ln>
-            <a:noFill/>
-          </a:ln>
-          <a:effectLst/>
-          <a:extLst>
-            <a:ext uri="{909E8E84-426E-40DD-AFC4-6F175D3DCCD1}">
-              <a14:hiddenFill xmlns:a14="http://schemas.microsoft.com/office/drawing/2010/main">
-                <a:solidFill>
-                  <a:schemeClr val="accent1"/>
-                </a:solidFill>
-              </a14:hiddenFill>
-            </a:ext>
-            <a:ext uri="{91240B29-F687-4F45-9708-019B960494DF}">
-              <a14:hiddenLine xmlns:a14="http://schemas.microsoft.com/office/drawing/2010/main" w="9525">
-                <a:solidFill>
-                  <a:schemeClr val="tx1"/>
-                </a:solidFill>
-                <a:miter lim="800000"/>
-                <a:headEnd/>
-                <a:tailEnd/>
-              </a14:hiddenLine>
-            </a:ext>
-            <a:ext uri="{AF507438-7753-43E0-B8FC-AC1667EBCBE1}">
-              <a14:hiddenEffects xmlns:a14="http://schemas.microsoft.com/office/drawing/2010/main">
-                <a:effectLst>
-                  <a:outerShdw dist="35921" dir="2700000" algn="ctr" rotWithShape="0">
-                    <a:schemeClr val="bg2"/>
-                  </a:outerShdw>
-                </a:effectLst>
-              </a14:hiddenEffects>
-            </a:ext>
-          </a:extLst>
-        </p:spPr>
-        <p:txBody>
-          <a:bodyPr vert="horz" wrap="square" lIns="91440" tIns="45720" rIns="91440" bIns="45720" numCol="1" anchor="ctr" anchorCtr="0" compatLnSpc="1">
-            <a:prstTxWarp prst="textNoShape">
-              <a:avLst/>
-            </a:prstTxWarp>
-            <a:spAutoFit/>
-          </a:bodyPr>
-          <a:lstStyle>
-            <a:lvl1pPr eaLnBrk="0" fontAlgn="base" hangingPunct="0">
-              <a:spcBef>
-                <a:spcPct val="0"/>
-              </a:spcBef>
-              <a:spcAft>
-                <a:spcPct val="0"/>
-              </a:spcAft>
-              <a:defRPr>
-                <a:solidFill>
-                  <a:schemeClr val="tx1"/>
-                </a:solidFill>
-                <a:latin typeface="Arial" panose="020B0604020202020204" pitchFamily="34" charset="0"/>
-              </a:defRPr>
-            </a:lvl1pPr>
-            <a:lvl2pPr eaLnBrk="0" fontAlgn="base" hangingPunct="0">
-              <a:spcBef>
-                <a:spcPct val="0"/>
-              </a:spcBef>
-              <a:spcAft>
-                <a:spcPct val="0"/>
-              </a:spcAft>
-              <a:defRPr>
-                <a:solidFill>
-                  <a:schemeClr val="tx1"/>
-                </a:solidFill>
-                <a:latin typeface="Arial" panose="020B0604020202020204" pitchFamily="34" charset="0"/>
-              </a:defRPr>
-            </a:lvl2pPr>
-            <a:lvl3pPr eaLnBrk="0" fontAlgn="base" hangingPunct="0">
-              <a:spcBef>
-                <a:spcPct val="0"/>
-              </a:spcBef>
-              <a:spcAft>
-                <a:spcPct val="0"/>
-              </a:spcAft>
-              <a:defRPr>
-                <a:solidFill>
-                  <a:schemeClr val="tx1"/>
-                </a:solidFill>
-                <a:latin typeface="Arial" panose="020B0604020202020204" pitchFamily="34" charset="0"/>
-              </a:defRPr>
-            </a:lvl3pPr>
-            <a:lvl4pPr eaLnBrk="0" fontAlgn="base" hangingPunct="0">
-              <a:spcBef>
-                <a:spcPct val="0"/>
-              </a:spcBef>
-              <a:spcAft>
-                <a:spcPct val="0"/>
-              </a:spcAft>
-              <a:defRPr>
-                <a:solidFill>
-                  <a:schemeClr val="tx1"/>
-                </a:solidFill>
-                <a:latin typeface="Arial" panose="020B0604020202020204" pitchFamily="34" charset="0"/>
-              </a:defRPr>
-            </a:lvl4pPr>
-            <a:lvl5pPr eaLnBrk="0" fontAlgn="base" hangingPunct="0">
-              <a:spcBef>
-                <a:spcPct val="0"/>
-              </a:spcBef>
-              <a:spcAft>
-                <a:spcPct val="0"/>
-              </a:spcAft>
-              <a:defRPr>
-                <a:solidFill>
-                  <a:schemeClr val="tx1"/>
-                </a:solidFill>
-                <a:latin typeface="Arial" panose="020B0604020202020204" pitchFamily="34" charset="0"/>
-              </a:defRPr>
-            </a:lvl5pPr>
-            <a:lvl6pPr eaLnBrk="0" fontAlgn="base" hangingPunct="0">
-              <a:spcBef>
-                <a:spcPct val="0"/>
-              </a:spcBef>
-              <a:spcAft>
-                <a:spcPct val="0"/>
-              </a:spcAft>
-              <a:defRPr>
-                <a:solidFill>
-                  <a:schemeClr val="tx1"/>
-                </a:solidFill>
-                <a:latin typeface="Arial" panose="020B0604020202020204" pitchFamily="34" charset="0"/>
-              </a:defRPr>
-            </a:lvl6pPr>
-            <a:lvl7pPr eaLnBrk="0" fontAlgn="base" hangingPunct="0">
-              <a:spcBef>
-                <a:spcPct val="0"/>
-              </a:spcBef>
-              <a:spcAft>
-                <a:spcPct val="0"/>
-              </a:spcAft>
-              <a:defRPr>
-                <a:solidFill>
-                  <a:schemeClr val="tx1"/>
-                </a:solidFill>
-                <a:latin typeface="Arial" panose="020B0604020202020204" pitchFamily="34" charset="0"/>
-              </a:defRPr>
-            </a:lvl7pPr>
-            <a:lvl8pPr eaLnBrk="0" fontAlgn="base" hangingPunct="0">
-              <a:spcBef>
-                <a:spcPct val="0"/>
-              </a:spcBef>
-              <a:spcAft>
-                <a:spcPct val="0"/>
-              </a:spcAft>
-              <a:defRPr>
-                <a:solidFill>
-                  <a:schemeClr val="tx1"/>
-                </a:solidFill>
-                <a:latin typeface="Arial" panose="020B0604020202020204" pitchFamily="34" charset="0"/>
-              </a:defRPr>
-            </a:lvl8pPr>
-            <a:lvl9pPr eaLnBrk="0" fontAlgn="base" hangingPunct="0">
-              <a:spcBef>
-                <a:spcPct val="0"/>
-              </a:spcBef>
-              <a:spcAft>
-                <a:spcPct val="0"/>
-              </a:spcAft>
-              <a:defRPr>
-                <a:solidFill>
-                  <a:schemeClr val="tx1"/>
-                </a:solidFill>
-                <a:latin typeface="Arial" panose="020B0604020202020204" pitchFamily="34" charset="0"/>
-              </a:defRPr>
-            </a:lvl9pPr>
-          </a:lstStyle>
-          <a:p>
-            <a:pPr algn="r" defTabSz="914400"/>
-            <a:r>
-              <a:rPr lang="en-US" altLang="ko-KR" sz="2800">
-                <a:solidFill>
-                  <a:srgbClr val="333333"/>
-                </a:solidFill>
-                <a:latin typeface="맑은 고딕" panose="020B0503020000020004" pitchFamily="50" charset="-127"/>
-                <a:ea typeface="맑은 고딕" panose="020B0503020000020004" pitchFamily="50" charset="-127"/>
-              </a:rPr>
-              <a:t>20.08.23.~ 20.09.12   </a:t>
-            </a:r>
-          </a:p>
-        </p:txBody>
-      </p:sp>
       <p:sp>
         <p:nvSpPr>
           <p:cNvPr id="12" name="Rectangle 1">
@@ -18579,6 +17449,212 @@
           </a:p>
         </p:txBody>
       </p:sp>
+      <p:sp>
+        <p:nvSpPr>
+          <p:cNvPr id="13" name="Rectangle 1">
+            <a:extLst>
+              <a:ext uri="{FF2B5EF4-FFF2-40B4-BE49-F238E27FC236}">
+                <a16:creationId xmlns:a16="http://schemas.microsoft.com/office/drawing/2014/main" id="{898066ED-B2F7-4C48-A5E8-F81449D29BF5}"/>
+              </a:ext>
+            </a:extLst>
+          </p:cNvPr>
+          <p:cNvSpPr>
+            <a:spLocks noChangeArrowheads="1"/>
+          </p:cNvSpPr>
+          <p:nvPr/>
+        </p:nvSpPr>
+        <p:spPr bwMode="auto">
+          <a:xfrm>
+            <a:off x="9993803" y="1688491"/>
+            <a:ext cx="6566997" cy="523220"/>
+          </a:xfrm>
+          <a:prstGeom prst="rect">
+            <a:avLst/>
+          </a:prstGeom>
+          <a:noFill/>
+          <a:ln>
+            <a:noFill/>
+          </a:ln>
+          <a:effectLst/>
+          <a:extLst>
+            <a:ext uri="{909E8E84-426E-40DD-AFC4-6F175D3DCCD1}">
+              <a14:hiddenFill xmlns:a14="http://schemas.microsoft.com/office/drawing/2010/main">
+                <a:solidFill>
+                  <a:schemeClr val="accent1"/>
+                </a:solidFill>
+              </a14:hiddenFill>
+            </a:ext>
+            <a:ext uri="{91240B29-F687-4F45-9708-019B960494DF}">
+              <a14:hiddenLine xmlns:a14="http://schemas.microsoft.com/office/drawing/2010/main" w="9525">
+                <a:solidFill>
+                  <a:schemeClr val="tx1"/>
+                </a:solidFill>
+                <a:miter lim="800000"/>
+                <a:headEnd/>
+                <a:tailEnd/>
+              </a14:hiddenLine>
+            </a:ext>
+            <a:ext uri="{AF507438-7753-43E0-B8FC-AC1667EBCBE1}">
+              <a14:hiddenEffects xmlns:a14="http://schemas.microsoft.com/office/drawing/2010/main">
+                <a:effectLst>
+                  <a:outerShdw dist="35921" dir="2700000" algn="ctr" rotWithShape="0">
+                    <a:schemeClr val="bg2"/>
+                  </a:outerShdw>
+                </a:effectLst>
+              </a14:hiddenEffects>
+            </a:ext>
+          </a:extLst>
+        </p:spPr>
+        <p:txBody>
+          <a:bodyPr vert="horz" wrap="square" lIns="91440" tIns="45720" rIns="91440" bIns="45720" numCol="1" anchor="ctr" anchorCtr="0" compatLnSpc="1">
+            <a:prstTxWarp prst="textNoShape">
+              <a:avLst/>
+            </a:prstTxWarp>
+            <a:spAutoFit/>
+          </a:bodyPr>
+          <a:lstStyle>
+            <a:lvl1pPr eaLnBrk="0" fontAlgn="base" hangingPunct="0">
+              <a:spcBef>
+                <a:spcPct val="0"/>
+              </a:spcBef>
+              <a:spcAft>
+                <a:spcPct val="0"/>
+              </a:spcAft>
+              <a:defRPr>
+                <a:solidFill>
+                  <a:schemeClr val="tx1"/>
+                </a:solidFill>
+                <a:latin typeface="Arial" panose="020B0604020202020204" pitchFamily="34" charset="0"/>
+              </a:defRPr>
+            </a:lvl1pPr>
+            <a:lvl2pPr eaLnBrk="0" fontAlgn="base" hangingPunct="0">
+              <a:spcBef>
+                <a:spcPct val="0"/>
+              </a:spcBef>
+              <a:spcAft>
+                <a:spcPct val="0"/>
+              </a:spcAft>
+              <a:defRPr>
+                <a:solidFill>
+                  <a:schemeClr val="tx1"/>
+                </a:solidFill>
+                <a:latin typeface="Arial" panose="020B0604020202020204" pitchFamily="34" charset="0"/>
+              </a:defRPr>
+            </a:lvl2pPr>
+            <a:lvl3pPr eaLnBrk="0" fontAlgn="base" hangingPunct="0">
+              <a:spcBef>
+                <a:spcPct val="0"/>
+              </a:spcBef>
+              <a:spcAft>
+                <a:spcPct val="0"/>
+              </a:spcAft>
+              <a:defRPr>
+                <a:solidFill>
+                  <a:schemeClr val="tx1"/>
+                </a:solidFill>
+                <a:latin typeface="Arial" panose="020B0604020202020204" pitchFamily="34" charset="0"/>
+              </a:defRPr>
+            </a:lvl3pPr>
+            <a:lvl4pPr eaLnBrk="0" fontAlgn="base" hangingPunct="0">
+              <a:spcBef>
+                <a:spcPct val="0"/>
+              </a:spcBef>
+              <a:spcAft>
+                <a:spcPct val="0"/>
+              </a:spcAft>
+              <a:defRPr>
+                <a:solidFill>
+                  <a:schemeClr val="tx1"/>
+                </a:solidFill>
+                <a:latin typeface="Arial" panose="020B0604020202020204" pitchFamily="34" charset="0"/>
+              </a:defRPr>
+            </a:lvl4pPr>
+            <a:lvl5pPr eaLnBrk="0" fontAlgn="base" hangingPunct="0">
+              <a:spcBef>
+                <a:spcPct val="0"/>
+              </a:spcBef>
+              <a:spcAft>
+                <a:spcPct val="0"/>
+              </a:spcAft>
+              <a:defRPr>
+                <a:solidFill>
+                  <a:schemeClr val="tx1"/>
+                </a:solidFill>
+                <a:latin typeface="Arial" panose="020B0604020202020204" pitchFamily="34" charset="0"/>
+              </a:defRPr>
+            </a:lvl5pPr>
+            <a:lvl6pPr eaLnBrk="0" fontAlgn="base" hangingPunct="0">
+              <a:spcBef>
+                <a:spcPct val="0"/>
+              </a:spcBef>
+              <a:spcAft>
+                <a:spcPct val="0"/>
+              </a:spcAft>
+              <a:defRPr>
+                <a:solidFill>
+                  <a:schemeClr val="tx1"/>
+                </a:solidFill>
+                <a:latin typeface="Arial" panose="020B0604020202020204" pitchFamily="34" charset="0"/>
+              </a:defRPr>
+            </a:lvl6pPr>
+            <a:lvl7pPr eaLnBrk="0" fontAlgn="base" hangingPunct="0">
+              <a:spcBef>
+                <a:spcPct val="0"/>
+              </a:spcBef>
+              <a:spcAft>
+                <a:spcPct val="0"/>
+              </a:spcAft>
+              <a:defRPr>
+                <a:solidFill>
+                  <a:schemeClr val="tx1"/>
+                </a:solidFill>
+                <a:latin typeface="Arial" panose="020B0604020202020204" pitchFamily="34" charset="0"/>
+              </a:defRPr>
+            </a:lvl7pPr>
+            <a:lvl8pPr eaLnBrk="0" fontAlgn="base" hangingPunct="0">
+              <a:spcBef>
+                <a:spcPct val="0"/>
+              </a:spcBef>
+              <a:spcAft>
+                <a:spcPct val="0"/>
+              </a:spcAft>
+              <a:defRPr>
+                <a:solidFill>
+                  <a:schemeClr val="tx1"/>
+                </a:solidFill>
+                <a:latin typeface="Arial" panose="020B0604020202020204" pitchFamily="34" charset="0"/>
+              </a:defRPr>
+            </a:lvl8pPr>
+            <a:lvl9pPr eaLnBrk="0" fontAlgn="base" hangingPunct="0">
+              <a:spcBef>
+                <a:spcPct val="0"/>
+              </a:spcBef>
+              <a:spcAft>
+                <a:spcPct val="0"/>
+              </a:spcAft>
+              <a:defRPr>
+                <a:solidFill>
+                  <a:schemeClr val="tx1"/>
+                </a:solidFill>
+                <a:latin typeface="Arial" panose="020B0604020202020204" pitchFamily="34" charset="0"/>
+              </a:defRPr>
+            </a:lvl9pPr>
+          </a:lstStyle>
+          <a:p>
+            <a:pPr algn="r" defTabSz="914400"/>
+            <a:r>
+              <a:rPr lang="en-US" altLang="ko-KR" sz="2800">
+                <a:solidFill>
+                  <a:srgbClr val="333333"/>
+                </a:solidFill>
+                <a:latin typeface="맑은 고딕" panose="020B0503020000020004" pitchFamily="50" charset="-127"/>
+                <a:ea typeface="맑은 고딕" panose="020B0503020000020004" pitchFamily="50" charset="-127"/>
+              </a:rPr>
+              <a:t>20.10.01~20.10.22</a:t>
+            </a:r>
+          </a:p>
+        </p:txBody>
+      </p:sp>
     </p:spTree>
     <p:extLst>
       <p:ext uri="{BB962C8B-B14F-4D97-AF65-F5344CB8AC3E}">
@@ -18864,212 +17940,6 @@
           </a:fontRef>
         </p:style>
       </p:cxnSp>
-      <p:sp>
-        <p:nvSpPr>
-          <p:cNvPr id="11" name="Rectangle 1">
-            <a:extLst>
-              <a:ext uri="{FF2B5EF4-FFF2-40B4-BE49-F238E27FC236}">
-                <a16:creationId xmlns:a16="http://schemas.microsoft.com/office/drawing/2014/main" id="{7A06FF48-F425-4556-AC8E-F00A41E643ED}"/>
-              </a:ext>
-            </a:extLst>
-          </p:cNvPr>
-          <p:cNvSpPr>
-            <a:spLocks noChangeArrowheads="1"/>
-          </p:cNvSpPr>
-          <p:nvPr/>
-        </p:nvSpPr>
-        <p:spPr bwMode="auto">
-          <a:xfrm>
-            <a:off x="9841403" y="1690743"/>
-            <a:ext cx="6566997" cy="523220"/>
-          </a:xfrm>
-          <a:prstGeom prst="rect">
-            <a:avLst/>
-          </a:prstGeom>
-          <a:noFill/>
-          <a:ln>
-            <a:noFill/>
-          </a:ln>
-          <a:effectLst/>
-          <a:extLst>
-            <a:ext uri="{909E8E84-426E-40DD-AFC4-6F175D3DCCD1}">
-              <a14:hiddenFill xmlns:a14="http://schemas.microsoft.com/office/drawing/2010/main">
-                <a:solidFill>
-                  <a:schemeClr val="accent1"/>
-                </a:solidFill>
-              </a14:hiddenFill>
-            </a:ext>
-            <a:ext uri="{91240B29-F687-4F45-9708-019B960494DF}">
-              <a14:hiddenLine xmlns:a14="http://schemas.microsoft.com/office/drawing/2010/main" w="9525">
-                <a:solidFill>
-                  <a:schemeClr val="tx1"/>
-                </a:solidFill>
-                <a:miter lim="800000"/>
-                <a:headEnd/>
-                <a:tailEnd/>
-              </a14:hiddenLine>
-            </a:ext>
-            <a:ext uri="{AF507438-7753-43E0-B8FC-AC1667EBCBE1}">
-              <a14:hiddenEffects xmlns:a14="http://schemas.microsoft.com/office/drawing/2010/main">
-                <a:effectLst>
-                  <a:outerShdw dist="35921" dir="2700000" algn="ctr" rotWithShape="0">
-                    <a:schemeClr val="bg2"/>
-                  </a:outerShdw>
-                </a:effectLst>
-              </a14:hiddenEffects>
-            </a:ext>
-          </a:extLst>
-        </p:spPr>
-        <p:txBody>
-          <a:bodyPr vert="horz" wrap="square" lIns="91440" tIns="45720" rIns="91440" bIns="45720" numCol="1" anchor="ctr" anchorCtr="0" compatLnSpc="1">
-            <a:prstTxWarp prst="textNoShape">
-              <a:avLst/>
-            </a:prstTxWarp>
-            <a:spAutoFit/>
-          </a:bodyPr>
-          <a:lstStyle>
-            <a:lvl1pPr eaLnBrk="0" fontAlgn="base" hangingPunct="0">
-              <a:spcBef>
-                <a:spcPct val="0"/>
-              </a:spcBef>
-              <a:spcAft>
-                <a:spcPct val="0"/>
-              </a:spcAft>
-              <a:defRPr>
-                <a:solidFill>
-                  <a:schemeClr val="tx1"/>
-                </a:solidFill>
-                <a:latin typeface="Arial" panose="020B0604020202020204" pitchFamily="34" charset="0"/>
-              </a:defRPr>
-            </a:lvl1pPr>
-            <a:lvl2pPr eaLnBrk="0" fontAlgn="base" hangingPunct="0">
-              <a:spcBef>
-                <a:spcPct val="0"/>
-              </a:spcBef>
-              <a:spcAft>
-                <a:spcPct val="0"/>
-              </a:spcAft>
-              <a:defRPr>
-                <a:solidFill>
-                  <a:schemeClr val="tx1"/>
-                </a:solidFill>
-                <a:latin typeface="Arial" panose="020B0604020202020204" pitchFamily="34" charset="0"/>
-              </a:defRPr>
-            </a:lvl2pPr>
-            <a:lvl3pPr eaLnBrk="0" fontAlgn="base" hangingPunct="0">
-              <a:spcBef>
-                <a:spcPct val="0"/>
-              </a:spcBef>
-              <a:spcAft>
-                <a:spcPct val="0"/>
-              </a:spcAft>
-              <a:defRPr>
-                <a:solidFill>
-                  <a:schemeClr val="tx1"/>
-                </a:solidFill>
-                <a:latin typeface="Arial" panose="020B0604020202020204" pitchFamily="34" charset="0"/>
-              </a:defRPr>
-            </a:lvl3pPr>
-            <a:lvl4pPr eaLnBrk="0" fontAlgn="base" hangingPunct="0">
-              <a:spcBef>
-                <a:spcPct val="0"/>
-              </a:spcBef>
-              <a:spcAft>
-                <a:spcPct val="0"/>
-              </a:spcAft>
-              <a:defRPr>
-                <a:solidFill>
-                  <a:schemeClr val="tx1"/>
-                </a:solidFill>
-                <a:latin typeface="Arial" panose="020B0604020202020204" pitchFamily="34" charset="0"/>
-              </a:defRPr>
-            </a:lvl4pPr>
-            <a:lvl5pPr eaLnBrk="0" fontAlgn="base" hangingPunct="0">
-              <a:spcBef>
-                <a:spcPct val="0"/>
-              </a:spcBef>
-              <a:spcAft>
-                <a:spcPct val="0"/>
-              </a:spcAft>
-              <a:defRPr>
-                <a:solidFill>
-                  <a:schemeClr val="tx1"/>
-                </a:solidFill>
-                <a:latin typeface="Arial" panose="020B0604020202020204" pitchFamily="34" charset="0"/>
-              </a:defRPr>
-            </a:lvl5pPr>
-            <a:lvl6pPr eaLnBrk="0" fontAlgn="base" hangingPunct="0">
-              <a:spcBef>
-                <a:spcPct val="0"/>
-              </a:spcBef>
-              <a:spcAft>
-                <a:spcPct val="0"/>
-              </a:spcAft>
-              <a:defRPr>
-                <a:solidFill>
-                  <a:schemeClr val="tx1"/>
-                </a:solidFill>
-                <a:latin typeface="Arial" panose="020B0604020202020204" pitchFamily="34" charset="0"/>
-              </a:defRPr>
-            </a:lvl6pPr>
-            <a:lvl7pPr eaLnBrk="0" fontAlgn="base" hangingPunct="0">
-              <a:spcBef>
-                <a:spcPct val="0"/>
-              </a:spcBef>
-              <a:spcAft>
-                <a:spcPct val="0"/>
-              </a:spcAft>
-              <a:defRPr>
-                <a:solidFill>
-                  <a:schemeClr val="tx1"/>
-                </a:solidFill>
-                <a:latin typeface="Arial" panose="020B0604020202020204" pitchFamily="34" charset="0"/>
-              </a:defRPr>
-            </a:lvl7pPr>
-            <a:lvl8pPr eaLnBrk="0" fontAlgn="base" hangingPunct="0">
-              <a:spcBef>
-                <a:spcPct val="0"/>
-              </a:spcBef>
-              <a:spcAft>
-                <a:spcPct val="0"/>
-              </a:spcAft>
-              <a:defRPr>
-                <a:solidFill>
-                  <a:schemeClr val="tx1"/>
-                </a:solidFill>
-                <a:latin typeface="Arial" panose="020B0604020202020204" pitchFamily="34" charset="0"/>
-              </a:defRPr>
-            </a:lvl8pPr>
-            <a:lvl9pPr eaLnBrk="0" fontAlgn="base" hangingPunct="0">
-              <a:spcBef>
-                <a:spcPct val="0"/>
-              </a:spcBef>
-              <a:spcAft>
-                <a:spcPct val="0"/>
-              </a:spcAft>
-              <a:defRPr>
-                <a:solidFill>
-                  <a:schemeClr val="tx1"/>
-                </a:solidFill>
-                <a:latin typeface="Arial" panose="020B0604020202020204" pitchFamily="34" charset="0"/>
-              </a:defRPr>
-            </a:lvl9pPr>
-          </a:lstStyle>
-          <a:p>
-            <a:pPr algn="r" defTabSz="914400"/>
-            <a:r>
-              <a:rPr lang="en-US" altLang="ko-KR" sz="2800">
-                <a:solidFill>
-                  <a:srgbClr val="333333"/>
-                </a:solidFill>
-                <a:latin typeface="맑은 고딕" panose="020B0503020000020004" pitchFamily="50" charset="-127"/>
-                <a:ea typeface="맑은 고딕" panose="020B0503020000020004" pitchFamily="50" charset="-127"/>
-              </a:rPr>
-              <a:t>20.10.01~20.10.22</a:t>
-            </a:r>
-          </a:p>
-        </p:txBody>
-      </p:sp>
       <p:sp>
         <p:nvSpPr>
           <p:cNvPr id="3" name="Rectangle 1">
@@ -20455,212 +19325,6 @@
       </p:cxnSp>
       <p:sp>
         <p:nvSpPr>
-          <p:cNvPr id="11" name="Rectangle 1">
-            <a:extLst>
-              <a:ext uri="{FF2B5EF4-FFF2-40B4-BE49-F238E27FC236}">
-                <a16:creationId xmlns:a16="http://schemas.microsoft.com/office/drawing/2014/main" id="{7A06FF48-F425-4556-AC8E-F00A41E643ED}"/>
-              </a:ext>
-            </a:extLst>
-          </p:cNvPr>
-          <p:cNvSpPr>
-            <a:spLocks noChangeArrowheads="1"/>
-          </p:cNvSpPr>
-          <p:nvPr/>
-        </p:nvSpPr>
-        <p:spPr bwMode="auto">
-          <a:xfrm>
-            <a:off x="9841403" y="1690743"/>
-            <a:ext cx="6566997" cy="523220"/>
-          </a:xfrm>
-          <a:prstGeom prst="rect">
-            <a:avLst/>
-          </a:prstGeom>
-          <a:noFill/>
-          <a:ln>
-            <a:noFill/>
-          </a:ln>
-          <a:effectLst/>
-          <a:extLst>
-            <a:ext uri="{909E8E84-426E-40DD-AFC4-6F175D3DCCD1}">
-              <a14:hiddenFill xmlns:a14="http://schemas.microsoft.com/office/drawing/2010/main">
-                <a:solidFill>
-                  <a:schemeClr val="accent1"/>
-                </a:solidFill>
-              </a14:hiddenFill>
-            </a:ext>
-            <a:ext uri="{91240B29-F687-4F45-9708-019B960494DF}">
-              <a14:hiddenLine xmlns:a14="http://schemas.microsoft.com/office/drawing/2010/main" w="9525">
-                <a:solidFill>
-                  <a:schemeClr val="tx1"/>
-                </a:solidFill>
-                <a:miter lim="800000"/>
-                <a:headEnd/>
-                <a:tailEnd/>
-              </a14:hiddenLine>
-            </a:ext>
-            <a:ext uri="{AF507438-7753-43E0-B8FC-AC1667EBCBE1}">
-              <a14:hiddenEffects xmlns:a14="http://schemas.microsoft.com/office/drawing/2010/main">
-                <a:effectLst>
-                  <a:outerShdw dist="35921" dir="2700000" algn="ctr" rotWithShape="0">
-                    <a:schemeClr val="bg2"/>
-                  </a:outerShdw>
-                </a:effectLst>
-              </a14:hiddenEffects>
-            </a:ext>
-          </a:extLst>
-        </p:spPr>
-        <p:txBody>
-          <a:bodyPr vert="horz" wrap="square" lIns="91440" tIns="45720" rIns="91440" bIns="45720" numCol="1" anchor="ctr" anchorCtr="0" compatLnSpc="1">
-            <a:prstTxWarp prst="textNoShape">
-              <a:avLst/>
-            </a:prstTxWarp>
-            <a:spAutoFit/>
-          </a:bodyPr>
-          <a:lstStyle>
-            <a:lvl1pPr eaLnBrk="0" fontAlgn="base" hangingPunct="0">
-              <a:spcBef>
-                <a:spcPct val="0"/>
-              </a:spcBef>
-              <a:spcAft>
-                <a:spcPct val="0"/>
-              </a:spcAft>
-              <a:defRPr>
-                <a:solidFill>
-                  <a:schemeClr val="tx1"/>
-                </a:solidFill>
-                <a:latin typeface="Arial" panose="020B0604020202020204" pitchFamily="34" charset="0"/>
-              </a:defRPr>
-            </a:lvl1pPr>
-            <a:lvl2pPr eaLnBrk="0" fontAlgn="base" hangingPunct="0">
-              <a:spcBef>
-                <a:spcPct val="0"/>
-              </a:spcBef>
-              <a:spcAft>
-                <a:spcPct val="0"/>
-              </a:spcAft>
-              <a:defRPr>
-                <a:solidFill>
-                  <a:schemeClr val="tx1"/>
-                </a:solidFill>
-                <a:latin typeface="Arial" panose="020B0604020202020204" pitchFamily="34" charset="0"/>
-              </a:defRPr>
-            </a:lvl2pPr>
-            <a:lvl3pPr eaLnBrk="0" fontAlgn="base" hangingPunct="0">
-              <a:spcBef>
-                <a:spcPct val="0"/>
-              </a:spcBef>
-              <a:spcAft>
-                <a:spcPct val="0"/>
-              </a:spcAft>
-              <a:defRPr>
-                <a:solidFill>
-                  <a:schemeClr val="tx1"/>
-                </a:solidFill>
-                <a:latin typeface="Arial" panose="020B0604020202020204" pitchFamily="34" charset="0"/>
-              </a:defRPr>
-            </a:lvl3pPr>
-            <a:lvl4pPr eaLnBrk="0" fontAlgn="base" hangingPunct="0">
-              <a:spcBef>
-                <a:spcPct val="0"/>
-              </a:spcBef>
-              <a:spcAft>
-                <a:spcPct val="0"/>
-              </a:spcAft>
-              <a:defRPr>
-                <a:solidFill>
-                  <a:schemeClr val="tx1"/>
-                </a:solidFill>
-                <a:latin typeface="Arial" panose="020B0604020202020204" pitchFamily="34" charset="0"/>
-              </a:defRPr>
-            </a:lvl4pPr>
-            <a:lvl5pPr eaLnBrk="0" fontAlgn="base" hangingPunct="0">
-              <a:spcBef>
-                <a:spcPct val="0"/>
-              </a:spcBef>
-              <a:spcAft>
-                <a:spcPct val="0"/>
-              </a:spcAft>
-              <a:defRPr>
-                <a:solidFill>
-                  <a:schemeClr val="tx1"/>
-                </a:solidFill>
-                <a:latin typeface="Arial" panose="020B0604020202020204" pitchFamily="34" charset="0"/>
-              </a:defRPr>
-            </a:lvl5pPr>
-            <a:lvl6pPr eaLnBrk="0" fontAlgn="base" hangingPunct="0">
-              <a:spcBef>
-                <a:spcPct val="0"/>
-              </a:spcBef>
-              <a:spcAft>
-                <a:spcPct val="0"/>
-              </a:spcAft>
-              <a:defRPr>
-                <a:solidFill>
-                  <a:schemeClr val="tx1"/>
-                </a:solidFill>
-                <a:latin typeface="Arial" panose="020B0604020202020204" pitchFamily="34" charset="0"/>
-              </a:defRPr>
-            </a:lvl6pPr>
-            <a:lvl7pPr eaLnBrk="0" fontAlgn="base" hangingPunct="0">
-              <a:spcBef>
-                <a:spcPct val="0"/>
-              </a:spcBef>
-              <a:spcAft>
-                <a:spcPct val="0"/>
-              </a:spcAft>
-              <a:defRPr>
-                <a:solidFill>
-                  <a:schemeClr val="tx1"/>
-                </a:solidFill>
-                <a:latin typeface="Arial" panose="020B0604020202020204" pitchFamily="34" charset="0"/>
-              </a:defRPr>
-            </a:lvl7pPr>
-            <a:lvl8pPr eaLnBrk="0" fontAlgn="base" hangingPunct="0">
-              <a:spcBef>
-                <a:spcPct val="0"/>
-              </a:spcBef>
-              <a:spcAft>
-                <a:spcPct val="0"/>
-              </a:spcAft>
-              <a:defRPr>
-                <a:solidFill>
-                  <a:schemeClr val="tx1"/>
-                </a:solidFill>
-                <a:latin typeface="Arial" panose="020B0604020202020204" pitchFamily="34" charset="0"/>
-              </a:defRPr>
-            </a:lvl8pPr>
-            <a:lvl9pPr eaLnBrk="0" fontAlgn="base" hangingPunct="0">
-              <a:spcBef>
-                <a:spcPct val="0"/>
-              </a:spcBef>
-              <a:spcAft>
-                <a:spcPct val="0"/>
-              </a:spcAft>
-              <a:defRPr>
-                <a:solidFill>
-                  <a:schemeClr val="tx1"/>
-                </a:solidFill>
-                <a:latin typeface="Arial" panose="020B0604020202020204" pitchFamily="34" charset="0"/>
-              </a:defRPr>
-            </a:lvl9pPr>
-          </a:lstStyle>
-          <a:p>
-            <a:pPr algn="r" defTabSz="914400"/>
-            <a:r>
-              <a:rPr lang="en-US" altLang="ko-KR" sz="2800">
-                <a:solidFill>
-                  <a:srgbClr val="333333"/>
-                </a:solidFill>
-                <a:latin typeface="맑은 고딕" panose="020B0503020000020004" pitchFamily="50" charset="-127"/>
-                <a:ea typeface="맑은 고딕" panose="020B0503020000020004" pitchFamily="50" charset="-127"/>
-              </a:rPr>
-              <a:t>20.10.01~20.10.22</a:t>
-            </a:r>
-          </a:p>
-        </p:txBody>
-      </p:sp>
-      <p:sp>
-        <p:nvSpPr>
           <p:cNvPr id="3" name="Rectangle 1">
             <a:extLst>
               <a:ext uri="{FF2B5EF4-FFF2-40B4-BE49-F238E27FC236}">
@@ -21365,7 +20029,7 @@
         </p:blipFill>
         <p:spPr>
           <a:xfrm>
-            <a:off x="12208985" y="2963275"/>
+            <a:off x="11836004" y="2133096"/>
             <a:ext cx="4440715" cy="2937198"/>
           </a:xfrm>
           <a:prstGeom prst="rect">
@@ -21395,7 +20059,7 @@
         </p:blipFill>
         <p:spPr>
           <a:xfrm>
-            <a:off x="12208985" y="5978502"/>
+            <a:off x="11836004" y="5148323"/>
             <a:ext cx="4347662" cy="2611872"/>
           </a:xfrm>
           <a:prstGeom prst="rect">
@@ -21425,7 +20089,7 @@
         </p:blipFill>
         <p:spPr>
           <a:xfrm>
-            <a:off x="12218418" y="8590374"/>
+            <a:off x="11845437" y="7760195"/>
             <a:ext cx="3016776" cy="858943"/>
           </a:xfrm>
           <a:prstGeom prst="rect">
@@ -21447,7 +20111,7 @@
         </p:nvSpPr>
         <p:spPr>
           <a:xfrm>
-            <a:off x="12208985" y="2507992"/>
+            <a:off x="11836004" y="1677813"/>
             <a:ext cx="2787134" cy="369332"/>
           </a:xfrm>
           <a:prstGeom prst="rect">
@@ -24483,212 +23147,6 @@
       </p:cxnSp>
       <p:sp>
         <p:nvSpPr>
-          <p:cNvPr id="11" name="Rectangle 1">
-            <a:extLst>
-              <a:ext uri="{FF2B5EF4-FFF2-40B4-BE49-F238E27FC236}">
-                <a16:creationId xmlns:a16="http://schemas.microsoft.com/office/drawing/2014/main" id="{7A06FF48-F425-4556-AC8E-F00A41E643ED}"/>
-              </a:ext>
-            </a:extLst>
-          </p:cNvPr>
-          <p:cNvSpPr>
-            <a:spLocks noChangeArrowheads="1"/>
-          </p:cNvSpPr>
-          <p:nvPr/>
-        </p:nvSpPr>
-        <p:spPr bwMode="auto">
-          <a:xfrm>
-            <a:off x="9841403" y="1690743"/>
-            <a:ext cx="6566997" cy="523220"/>
-          </a:xfrm>
-          <a:prstGeom prst="rect">
-            <a:avLst/>
-          </a:prstGeom>
-          <a:noFill/>
-          <a:ln>
-            <a:noFill/>
-          </a:ln>
-          <a:effectLst/>
-          <a:extLst>
-            <a:ext uri="{909E8E84-426E-40DD-AFC4-6F175D3DCCD1}">
-              <a14:hiddenFill xmlns:a14="http://schemas.microsoft.com/office/drawing/2010/main">
-                <a:solidFill>
-                  <a:schemeClr val="accent1"/>
-                </a:solidFill>
-              </a14:hiddenFill>
-            </a:ext>
-            <a:ext uri="{91240B29-F687-4F45-9708-019B960494DF}">
-              <a14:hiddenLine xmlns:a14="http://schemas.microsoft.com/office/drawing/2010/main" w="9525">
-                <a:solidFill>
-                  <a:schemeClr val="tx1"/>
-                </a:solidFill>
-                <a:miter lim="800000"/>
-                <a:headEnd/>
-                <a:tailEnd/>
-              </a14:hiddenLine>
-            </a:ext>
-            <a:ext uri="{AF507438-7753-43E0-B8FC-AC1667EBCBE1}">
-              <a14:hiddenEffects xmlns:a14="http://schemas.microsoft.com/office/drawing/2010/main">
-                <a:effectLst>
-                  <a:outerShdw dist="35921" dir="2700000" algn="ctr" rotWithShape="0">
-                    <a:schemeClr val="bg2"/>
-                  </a:outerShdw>
-                </a:effectLst>
-              </a14:hiddenEffects>
-            </a:ext>
-          </a:extLst>
-        </p:spPr>
-        <p:txBody>
-          <a:bodyPr vert="horz" wrap="square" lIns="91440" tIns="45720" rIns="91440" bIns="45720" numCol="1" anchor="ctr" anchorCtr="0" compatLnSpc="1">
-            <a:prstTxWarp prst="textNoShape">
-              <a:avLst/>
-            </a:prstTxWarp>
-            <a:spAutoFit/>
-          </a:bodyPr>
-          <a:lstStyle>
-            <a:lvl1pPr eaLnBrk="0" fontAlgn="base" hangingPunct="0">
-              <a:spcBef>
-                <a:spcPct val="0"/>
-              </a:spcBef>
-              <a:spcAft>
-                <a:spcPct val="0"/>
-              </a:spcAft>
-              <a:defRPr>
-                <a:solidFill>
-                  <a:schemeClr val="tx1"/>
-                </a:solidFill>
-                <a:latin typeface="Arial" panose="020B0604020202020204" pitchFamily="34" charset="0"/>
-              </a:defRPr>
-            </a:lvl1pPr>
-            <a:lvl2pPr eaLnBrk="0" fontAlgn="base" hangingPunct="0">
-              <a:spcBef>
-                <a:spcPct val="0"/>
-              </a:spcBef>
-              <a:spcAft>
-                <a:spcPct val="0"/>
-              </a:spcAft>
-              <a:defRPr>
-                <a:solidFill>
-                  <a:schemeClr val="tx1"/>
-                </a:solidFill>
-                <a:latin typeface="Arial" panose="020B0604020202020204" pitchFamily="34" charset="0"/>
-              </a:defRPr>
-            </a:lvl2pPr>
-            <a:lvl3pPr eaLnBrk="0" fontAlgn="base" hangingPunct="0">
-              <a:spcBef>
-                <a:spcPct val="0"/>
-              </a:spcBef>
-              <a:spcAft>
-                <a:spcPct val="0"/>
-              </a:spcAft>
-              <a:defRPr>
-                <a:solidFill>
-                  <a:schemeClr val="tx1"/>
-                </a:solidFill>
-                <a:latin typeface="Arial" panose="020B0604020202020204" pitchFamily="34" charset="0"/>
-              </a:defRPr>
-            </a:lvl3pPr>
-            <a:lvl4pPr eaLnBrk="0" fontAlgn="base" hangingPunct="0">
-              <a:spcBef>
-                <a:spcPct val="0"/>
-              </a:spcBef>
-              <a:spcAft>
-                <a:spcPct val="0"/>
-              </a:spcAft>
-              <a:defRPr>
-                <a:solidFill>
-                  <a:schemeClr val="tx1"/>
-                </a:solidFill>
-                <a:latin typeface="Arial" panose="020B0604020202020204" pitchFamily="34" charset="0"/>
-              </a:defRPr>
-            </a:lvl4pPr>
-            <a:lvl5pPr eaLnBrk="0" fontAlgn="base" hangingPunct="0">
-              <a:spcBef>
-                <a:spcPct val="0"/>
-              </a:spcBef>
-              <a:spcAft>
-                <a:spcPct val="0"/>
-              </a:spcAft>
-              <a:defRPr>
-                <a:solidFill>
-                  <a:schemeClr val="tx1"/>
-                </a:solidFill>
-                <a:latin typeface="Arial" panose="020B0604020202020204" pitchFamily="34" charset="0"/>
-              </a:defRPr>
-            </a:lvl5pPr>
-            <a:lvl6pPr eaLnBrk="0" fontAlgn="base" hangingPunct="0">
-              <a:spcBef>
-                <a:spcPct val="0"/>
-              </a:spcBef>
-              <a:spcAft>
-                <a:spcPct val="0"/>
-              </a:spcAft>
-              <a:defRPr>
-                <a:solidFill>
-                  <a:schemeClr val="tx1"/>
-                </a:solidFill>
-                <a:latin typeface="Arial" panose="020B0604020202020204" pitchFamily="34" charset="0"/>
-              </a:defRPr>
-            </a:lvl6pPr>
-            <a:lvl7pPr eaLnBrk="0" fontAlgn="base" hangingPunct="0">
-              <a:spcBef>
-                <a:spcPct val="0"/>
-              </a:spcBef>
-              <a:spcAft>
-                <a:spcPct val="0"/>
-              </a:spcAft>
-              <a:defRPr>
-                <a:solidFill>
-                  <a:schemeClr val="tx1"/>
-                </a:solidFill>
-                <a:latin typeface="Arial" panose="020B0604020202020204" pitchFamily="34" charset="0"/>
-              </a:defRPr>
-            </a:lvl7pPr>
-            <a:lvl8pPr eaLnBrk="0" fontAlgn="base" hangingPunct="0">
-              <a:spcBef>
-                <a:spcPct val="0"/>
-              </a:spcBef>
-              <a:spcAft>
-                <a:spcPct val="0"/>
-              </a:spcAft>
-              <a:defRPr>
-                <a:solidFill>
-                  <a:schemeClr val="tx1"/>
-                </a:solidFill>
-                <a:latin typeface="Arial" panose="020B0604020202020204" pitchFamily="34" charset="0"/>
-              </a:defRPr>
-            </a:lvl8pPr>
-            <a:lvl9pPr eaLnBrk="0" fontAlgn="base" hangingPunct="0">
-              <a:spcBef>
-                <a:spcPct val="0"/>
-              </a:spcBef>
-              <a:spcAft>
-                <a:spcPct val="0"/>
-              </a:spcAft>
-              <a:defRPr>
-                <a:solidFill>
-                  <a:schemeClr val="tx1"/>
-                </a:solidFill>
-                <a:latin typeface="Arial" panose="020B0604020202020204" pitchFamily="34" charset="0"/>
-              </a:defRPr>
-            </a:lvl9pPr>
-          </a:lstStyle>
-          <a:p>
-            <a:pPr algn="r" defTabSz="914400"/>
-            <a:r>
-              <a:rPr lang="en-US" altLang="ko-KR" sz="2800">
-                <a:solidFill>
-                  <a:srgbClr val="333333"/>
-                </a:solidFill>
-                <a:latin typeface="맑은 고딕" panose="020B0503020000020004" pitchFamily="50" charset="-127"/>
-                <a:ea typeface="맑은 고딕" panose="020B0503020000020004" pitchFamily="50" charset="-127"/>
-              </a:rPr>
-              <a:t>20.10.01~20.10.22</a:t>
-            </a:r>
-          </a:p>
-        </p:txBody>
-      </p:sp>
-      <p:sp>
-        <p:nvSpPr>
           <p:cNvPr id="3" name="Rectangle 1">
             <a:extLst>
               <a:ext uri="{FF2B5EF4-FFF2-40B4-BE49-F238E27FC236}">
@@ -27181,7 +25639,7 @@
         </p:nvSpPr>
         <p:spPr>
           <a:xfrm>
-            <a:off x="11249526" y="875937"/>
+            <a:off x="12019798" y="875937"/>
             <a:ext cx="5156266" cy="369332"/>
           </a:xfrm>
           <a:prstGeom prst="rect">
@@ -27723,212 +26181,6 @@
           </a:p>
         </p:txBody>
       </p:sp>
-      <p:sp>
-        <p:nvSpPr>
-          <p:cNvPr id="8" name="Rectangle 1">
-            <a:extLst>
-              <a:ext uri="{FF2B5EF4-FFF2-40B4-BE49-F238E27FC236}">
-                <a16:creationId xmlns:a16="http://schemas.microsoft.com/office/drawing/2014/main" id="{018858D4-7272-4BA8-9A6A-2BC44F0533EA}"/>
-              </a:ext>
-            </a:extLst>
-          </p:cNvPr>
-          <p:cNvSpPr>
-            <a:spLocks noChangeArrowheads="1"/>
-          </p:cNvSpPr>
-          <p:nvPr/>
-        </p:nvSpPr>
-        <p:spPr bwMode="auto">
-          <a:xfrm>
-            <a:off x="12019798" y="1686128"/>
-            <a:ext cx="4394195" cy="523220"/>
-          </a:xfrm>
-          <a:prstGeom prst="rect">
-            <a:avLst/>
-          </a:prstGeom>
-          <a:noFill/>
-          <a:ln>
-            <a:noFill/>
-          </a:ln>
-          <a:effectLst/>
-          <a:extLst>
-            <a:ext uri="{909E8E84-426E-40DD-AFC4-6F175D3DCCD1}">
-              <a14:hiddenFill xmlns:a14="http://schemas.microsoft.com/office/drawing/2010/main">
-                <a:solidFill>
-                  <a:schemeClr val="accent1"/>
-                </a:solidFill>
-              </a14:hiddenFill>
-            </a:ext>
-            <a:ext uri="{91240B29-F687-4F45-9708-019B960494DF}">
-              <a14:hiddenLine xmlns:a14="http://schemas.microsoft.com/office/drawing/2010/main" w="9525">
-                <a:solidFill>
-                  <a:schemeClr val="tx1"/>
-                </a:solidFill>
-                <a:miter lim="800000"/>
-                <a:headEnd/>
-                <a:tailEnd/>
-              </a14:hiddenLine>
-            </a:ext>
-            <a:ext uri="{AF507438-7753-43E0-B8FC-AC1667EBCBE1}">
-              <a14:hiddenEffects xmlns:a14="http://schemas.microsoft.com/office/drawing/2010/main">
-                <a:effectLst>
-                  <a:outerShdw dist="35921" dir="2700000" algn="ctr" rotWithShape="0">
-                    <a:schemeClr val="bg2"/>
-                  </a:outerShdw>
-                </a:effectLst>
-              </a14:hiddenEffects>
-            </a:ext>
-          </a:extLst>
-        </p:spPr>
-        <p:txBody>
-          <a:bodyPr vert="horz" wrap="square" lIns="91440" tIns="45720" rIns="91440" bIns="45720" numCol="1" anchor="ctr" anchorCtr="0" compatLnSpc="1">
-            <a:prstTxWarp prst="textNoShape">
-              <a:avLst/>
-            </a:prstTxWarp>
-            <a:spAutoFit/>
-          </a:bodyPr>
-          <a:lstStyle>
-            <a:lvl1pPr eaLnBrk="0" fontAlgn="base" hangingPunct="0">
-              <a:spcBef>
-                <a:spcPct val="0"/>
-              </a:spcBef>
-              <a:spcAft>
-                <a:spcPct val="0"/>
-              </a:spcAft>
-              <a:defRPr>
-                <a:solidFill>
-                  <a:schemeClr val="tx1"/>
-                </a:solidFill>
-                <a:latin typeface="Arial" panose="020B0604020202020204" pitchFamily="34" charset="0"/>
-              </a:defRPr>
-            </a:lvl1pPr>
-            <a:lvl2pPr eaLnBrk="0" fontAlgn="base" hangingPunct="0">
-              <a:spcBef>
-                <a:spcPct val="0"/>
-              </a:spcBef>
-              <a:spcAft>
-                <a:spcPct val="0"/>
-              </a:spcAft>
-              <a:defRPr>
-                <a:solidFill>
-                  <a:schemeClr val="tx1"/>
-                </a:solidFill>
-                <a:latin typeface="Arial" panose="020B0604020202020204" pitchFamily="34" charset="0"/>
-              </a:defRPr>
-            </a:lvl2pPr>
-            <a:lvl3pPr eaLnBrk="0" fontAlgn="base" hangingPunct="0">
-              <a:spcBef>
-                <a:spcPct val="0"/>
-              </a:spcBef>
-              <a:spcAft>
-                <a:spcPct val="0"/>
-              </a:spcAft>
-              <a:defRPr>
-                <a:solidFill>
-                  <a:schemeClr val="tx1"/>
-                </a:solidFill>
-                <a:latin typeface="Arial" panose="020B0604020202020204" pitchFamily="34" charset="0"/>
-              </a:defRPr>
-            </a:lvl3pPr>
-            <a:lvl4pPr eaLnBrk="0" fontAlgn="base" hangingPunct="0">
-              <a:spcBef>
-                <a:spcPct val="0"/>
-              </a:spcBef>
-              <a:spcAft>
-                <a:spcPct val="0"/>
-              </a:spcAft>
-              <a:defRPr>
-                <a:solidFill>
-                  <a:schemeClr val="tx1"/>
-                </a:solidFill>
-                <a:latin typeface="Arial" panose="020B0604020202020204" pitchFamily="34" charset="0"/>
-              </a:defRPr>
-            </a:lvl4pPr>
-            <a:lvl5pPr eaLnBrk="0" fontAlgn="base" hangingPunct="0">
-              <a:spcBef>
-                <a:spcPct val="0"/>
-              </a:spcBef>
-              <a:spcAft>
-                <a:spcPct val="0"/>
-              </a:spcAft>
-              <a:defRPr>
-                <a:solidFill>
-                  <a:schemeClr val="tx1"/>
-                </a:solidFill>
-                <a:latin typeface="Arial" panose="020B0604020202020204" pitchFamily="34" charset="0"/>
-              </a:defRPr>
-            </a:lvl5pPr>
-            <a:lvl6pPr eaLnBrk="0" fontAlgn="base" hangingPunct="0">
-              <a:spcBef>
-                <a:spcPct val="0"/>
-              </a:spcBef>
-              <a:spcAft>
-                <a:spcPct val="0"/>
-              </a:spcAft>
-              <a:defRPr>
-                <a:solidFill>
-                  <a:schemeClr val="tx1"/>
-                </a:solidFill>
-                <a:latin typeface="Arial" panose="020B0604020202020204" pitchFamily="34" charset="0"/>
-              </a:defRPr>
-            </a:lvl6pPr>
-            <a:lvl7pPr eaLnBrk="0" fontAlgn="base" hangingPunct="0">
-              <a:spcBef>
-                <a:spcPct val="0"/>
-              </a:spcBef>
-              <a:spcAft>
-                <a:spcPct val="0"/>
-              </a:spcAft>
-              <a:defRPr>
-                <a:solidFill>
-                  <a:schemeClr val="tx1"/>
-                </a:solidFill>
-                <a:latin typeface="Arial" panose="020B0604020202020204" pitchFamily="34" charset="0"/>
-              </a:defRPr>
-            </a:lvl7pPr>
-            <a:lvl8pPr eaLnBrk="0" fontAlgn="base" hangingPunct="0">
-              <a:spcBef>
-                <a:spcPct val="0"/>
-              </a:spcBef>
-              <a:spcAft>
-                <a:spcPct val="0"/>
-              </a:spcAft>
-              <a:defRPr>
-                <a:solidFill>
-                  <a:schemeClr val="tx1"/>
-                </a:solidFill>
-                <a:latin typeface="Arial" panose="020B0604020202020204" pitchFamily="34" charset="0"/>
-              </a:defRPr>
-            </a:lvl8pPr>
-            <a:lvl9pPr eaLnBrk="0" fontAlgn="base" hangingPunct="0">
-              <a:spcBef>
-                <a:spcPct val="0"/>
-              </a:spcBef>
-              <a:spcAft>
-                <a:spcPct val="0"/>
-              </a:spcAft>
-              <a:defRPr>
-                <a:solidFill>
-                  <a:schemeClr val="tx1"/>
-                </a:solidFill>
-                <a:latin typeface="Arial" panose="020B0604020202020204" pitchFamily="34" charset="0"/>
-              </a:defRPr>
-            </a:lvl9pPr>
-          </a:lstStyle>
-          <a:p>
-            <a:pPr algn="r" defTabSz="914400"/>
-            <a:r>
-              <a:rPr lang="en-US" altLang="ko-KR" sz="2800">
-                <a:solidFill>
-                  <a:srgbClr val="333333"/>
-                </a:solidFill>
-                <a:latin typeface="맑은 고딕" panose="020B0503020000020004" pitchFamily="50" charset="-127"/>
-                <a:ea typeface="맑은 고딕" panose="020B0503020000020004" pitchFamily="50" charset="-127"/>
-              </a:rPr>
-              <a:t>20.07.10~20.08.03</a:t>
-            </a:r>
-          </a:p>
-        </p:txBody>
-      </p:sp>
       <p:pic>
         <p:nvPicPr>
           <p:cNvPr id="3" name="그림 2">
@@ -29253,212 +27505,6 @@
           </a:p>
         </p:txBody>
       </p:sp>
-      <p:sp>
-        <p:nvSpPr>
-          <p:cNvPr id="8" name="Rectangle 1">
-            <a:extLst>
-              <a:ext uri="{FF2B5EF4-FFF2-40B4-BE49-F238E27FC236}">
-                <a16:creationId xmlns:a16="http://schemas.microsoft.com/office/drawing/2014/main" id="{018858D4-7272-4BA8-9A6A-2BC44F0533EA}"/>
-              </a:ext>
-            </a:extLst>
-          </p:cNvPr>
-          <p:cNvSpPr>
-            <a:spLocks noChangeArrowheads="1"/>
-          </p:cNvSpPr>
-          <p:nvPr/>
-        </p:nvSpPr>
-        <p:spPr bwMode="auto">
-          <a:xfrm>
-            <a:off x="12019798" y="1686128"/>
-            <a:ext cx="4394195" cy="523220"/>
-          </a:xfrm>
-          <a:prstGeom prst="rect">
-            <a:avLst/>
-          </a:prstGeom>
-          <a:noFill/>
-          <a:ln>
-            <a:noFill/>
-          </a:ln>
-          <a:effectLst/>
-          <a:extLst>
-            <a:ext uri="{909E8E84-426E-40DD-AFC4-6F175D3DCCD1}">
-              <a14:hiddenFill xmlns:a14="http://schemas.microsoft.com/office/drawing/2010/main">
-                <a:solidFill>
-                  <a:schemeClr val="accent1"/>
-                </a:solidFill>
-              </a14:hiddenFill>
-            </a:ext>
-            <a:ext uri="{91240B29-F687-4F45-9708-019B960494DF}">
-              <a14:hiddenLine xmlns:a14="http://schemas.microsoft.com/office/drawing/2010/main" w="9525">
-                <a:solidFill>
-                  <a:schemeClr val="tx1"/>
-                </a:solidFill>
-                <a:miter lim="800000"/>
-                <a:headEnd/>
-                <a:tailEnd/>
-              </a14:hiddenLine>
-            </a:ext>
-            <a:ext uri="{AF507438-7753-43E0-B8FC-AC1667EBCBE1}">
-              <a14:hiddenEffects xmlns:a14="http://schemas.microsoft.com/office/drawing/2010/main">
-                <a:effectLst>
-                  <a:outerShdw dist="35921" dir="2700000" algn="ctr" rotWithShape="0">
-                    <a:schemeClr val="bg2"/>
-                  </a:outerShdw>
-                </a:effectLst>
-              </a14:hiddenEffects>
-            </a:ext>
-          </a:extLst>
-        </p:spPr>
-        <p:txBody>
-          <a:bodyPr vert="horz" wrap="square" lIns="91440" tIns="45720" rIns="91440" bIns="45720" numCol="1" anchor="ctr" anchorCtr="0" compatLnSpc="1">
-            <a:prstTxWarp prst="textNoShape">
-              <a:avLst/>
-            </a:prstTxWarp>
-            <a:spAutoFit/>
-          </a:bodyPr>
-          <a:lstStyle>
-            <a:lvl1pPr eaLnBrk="0" fontAlgn="base" hangingPunct="0">
-              <a:spcBef>
-                <a:spcPct val="0"/>
-              </a:spcBef>
-              <a:spcAft>
-                <a:spcPct val="0"/>
-              </a:spcAft>
-              <a:defRPr>
-                <a:solidFill>
-                  <a:schemeClr val="tx1"/>
-                </a:solidFill>
-                <a:latin typeface="Arial" panose="020B0604020202020204" pitchFamily="34" charset="0"/>
-              </a:defRPr>
-            </a:lvl1pPr>
-            <a:lvl2pPr eaLnBrk="0" fontAlgn="base" hangingPunct="0">
-              <a:spcBef>
-                <a:spcPct val="0"/>
-              </a:spcBef>
-              <a:spcAft>
-                <a:spcPct val="0"/>
-              </a:spcAft>
-              <a:defRPr>
-                <a:solidFill>
-                  <a:schemeClr val="tx1"/>
-                </a:solidFill>
-                <a:latin typeface="Arial" panose="020B0604020202020204" pitchFamily="34" charset="0"/>
-              </a:defRPr>
-            </a:lvl2pPr>
-            <a:lvl3pPr eaLnBrk="0" fontAlgn="base" hangingPunct="0">
-              <a:spcBef>
-                <a:spcPct val="0"/>
-              </a:spcBef>
-              <a:spcAft>
-                <a:spcPct val="0"/>
-              </a:spcAft>
-              <a:defRPr>
-                <a:solidFill>
-                  <a:schemeClr val="tx1"/>
-                </a:solidFill>
-                <a:latin typeface="Arial" panose="020B0604020202020204" pitchFamily="34" charset="0"/>
-              </a:defRPr>
-            </a:lvl3pPr>
-            <a:lvl4pPr eaLnBrk="0" fontAlgn="base" hangingPunct="0">
-              <a:spcBef>
-                <a:spcPct val="0"/>
-              </a:spcBef>
-              <a:spcAft>
-                <a:spcPct val="0"/>
-              </a:spcAft>
-              <a:defRPr>
-                <a:solidFill>
-                  <a:schemeClr val="tx1"/>
-                </a:solidFill>
-                <a:latin typeface="Arial" panose="020B0604020202020204" pitchFamily="34" charset="0"/>
-              </a:defRPr>
-            </a:lvl4pPr>
-            <a:lvl5pPr eaLnBrk="0" fontAlgn="base" hangingPunct="0">
-              <a:spcBef>
-                <a:spcPct val="0"/>
-              </a:spcBef>
-              <a:spcAft>
-                <a:spcPct val="0"/>
-              </a:spcAft>
-              <a:defRPr>
-                <a:solidFill>
-                  <a:schemeClr val="tx1"/>
-                </a:solidFill>
-                <a:latin typeface="Arial" panose="020B0604020202020204" pitchFamily="34" charset="0"/>
-              </a:defRPr>
-            </a:lvl5pPr>
-            <a:lvl6pPr eaLnBrk="0" fontAlgn="base" hangingPunct="0">
-              <a:spcBef>
-                <a:spcPct val="0"/>
-              </a:spcBef>
-              <a:spcAft>
-                <a:spcPct val="0"/>
-              </a:spcAft>
-              <a:defRPr>
-                <a:solidFill>
-                  <a:schemeClr val="tx1"/>
-                </a:solidFill>
-                <a:latin typeface="Arial" panose="020B0604020202020204" pitchFamily="34" charset="0"/>
-              </a:defRPr>
-            </a:lvl6pPr>
-            <a:lvl7pPr eaLnBrk="0" fontAlgn="base" hangingPunct="0">
-              <a:spcBef>
-                <a:spcPct val="0"/>
-              </a:spcBef>
-              <a:spcAft>
-                <a:spcPct val="0"/>
-              </a:spcAft>
-              <a:defRPr>
-                <a:solidFill>
-                  <a:schemeClr val="tx1"/>
-                </a:solidFill>
-                <a:latin typeface="Arial" panose="020B0604020202020204" pitchFamily="34" charset="0"/>
-              </a:defRPr>
-            </a:lvl7pPr>
-            <a:lvl8pPr eaLnBrk="0" fontAlgn="base" hangingPunct="0">
-              <a:spcBef>
-                <a:spcPct val="0"/>
-              </a:spcBef>
-              <a:spcAft>
-                <a:spcPct val="0"/>
-              </a:spcAft>
-              <a:defRPr>
-                <a:solidFill>
-                  <a:schemeClr val="tx1"/>
-                </a:solidFill>
-                <a:latin typeface="Arial" panose="020B0604020202020204" pitchFamily="34" charset="0"/>
-              </a:defRPr>
-            </a:lvl8pPr>
-            <a:lvl9pPr eaLnBrk="0" fontAlgn="base" hangingPunct="0">
-              <a:spcBef>
-                <a:spcPct val="0"/>
-              </a:spcBef>
-              <a:spcAft>
-                <a:spcPct val="0"/>
-              </a:spcAft>
-              <a:defRPr>
-                <a:solidFill>
-                  <a:schemeClr val="tx1"/>
-                </a:solidFill>
-                <a:latin typeface="Arial" panose="020B0604020202020204" pitchFamily="34" charset="0"/>
-              </a:defRPr>
-            </a:lvl9pPr>
-          </a:lstStyle>
-          <a:p>
-            <a:pPr algn="r" defTabSz="914400"/>
-            <a:r>
-              <a:rPr lang="en-US" altLang="ko-KR" sz="2800">
-                <a:solidFill>
-                  <a:srgbClr val="333333"/>
-                </a:solidFill>
-                <a:latin typeface="맑은 고딕" panose="020B0503020000020004" pitchFamily="50" charset="-127"/>
-                <a:ea typeface="맑은 고딕" panose="020B0503020000020004" pitchFamily="50" charset="-127"/>
-              </a:rPr>
-              <a:t>20.07.10~20.08.03</a:t>
-            </a:r>
-          </a:p>
-        </p:txBody>
-      </p:sp>
       <p:pic>
         <p:nvPicPr>
           <p:cNvPr id="4" name="그림 3">
@@ -31819,172 +29865,261 @@
           <a:p>
             <a:pPr algn="l"/>
             <a:r>
-              <a:rPr lang="ko-KR" altLang="en-US">
+              <a:rPr lang="en-US" altLang="ko-KR" sz="1800" b="0" i="0">
+                <a:solidFill>
+                  <a:srgbClr val="666666"/>
+                </a:solidFill>
+                <a:effectLst/>
+                <a:latin typeface="나눔스퀘어라운드 Regular" panose="020B0600000101010101" pitchFamily="50" charset="-127"/>
+                <a:ea typeface="나눔스퀘어라운드 Regular" panose="020B0600000101010101" pitchFamily="50" charset="-127"/>
+              </a:rPr>
+              <a:t>CNN </a:t>
+            </a:r>
+            <a:r>
+              <a:rPr lang="ko-KR" altLang="en-US" sz="1800" b="0" i="0">
+                <a:solidFill>
+                  <a:srgbClr val="666666"/>
+                </a:solidFill>
+                <a:effectLst/>
+                <a:latin typeface="나눔스퀘어라운드 Regular" panose="020B0600000101010101" pitchFamily="50" charset="-127"/>
+                <a:ea typeface="나눔스퀘어라운드 Regular" panose="020B0600000101010101" pitchFamily="50" charset="-127"/>
+              </a:rPr>
+              <a:t>모델은 컴퓨터 비전을 위해 고안 되었지만</a:t>
+            </a:r>
+            <a:r>
+              <a:rPr lang="en-US" altLang="ko-KR" sz="1800" b="0" i="0">
+                <a:solidFill>
+                  <a:srgbClr val="666666"/>
+                </a:solidFill>
+                <a:effectLst/>
+                <a:latin typeface="나눔스퀘어라운드 Regular" panose="020B0600000101010101" pitchFamily="50" charset="-127"/>
+                <a:ea typeface="나눔스퀘어라운드 Regular" panose="020B0600000101010101" pitchFamily="50" charset="-127"/>
+              </a:rPr>
+              <a:t>,  </a:t>
+            </a:r>
+            <a:r>
+              <a:rPr lang="ko-KR" altLang="en-US" sz="1800" b="0" i="0">
+                <a:solidFill>
+                  <a:srgbClr val="666666"/>
+                </a:solidFill>
+                <a:effectLst/>
+                <a:latin typeface="나눔스퀘어라운드 Regular" panose="020B0600000101010101" pitchFamily="50" charset="-127"/>
+                <a:ea typeface="나눔스퀘어라운드 Regular" panose="020B0600000101010101" pitchFamily="50" charset="-127"/>
+              </a:rPr>
+              <a:t>자연어 처리에 대해서도 효과적임을 보인다</a:t>
+            </a:r>
+            <a:endParaRPr lang="ko-KR" altLang="en-US" sz="1800">
+              <a:latin typeface="나눔스퀘어라운드 Regular" panose="020B0600000101010101" pitchFamily="50" charset="-127"/>
+              <a:ea typeface="나눔스퀘어라운드 Regular" panose="020B0600000101010101" pitchFamily="50" charset="-127"/>
+            </a:endParaRPr>
+          </a:p>
+          <a:p>
+            <a:r>
+              <a:rPr lang="ko-KR" altLang="en-US" sz="1800">
                 <a:solidFill>
                   <a:schemeClr val="bg1">
                     <a:lumMod val="50000"/>
                   </a:schemeClr>
                 </a:solidFill>
-                <a:latin typeface="나눔스퀘어라운드 Regular" panose="020B0600000101010101" pitchFamily="50" charset="-127"/>
-                <a:ea typeface="나눔스퀘어라운드 Regular" panose="020B0600000101010101" pitchFamily="50" charset="-127"/>
-              </a:rPr>
-              <a:t>간단한 </a:t>
-            </a:r>
-            <a:r>
-              <a:rPr lang="en-US" altLang="ko-KR">
+                <a:latin typeface="맑은고딕"/>
+              </a:rPr>
+              <a:t>네이버영화리뷰 </a:t>
+            </a:r>
+            <a:r>
+              <a:rPr lang="en-US" altLang="ko-KR" sz="1800">
                 <a:solidFill>
                   <a:schemeClr val="bg1">
                     <a:lumMod val="50000"/>
                   </a:schemeClr>
                 </a:solidFill>
-                <a:latin typeface="나눔스퀘어라운드 Regular" panose="020B0600000101010101" pitchFamily="50" charset="-127"/>
-                <a:ea typeface="나눔스퀘어라운드 Regular" panose="020B0600000101010101" pitchFamily="50" charset="-127"/>
-              </a:rPr>
-              <a:t>CNN </a:t>
-            </a:r>
-            <a:r>
-              <a:rPr lang="ko-KR" altLang="en-US">
+                <a:latin typeface="맑은고딕"/>
+              </a:rPr>
+              <a:t>training</a:t>
+            </a:r>
+            <a:r>
+              <a:rPr lang="ko-KR" altLang="en-US" sz="1800">
                 <a:solidFill>
                   <a:schemeClr val="bg1">
                     <a:lumMod val="50000"/>
                   </a:schemeClr>
                 </a:solidFill>
-                <a:latin typeface="나눔스퀘어라운드 Regular" panose="020B0600000101010101" pitchFamily="50" charset="-127"/>
-                <a:ea typeface="나눔스퀘어라운드 Regular" panose="020B0600000101010101" pitchFamily="50" charset="-127"/>
-              </a:rPr>
-              <a:t>모델을 사용하여</a:t>
-            </a:r>
-            <a:r>
-              <a:rPr lang="en-US" altLang="ko-KR">
+                <a:latin typeface="맑은고딕"/>
+              </a:rPr>
+              <a:t> </a:t>
+            </a:r>
+            <a:r>
+              <a:rPr lang="en-US" altLang="ko-KR" sz="1800">
                 <a:solidFill>
                   <a:schemeClr val="bg1">
                     <a:lumMod val="50000"/>
                   </a:schemeClr>
                 </a:solidFill>
-                <a:latin typeface="나눔스퀘어라운드 Regular" panose="020B0600000101010101" pitchFamily="50" charset="-127"/>
-                <a:ea typeface="나눔스퀘어라운드 Regular" panose="020B0600000101010101" pitchFamily="50" charset="-127"/>
-              </a:rPr>
-              <a:t>, </a:t>
-            </a:r>
-            <a:r>
-              <a:rPr lang="ko-KR" altLang="en-US">
+                <a:latin typeface="맑은고딕"/>
+              </a:rPr>
+              <a:t>set</a:t>
+            </a:r>
+            <a:r>
+              <a:rPr lang="ko-KR" altLang="en-US" sz="1800">
                 <a:solidFill>
                   <a:schemeClr val="bg1">
                     <a:lumMod val="50000"/>
                   </a:schemeClr>
                 </a:solidFill>
-                <a:latin typeface="나눔스퀘어라운드 Regular" panose="020B0600000101010101" pitchFamily="50" charset="-127"/>
-                <a:ea typeface="나눔스퀘어라운드 Regular" panose="020B0600000101010101" pitchFamily="50" charset="-127"/>
-              </a:rPr>
-              <a:t>약간의 </a:t>
-            </a:r>
-            <a:r>
-              <a:rPr lang="en-US" altLang="ko-KR">
+                <a:latin typeface="맑은고딕"/>
+              </a:rPr>
+              <a:t>으로 </a:t>
+            </a:r>
+            <a:r>
+              <a:rPr lang="en-US" altLang="ko-KR" sz="1800">
                 <a:solidFill>
                   <a:schemeClr val="bg1">
                     <a:lumMod val="50000"/>
                   </a:schemeClr>
                 </a:solidFill>
-                <a:latin typeface="나눔스퀘어라운드 Regular" panose="020B0600000101010101" pitchFamily="50" charset="-127"/>
-                <a:ea typeface="나눔스퀘어라운드 Regular" panose="020B0600000101010101" pitchFamily="50" charset="-127"/>
-              </a:rPr>
-              <a:t>Hyperparameter </a:t>
-            </a:r>
-            <a:r>
-              <a:rPr lang="ko-KR" altLang="en-US">
+                <a:latin typeface="맑은고딕"/>
+              </a:rPr>
+              <a:t>Fasttext, word2vec,</a:t>
+            </a:r>
+            <a:r>
+              <a:rPr lang="ko-KR" altLang="en-US" sz="1800">
                 <a:solidFill>
                   <a:schemeClr val="bg1">
                     <a:lumMod val="50000"/>
                   </a:schemeClr>
                 </a:solidFill>
-                <a:latin typeface="나눔스퀘어라운드 Regular" panose="020B0600000101010101" pitchFamily="50" charset="-127"/>
-                <a:ea typeface="나눔스퀘어라운드 Regular" panose="020B0600000101010101" pitchFamily="50" charset="-127"/>
-              </a:rPr>
-              <a:t>튜닝이 정적 </a:t>
-            </a:r>
-            <a:r>
-              <a:rPr lang="en-US" altLang="ko-KR" err="1">
+                <a:latin typeface="맑은고딕"/>
+              </a:rPr>
+              <a:t> </a:t>
+            </a:r>
+            <a:r>
+              <a:rPr lang="en-US" altLang="ko-KR" sz="1800">
                 <a:solidFill>
                   <a:schemeClr val="bg1">
                     <a:lumMod val="50000"/>
                   </a:schemeClr>
                 </a:solidFill>
-                <a:latin typeface="나눔스퀘어라운드 Regular" panose="020B0600000101010101" pitchFamily="50" charset="-127"/>
-                <a:ea typeface="나눔스퀘어라운드 Regular" panose="020B0600000101010101" pitchFamily="50" charset="-127"/>
-              </a:rPr>
-              <a:t>wordvector</a:t>
-            </a:r>
-            <a:r>
-              <a:rPr lang="ko-KR" altLang="en-US">
+                <a:latin typeface="맑은고딕"/>
+              </a:rPr>
+              <a:t>Contextualized Embedding </a:t>
+            </a:r>
+            <a:r>
+              <a:rPr lang="ko-KR" altLang="en-US" sz="1800">
                 <a:solidFill>
                   <a:schemeClr val="bg1">
                     <a:lumMod val="50000"/>
                   </a:schemeClr>
                 </a:solidFill>
-                <a:latin typeface="나눔스퀘어라운드 Regular" panose="020B0600000101010101" pitchFamily="50" charset="-127"/>
-                <a:ea typeface="나눔스퀘어라운드 Regular" panose="020B0600000101010101" pitchFamily="50" charset="-127"/>
-              </a:rPr>
-              <a:t>를 사용하여 여러 벤치마킹결과에서 좋은 성능을 보임</a:t>
-            </a:r>
-            <a:endParaRPr lang="en-US" altLang="ko-KR">
+                <a:latin typeface="맑은고딕"/>
+              </a:rPr>
+              <a:t>등의 </a:t>
+            </a:r>
+            <a:r>
+              <a:rPr lang="en-US" altLang="ko-KR" sz="1800">
+                <a:solidFill>
+                  <a:schemeClr val="bg1">
+                    <a:lumMod val="50000"/>
+                  </a:schemeClr>
+                </a:solidFill>
+                <a:latin typeface="맑은고딕"/>
+              </a:rPr>
+              <a:t>Token</a:t>
+            </a:r>
+            <a:r>
+              <a:rPr lang="ko-KR" altLang="en-US" sz="1800">
+                <a:solidFill>
+                  <a:schemeClr val="bg1">
+                    <a:lumMod val="50000"/>
+                  </a:schemeClr>
+                </a:solidFill>
+                <a:latin typeface="맑은고딕"/>
+              </a:rPr>
+              <a:t> </a:t>
+            </a:r>
+            <a:r>
+              <a:rPr lang="en-US" altLang="ko-KR" sz="1800">
+                <a:solidFill>
+                  <a:schemeClr val="bg1">
+                    <a:lumMod val="50000"/>
+                  </a:schemeClr>
+                </a:solidFill>
+                <a:latin typeface="맑은고딕"/>
+              </a:rPr>
+              <a:t>embedding</a:t>
+            </a:r>
+            <a:r>
+              <a:rPr lang="ko-KR" altLang="en-US" sz="1800">
+                <a:solidFill>
+                  <a:schemeClr val="bg1">
+                    <a:lumMod val="50000"/>
+                  </a:schemeClr>
+                </a:solidFill>
+                <a:latin typeface="맑은고딕"/>
+              </a:rPr>
+              <a:t> 방식 차이에 따라 성능을 비교해 보았다</a:t>
+            </a:r>
+            <a:r>
+              <a:rPr lang="en-US" altLang="ko-KR" sz="1800">
+                <a:solidFill>
+                  <a:schemeClr val="bg1">
+                    <a:lumMod val="50000"/>
+                  </a:schemeClr>
+                </a:solidFill>
+                <a:latin typeface="맑은고딕"/>
+              </a:rPr>
+              <a:t>. </a:t>
+            </a:r>
+            <a:r>
+              <a:rPr lang="ko-KR" altLang="en-US" sz="1800">
+                <a:solidFill>
+                  <a:schemeClr val="bg1">
+                    <a:lumMod val="50000"/>
+                  </a:schemeClr>
+                </a:solidFill>
+                <a:latin typeface="맑은고딕"/>
+              </a:rPr>
+              <a:t>추가적으로 </a:t>
+            </a:r>
+            <a:r>
+              <a:rPr lang="en-US" altLang="ko-KR" sz="1800">
+                <a:solidFill>
+                  <a:schemeClr val="bg1">
+                    <a:lumMod val="50000"/>
+                  </a:schemeClr>
+                </a:solidFill>
+                <a:latin typeface="맑은고딕"/>
+              </a:rPr>
+              <a:t>RNN</a:t>
+            </a:r>
+            <a:r>
+              <a:rPr lang="ko-KR" altLang="en-US" sz="1800">
+                <a:solidFill>
+                  <a:schemeClr val="bg1">
+                    <a:lumMod val="50000"/>
+                  </a:schemeClr>
+                </a:solidFill>
+                <a:latin typeface="맑은고딕"/>
+              </a:rPr>
+              <a:t>모델과도 비교해 보았다</a:t>
+            </a:r>
+            <a:r>
+              <a:rPr lang="en-US" altLang="ko-KR" sz="1800">
+                <a:solidFill>
+                  <a:schemeClr val="bg1">
+                    <a:lumMod val="50000"/>
+                  </a:schemeClr>
+                </a:solidFill>
+                <a:latin typeface="맑은고딕"/>
+              </a:rPr>
+              <a:t>.</a:t>
+            </a:r>
+            <a:endParaRPr lang="en-US" altLang="ko-KR" sz="1800" dirty="0">
               <a:solidFill>
                 <a:schemeClr val="bg1">
                   <a:lumMod val="50000"/>
                 </a:schemeClr>
               </a:solidFill>
-              <a:latin typeface="나눔스퀘어라운드 Regular" panose="020B0600000101010101" pitchFamily="50" charset="-127"/>
-              <a:ea typeface="나눔스퀘어라운드 Regular" panose="020B0600000101010101" pitchFamily="50" charset="-127"/>
-            </a:endParaRPr>
-          </a:p>
-          <a:p>
-            <a:pPr algn="l"/>
-            <a:r>
-              <a:rPr lang="en-US" altLang="ko-KR" b="0" i="0">
-                <a:solidFill>
-                  <a:srgbClr val="666666"/>
-                </a:solidFill>
-                <a:effectLst/>
-                <a:latin typeface="나눔스퀘어라운드 Regular" panose="020B0600000101010101" pitchFamily="50" charset="-127"/>
-                <a:ea typeface="나눔스퀘어라운드 Regular" panose="020B0600000101010101" pitchFamily="50" charset="-127"/>
-              </a:rPr>
-              <a:t>CNN </a:t>
-            </a:r>
-            <a:r>
-              <a:rPr lang="ko-KR" altLang="en-US" b="0" i="0">
-                <a:solidFill>
-                  <a:srgbClr val="666666"/>
-                </a:solidFill>
-                <a:effectLst/>
-                <a:latin typeface="나눔스퀘어라운드 Regular" panose="020B0600000101010101" pitchFamily="50" charset="-127"/>
-                <a:ea typeface="나눔스퀘어라운드 Regular" panose="020B0600000101010101" pitchFamily="50" charset="-127"/>
-              </a:rPr>
-              <a:t>모델은 컴퓨터 비전을 위해 고안 되었지만</a:t>
-            </a:r>
-            <a:r>
-              <a:rPr lang="en-US" altLang="ko-KR" b="0" i="0">
-                <a:solidFill>
-                  <a:srgbClr val="666666"/>
-                </a:solidFill>
-                <a:effectLst/>
-                <a:latin typeface="나눔스퀘어라운드 Regular" panose="020B0600000101010101" pitchFamily="50" charset="-127"/>
-                <a:ea typeface="나눔스퀘어라운드 Regular" panose="020B0600000101010101" pitchFamily="50" charset="-127"/>
-              </a:rPr>
-              <a:t>,  </a:t>
-            </a:r>
-            <a:r>
-              <a:rPr lang="ko-KR" altLang="en-US" b="0" i="0">
-                <a:solidFill>
-                  <a:srgbClr val="666666"/>
-                </a:solidFill>
-                <a:effectLst/>
-                <a:latin typeface="나눔스퀘어라운드 Regular" panose="020B0600000101010101" pitchFamily="50" charset="-127"/>
-                <a:ea typeface="나눔스퀘어라운드 Regular" panose="020B0600000101010101" pitchFamily="50" charset="-127"/>
-              </a:rPr>
-              <a:t>자연어 처리에 대해서도 효과적임을 보여줌</a:t>
-            </a:r>
-            <a:endParaRPr lang="ko-KR" altLang="en-US">
-              <a:latin typeface="나눔스퀘어라운드 Regular" panose="020B0600000101010101" pitchFamily="50" charset="-127"/>
-              <a:ea typeface="나눔스퀘어라운드 Regular" panose="020B0600000101010101" pitchFamily="50" charset="-127"/>
+              <a:effectLst/>
+              <a:latin typeface="맑은고딕"/>
             </a:endParaRPr>
           </a:p>
         </p:txBody>
@@ -32203,7 +30338,7 @@
         </p:nvSpPr>
         <p:spPr>
           <a:xfrm>
-            <a:off x="11249526" y="875937"/>
+            <a:off x="11887200" y="875937"/>
             <a:ext cx="5156266" cy="369332"/>
           </a:xfrm>
           <a:prstGeom prst="rect">
@@ -32522,212 +30657,6 @@
           </a:fontRef>
         </p:style>
       </p:cxnSp>
-      <p:sp>
-        <p:nvSpPr>
-          <p:cNvPr id="9" name="Rectangle 1">
-            <a:extLst>
-              <a:ext uri="{FF2B5EF4-FFF2-40B4-BE49-F238E27FC236}">
-                <a16:creationId xmlns:a16="http://schemas.microsoft.com/office/drawing/2014/main" id="{AB297CF4-E4DD-4F8B-AF0C-4703C9642F64}"/>
-              </a:ext>
-            </a:extLst>
-          </p:cNvPr>
-          <p:cNvSpPr>
-            <a:spLocks noChangeArrowheads="1"/>
-          </p:cNvSpPr>
-          <p:nvPr/>
-        </p:nvSpPr>
-        <p:spPr bwMode="auto">
-          <a:xfrm>
-            <a:off x="12747716" y="1696219"/>
-            <a:ext cx="3648653" cy="523220"/>
-          </a:xfrm>
-          <a:prstGeom prst="rect">
-            <a:avLst/>
-          </a:prstGeom>
-          <a:noFill/>
-          <a:ln>
-            <a:noFill/>
-          </a:ln>
-          <a:effectLst/>
-          <a:extLst>
-            <a:ext uri="{909E8E84-426E-40DD-AFC4-6F175D3DCCD1}">
-              <a14:hiddenFill xmlns:a14="http://schemas.microsoft.com/office/drawing/2010/main">
-                <a:solidFill>
-                  <a:schemeClr val="accent1"/>
-                </a:solidFill>
-              </a14:hiddenFill>
-            </a:ext>
-            <a:ext uri="{91240B29-F687-4F45-9708-019B960494DF}">
-              <a14:hiddenLine xmlns:a14="http://schemas.microsoft.com/office/drawing/2010/main" w="9525">
-                <a:solidFill>
-                  <a:schemeClr val="tx1"/>
-                </a:solidFill>
-                <a:miter lim="800000"/>
-                <a:headEnd/>
-                <a:tailEnd/>
-              </a14:hiddenLine>
-            </a:ext>
-            <a:ext uri="{AF507438-7753-43E0-B8FC-AC1667EBCBE1}">
-              <a14:hiddenEffects xmlns:a14="http://schemas.microsoft.com/office/drawing/2010/main">
-                <a:effectLst>
-                  <a:outerShdw dist="35921" dir="2700000" algn="ctr" rotWithShape="0">
-                    <a:schemeClr val="bg2"/>
-                  </a:outerShdw>
-                </a:effectLst>
-              </a14:hiddenEffects>
-            </a:ext>
-          </a:extLst>
-        </p:spPr>
-        <p:txBody>
-          <a:bodyPr vert="horz" wrap="square" lIns="91440" tIns="45720" rIns="91440" bIns="45720" numCol="1" anchor="ctr" anchorCtr="0" compatLnSpc="1">
-            <a:prstTxWarp prst="textNoShape">
-              <a:avLst/>
-            </a:prstTxWarp>
-            <a:spAutoFit/>
-          </a:bodyPr>
-          <a:lstStyle>
-            <a:lvl1pPr eaLnBrk="0" fontAlgn="base" hangingPunct="0">
-              <a:spcBef>
-                <a:spcPct val="0"/>
-              </a:spcBef>
-              <a:spcAft>
-                <a:spcPct val="0"/>
-              </a:spcAft>
-              <a:defRPr>
-                <a:solidFill>
-                  <a:schemeClr val="tx1"/>
-                </a:solidFill>
-                <a:latin typeface="Arial" panose="020B0604020202020204" pitchFamily="34" charset="0"/>
-              </a:defRPr>
-            </a:lvl1pPr>
-            <a:lvl2pPr eaLnBrk="0" fontAlgn="base" hangingPunct="0">
-              <a:spcBef>
-                <a:spcPct val="0"/>
-              </a:spcBef>
-              <a:spcAft>
-                <a:spcPct val="0"/>
-              </a:spcAft>
-              <a:defRPr>
-                <a:solidFill>
-                  <a:schemeClr val="tx1"/>
-                </a:solidFill>
-                <a:latin typeface="Arial" panose="020B0604020202020204" pitchFamily="34" charset="0"/>
-              </a:defRPr>
-            </a:lvl2pPr>
-            <a:lvl3pPr eaLnBrk="0" fontAlgn="base" hangingPunct="0">
-              <a:spcBef>
-                <a:spcPct val="0"/>
-              </a:spcBef>
-              <a:spcAft>
-                <a:spcPct val="0"/>
-              </a:spcAft>
-              <a:defRPr>
-                <a:solidFill>
-                  <a:schemeClr val="tx1"/>
-                </a:solidFill>
-                <a:latin typeface="Arial" panose="020B0604020202020204" pitchFamily="34" charset="0"/>
-              </a:defRPr>
-            </a:lvl3pPr>
-            <a:lvl4pPr eaLnBrk="0" fontAlgn="base" hangingPunct="0">
-              <a:spcBef>
-                <a:spcPct val="0"/>
-              </a:spcBef>
-              <a:spcAft>
-                <a:spcPct val="0"/>
-              </a:spcAft>
-              <a:defRPr>
-                <a:solidFill>
-                  <a:schemeClr val="tx1"/>
-                </a:solidFill>
-                <a:latin typeface="Arial" panose="020B0604020202020204" pitchFamily="34" charset="0"/>
-              </a:defRPr>
-            </a:lvl4pPr>
-            <a:lvl5pPr eaLnBrk="0" fontAlgn="base" hangingPunct="0">
-              <a:spcBef>
-                <a:spcPct val="0"/>
-              </a:spcBef>
-              <a:spcAft>
-                <a:spcPct val="0"/>
-              </a:spcAft>
-              <a:defRPr>
-                <a:solidFill>
-                  <a:schemeClr val="tx1"/>
-                </a:solidFill>
-                <a:latin typeface="Arial" panose="020B0604020202020204" pitchFamily="34" charset="0"/>
-              </a:defRPr>
-            </a:lvl5pPr>
-            <a:lvl6pPr eaLnBrk="0" fontAlgn="base" hangingPunct="0">
-              <a:spcBef>
-                <a:spcPct val="0"/>
-              </a:spcBef>
-              <a:spcAft>
-                <a:spcPct val="0"/>
-              </a:spcAft>
-              <a:defRPr>
-                <a:solidFill>
-                  <a:schemeClr val="tx1"/>
-                </a:solidFill>
-                <a:latin typeface="Arial" panose="020B0604020202020204" pitchFamily="34" charset="0"/>
-              </a:defRPr>
-            </a:lvl6pPr>
-            <a:lvl7pPr eaLnBrk="0" fontAlgn="base" hangingPunct="0">
-              <a:spcBef>
-                <a:spcPct val="0"/>
-              </a:spcBef>
-              <a:spcAft>
-                <a:spcPct val="0"/>
-              </a:spcAft>
-              <a:defRPr>
-                <a:solidFill>
-                  <a:schemeClr val="tx1"/>
-                </a:solidFill>
-                <a:latin typeface="Arial" panose="020B0604020202020204" pitchFamily="34" charset="0"/>
-              </a:defRPr>
-            </a:lvl7pPr>
-            <a:lvl8pPr eaLnBrk="0" fontAlgn="base" hangingPunct="0">
-              <a:spcBef>
-                <a:spcPct val="0"/>
-              </a:spcBef>
-              <a:spcAft>
-                <a:spcPct val="0"/>
-              </a:spcAft>
-              <a:defRPr>
-                <a:solidFill>
-                  <a:schemeClr val="tx1"/>
-                </a:solidFill>
-                <a:latin typeface="Arial" panose="020B0604020202020204" pitchFamily="34" charset="0"/>
-              </a:defRPr>
-            </a:lvl8pPr>
-            <a:lvl9pPr eaLnBrk="0" fontAlgn="base" hangingPunct="0">
-              <a:spcBef>
-                <a:spcPct val="0"/>
-              </a:spcBef>
-              <a:spcAft>
-                <a:spcPct val="0"/>
-              </a:spcAft>
-              <a:defRPr>
-                <a:solidFill>
-                  <a:schemeClr val="tx1"/>
-                </a:solidFill>
-                <a:latin typeface="Arial" panose="020B0604020202020204" pitchFamily="34" charset="0"/>
-              </a:defRPr>
-            </a:lvl9pPr>
-          </a:lstStyle>
-          <a:p>
-            <a:pPr algn="r" defTabSz="914400"/>
-            <a:r>
-              <a:rPr lang="en-US" altLang="ko-KR" sz="2800">
-                <a:solidFill>
-                  <a:srgbClr val="333333"/>
-                </a:solidFill>
-                <a:latin typeface="맑은 고딕" panose="020B0503020000020004" pitchFamily="50" charset="-127"/>
-                <a:ea typeface="맑은 고딕" panose="020B0503020000020004" pitchFamily="50" charset="-127"/>
-              </a:rPr>
-              <a:t>20.08.05~20.08.11</a:t>
-            </a:r>
-          </a:p>
-        </p:txBody>
-      </p:sp>
       <p:sp>
         <p:nvSpPr>
           <p:cNvPr id="10" name="Rectangle 1">
@@ -33920,212 +31849,6 @@
       </p:cxnSp>
       <p:sp>
         <p:nvSpPr>
-          <p:cNvPr id="9" name="Rectangle 1">
-            <a:extLst>
-              <a:ext uri="{FF2B5EF4-FFF2-40B4-BE49-F238E27FC236}">
-                <a16:creationId xmlns:a16="http://schemas.microsoft.com/office/drawing/2014/main" id="{AB297CF4-E4DD-4F8B-AF0C-4703C9642F64}"/>
-              </a:ext>
-            </a:extLst>
-          </p:cNvPr>
-          <p:cNvSpPr>
-            <a:spLocks noChangeArrowheads="1"/>
-          </p:cNvSpPr>
-          <p:nvPr/>
-        </p:nvSpPr>
-        <p:spPr bwMode="auto">
-          <a:xfrm>
-            <a:off x="12747716" y="1696219"/>
-            <a:ext cx="3648653" cy="523220"/>
-          </a:xfrm>
-          <a:prstGeom prst="rect">
-            <a:avLst/>
-          </a:prstGeom>
-          <a:noFill/>
-          <a:ln>
-            <a:noFill/>
-          </a:ln>
-          <a:effectLst/>
-          <a:extLst>
-            <a:ext uri="{909E8E84-426E-40DD-AFC4-6F175D3DCCD1}">
-              <a14:hiddenFill xmlns:a14="http://schemas.microsoft.com/office/drawing/2010/main">
-                <a:solidFill>
-                  <a:schemeClr val="accent1"/>
-                </a:solidFill>
-              </a14:hiddenFill>
-            </a:ext>
-            <a:ext uri="{91240B29-F687-4F45-9708-019B960494DF}">
-              <a14:hiddenLine xmlns:a14="http://schemas.microsoft.com/office/drawing/2010/main" w="9525">
-                <a:solidFill>
-                  <a:schemeClr val="tx1"/>
-                </a:solidFill>
-                <a:miter lim="800000"/>
-                <a:headEnd/>
-                <a:tailEnd/>
-              </a14:hiddenLine>
-            </a:ext>
-            <a:ext uri="{AF507438-7753-43E0-B8FC-AC1667EBCBE1}">
-              <a14:hiddenEffects xmlns:a14="http://schemas.microsoft.com/office/drawing/2010/main">
-                <a:effectLst>
-                  <a:outerShdw dist="35921" dir="2700000" algn="ctr" rotWithShape="0">
-                    <a:schemeClr val="bg2"/>
-                  </a:outerShdw>
-                </a:effectLst>
-              </a14:hiddenEffects>
-            </a:ext>
-          </a:extLst>
-        </p:spPr>
-        <p:txBody>
-          <a:bodyPr vert="horz" wrap="square" lIns="91440" tIns="45720" rIns="91440" bIns="45720" numCol="1" anchor="ctr" anchorCtr="0" compatLnSpc="1">
-            <a:prstTxWarp prst="textNoShape">
-              <a:avLst/>
-            </a:prstTxWarp>
-            <a:spAutoFit/>
-          </a:bodyPr>
-          <a:lstStyle>
-            <a:lvl1pPr eaLnBrk="0" fontAlgn="base" hangingPunct="0">
-              <a:spcBef>
-                <a:spcPct val="0"/>
-              </a:spcBef>
-              <a:spcAft>
-                <a:spcPct val="0"/>
-              </a:spcAft>
-              <a:defRPr>
-                <a:solidFill>
-                  <a:schemeClr val="tx1"/>
-                </a:solidFill>
-                <a:latin typeface="Arial" panose="020B0604020202020204" pitchFamily="34" charset="0"/>
-              </a:defRPr>
-            </a:lvl1pPr>
-            <a:lvl2pPr eaLnBrk="0" fontAlgn="base" hangingPunct="0">
-              <a:spcBef>
-                <a:spcPct val="0"/>
-              </a:spcBef>
-              <a:spcAft>
-                <a:spcPct val="0"/>
-              </a:spcAft>
-              <a:defRPr>
-                <a:solidFill>
-                  <a:schemeClr val="tx1"/>
-                </a:solidFill>
-                <a:latin typeface="Arial" panose="020B0604020202020204" pitchFamily="34" charset="0"/>
-              </a:defRPr>
-            </a:lvl2pPr>
-            <a:lvl3pPr eaLnBrk="0" fontAlgn="base" hangingPunct="0">
-              <a:spcBef>
-                <a:spcPct val="0"/>
-              </a:spcBef>
-              <a:spcAft>
-                <a:spcPct val="0"/>
-              </a:spcAft>
-              <a:defRPr>
-                <a:solidFill>
-                  <a:schemeClr val="tx1"/>
-                </a:solidFill>
-                <a:latin typeface="Arial" panose="020B0604020202020204" pitchFamily="34" charset="0"/>
-              </a:defRPr>
-            </a:lvl3pPr>
-            <a:lvl4pPr eaLnBrk="0" fontAlgn="base" hangingPunct="0">
-              <a:spcBef>
-                <a:spcPct val="0"/>
-              </a:spcBef>
-              <a:spcAft>
-                <a:spcPct val="0"/>
-              </a:spcAft>
-              <a:defRPr>
-                <a:solidFill>
-                  <a:schemeClr val="tx1"/>
-                </a:solidFill>
-                <a:latin typeface="Arial" panose="020B0604020202020204" pitchFamily="34" charset="0"/>
-              </a:defRPr>
-            </a:lvl4pPr>
-            <a:lvl5pPr eaLnBrk="0" fontAlgn="base" hangingPunct="0">
-              <a:spcBef>
-                <a:spcPct val="0"/>
-              </a:spcBef>
-              <a:spcAft>
-                <a:spcPct val="0"/>
-              </a:spcAft>
-              <a:defRPr>
-                <a:solidFill>
-                  <a:schemeClr val="tx1"/>
-                </a:solidFill>
-                <a:latin typeface="Arial" panose="020B0604020202020204" pitchFamily="34" charset="0"/>
-              </a:defRPr>
-            </a:lvl5pPr>
-            <a:lvl6pPr eaLnBrk="0" fontAlgn="base" hangingPunct="0">
-              <a:spcBef>
-                <a:spcPct val="0"/>
-              </a:spcBef>
-              <a:spcAft>
-                <a:spcPct val="0"/>
-              </a:spcAft>
-              <a:defRPr>
-                <a:solidFill>
-                  <a:schemeClr val="tx1"/>
-                </a:solidFill>
-                <a:latin typeface="Arial" panose="020B0604020202020204" pitchFamily="34" charset="0"/>
-              </a:defRPr>
-            </a:lvl6pPr>
-            <a:lvl7pPr eaLnBrk="0" fontAlgn="base" hangingPunct="0">
-              <a:spcBef>
-                <a:spcPct val="0"/>
-              </a:spcBef>
-              <a:spcAft>
-                <a:spcPct val="0"/>
-              </a:spcAft>
-              <a:defRPr>
-                <a:solidFill>
-                  <a:schemeClr val="tx1"/>
-                </a:solidFill>
-                <a:latin typeface="Arial" panose="020B0604020202020204" pitchFamily="34" charset="0"/>
-              </a:defRPr>
-            </a:lvl7pPr>
-            <a:lvl8pPr eaLnBrk="0" fontAlgn="base" hangingPunct="0">
-              <a:spcBef>
-                <a:spcPct val="0"/>
-              </a:spcBef>
-              <a:spcAft>
-                <a:spcPct val="0"/>
-              </a:spcAft>
-              <a:defRPr>
-                <a:solidFill>
-                  <a:schemeClr val="tx1"/>
-                </a:solidFill>
-                <a:latin typeface="Arial" panose="020B0604020202020204" pitchFamily="34" charset="0"/>
-              </a:defRPr>
-            </a:lvl8pPr>
-            <a:lvl9pPr eaLnBrk="0" fontAlgn="base" hangingPunct="0">
-              <a:spcBef>
-                <a:spcPct val="0"/>
-              </a:spcBef>
-              <a:spcAft>
-                <a:spcPct val="0"/>
-              </a:spcAft>
-              <a:defRPr>
-                <a:solidFill>
-                  <a:schemeClr val="tx1"/>
-                </a:solidFill>
-                <a:latin typeface="Arial" panose="020B0604020202020204" pitchFamily="34" charset="0"/>
-              </a:defRPr>
-            </a:lvl9pPr>
-          </a:lstStyle>
-          <a:p>
-            <a:pPr algn="r" defTabSz="914400"/>
-            <a:r>
-              <a:rPr lang="en-US" altLang="ko-KR" sz="2800">
-                <a:solidFill>
-                  <a:srgbClr val="333333"/>
-                </a:solidFill>
-                <a:latin typeface="맑은 고딕" panose="020B0503020000020004" pitchFamily="50" charset="-127"/>
-                <a:ea typeface="맑은 고딕" panose="020B0503020000020004" pitchFamily="50" charset="-127"/>
-              </a:rPr>
-              <a:t>20.08.05~20.08.11</a:t>
-            </a:r>
-          </a:p>
-        </p:txBody>
-      </p:sp>
-      <p:sp>
-        <p:nvSpPr>
           <p:cNvPr id="10" name="Rectangle 1">
             <a:extLst>
               <a:ext uri="{FF2B5EF4-FFF2-40B4-BE49-F238E27FC236}">
@@ -34729,7 +32452,7 @@
         </p:blipFill>
         <p:spPr bwMode="auto">
           <a:xfrm>
-            <a:off x="10250212" y="2869101"/>
+            <a:off x="10250212" y="4539099"/>
             <a:ext cx="6935176" cy="4167798"/>
           </a:xfrm>
           <a:prstGeom prst="rect">
@@ -35447,7 +33170,7 @@
         </p:nvSpPr>
         <p:spPr bwMode="auto">
           <a:xfrm>
-            <a:off x="1746419" y="7320569"/>
+            <a:off x="1746419" y="3467242"/>
             <a:ext cx="14117299" cy="707886"/>
           </a:xfrm>
           <a:prstGeom prst="rect">
@@ -35971,7 +33694,7 @@
         <p:spPr>
           <a:xfrm>
             <a:off x="1220127" y="2734698"/>
-            <a:ext cx="888167" cy="461665"/>
+            <a:ext cx="888167" cy="369332"/>
           </a:xfrm>
           <a:prstGeom prst="rect">
             <a:avLst/>
@@ -35982,16 +33705,23 @@
           <a:bodyPr wrap="square">
             <a:spAutoFit/>
           </a:bodyPr>
-          <a:lstStyle/>
-          <a:p>
-            <a:r>
-              <a:rPr lang="ko-KR" altLang="en-US" sz="2400">
+          <a:lstStyle>
+            <a:defPPr>
+              <a:defRPr lang="en-US"/>
+            </a:defPPr>
+            <a:lvl1pPr>
+              <a:defRPr sz="2400">
                 <a:solidFill>
                   <a:srgbClr val="0070C0"/>
                 </a:solidFill>
                 <a:latin typeface="배달의민족 도현" panose="020B0600000101010101" pitchFamily="50" charset="-127"/>
                 <a:ea typeface="배달의민족 도현" panose="020B0600000101010101" pitchFamily="50" charset="-127"/>
-              </a:rPr>
+              </a:defRPr>
+            </a:lvl1pPr>
+          </a:lstStyle>
+          <a:p>
+            <a:r>
+              <a:rPr lang="ko-KR" altLang="en-US"/>
               <a:t>개요</a:t>
             </a:r>
           </a:p>
@@ -36013,7 +33743,7 @@
         </p:nvSpPr>
         <p:spPr bwMode="auto">
           <a:xfrm>
-            <a:off x="1401926" y="3447907"/>
+            <a:off x="1401926" y="5117905"/>
             <a:ext cx="11421949" cy="2759282"/>
           </a:xfrm>
           <a:prstGeom prst="rect">
@@ -37176,15 +34906,6 @@
 </file>
 
 <file path=customXml/item2.xml><?xml version="1.0" encoding="utf-8"?>
-<?mso-contentType ?>
-<FormTemplates xmlns="http://schemas.microsoft.com/sharepoint/v3/contenttype/forms">
-  <Display>DocumentLibraryForm</Display>
-  <Edit>DocumentLibraryForm</Edit>
-  <New>DocumentLibraryForm</New>
-</FormTemplates>
-</file>
-
-<file path=customXml/item3.xml><?xml version="1.0" encoding="utf-8"?>
 <ct:contentTypeSchema xmlns:ct="http://schemas.microsoft.com/office/2006/metadata/contentType" xmlns:ma="http://schemas.microsoft.com/office/2006/metadata/properties/metaAttributes" ct:_="" ma:_="" ma:contentTypeName="문서" ma:contentTypeID="0x010100AB0332B0A385E94B807D70B3C2DD7F7B" ma:contentTypeVersion="2" ma:contentTypeDescription="새 문서를 만듭니다." ma:contentTypeScope="" ma:versionID="96cf4451611b8f8de5712967cf96ee29">
   <xsd:schema xmlns:xsd="http://www.w3.org/2001/XMLSchema" xmlns:xs="http://www.w3.org/2001/XMLSchema" xmlns:p="http://schemas.microsoft.com/office/2006/metadata/properties" xmlns:ns3="b35b42e8-84bb-4999-a127-46c3e9b9aeb6" targetNamespace="http://schemas.microsoft.com/office/2006/metadata/properties" ma:root="true" ma:fieldsID="78657f65c5c0e9ec42d84544dced70cc" ns3:_="">
     <xsd:import namespace="b35b42e8-84bb-4999-a127-46c3e9b9aeb6"/>
@@ -37316,31 +35037,32 @@
 </ct:contentTypeSchema>
 </file>
 
+<file path=customXml/item3.xml><?xml version="1.0" encoding="utf-8"?>
+<?mso-contentType ?>
+<FormTemplates xmlns="http://schemas.microsoft.com/sharepoint/v3/contenttype/forms">
+  <Display>DocumentLibraryForm</Display>
+  <Edit>DocumentLibraryForm</Edit>
+  <New>DocumentLibraryForm</New>
+</FormTemplates>
+</file>
+
 <file path=customXml/itemProps1.xml><?xml version="1.0" encoding="utf-8"?>
 <ds:datastoreItem xmlns:ds="http://schemas.openxmlformats.org/officeDocument/2006/customXml" ds:itemID="{A3544500-C9BE-4E90-86F2-9D24B7C80C45}">
   <ds:schemaRefs>
     <ds:schemaRef ds:uri="http://schemas.microsoft.com/office/2006/documentManagement/types"/>
+    <ds:schemaRef ds:uri="http://schemas.microsoft.com/office/2006/metadata/properties"/>
+    <ds:schemaRef ds:uri="http://purl.org/dc/elements/1.1/"/>
+    <ds:schemaRef ds:uri="http://purl.org/dc/dcmitype/"/>
+    <ds:schemaRef ds:uri="b35b42e8-84bb-4999-a127-46c3e9b9aeb6"/>
+    <ds:schemaRef ds:uri="http://www.w3.org/XML/1998/namespace"/>
     <ds:schemaRef ds:uri="http://schemas.microsoft.com/office/infopath/2007/PartnerControls"/>
-    <ds:schemaRef ds:uri="http://schemas.microsoft.com/office/2006/metadata/properties"/>
     <ds:schemaRef ds:uri="http://schemas.openxmlformats.org/package/2006/metadata/core-properties"/>
     <ds:schemaRef ds:uri="http://purl.org/dc/terms/"/>
-    <ds:schemaRef ds:uri="http://purl.org/dc/elements/1.1/"/>
-    <ds:schemaRef ds:uri="b35b42e8-84bb-4999-a127-46c3e9b9aeb6"/>
-    <ds:schemaRef ds:uri="http://www.w3.org/XML/1998/namespace"/>
-    <ds:schemaRef ds:uri="http://purl.org/dc/dcmitype/"/>
   </ds:schemaRefs>
 </ds:datastoreItem>
 </file>
 
 <file path=customXml/itemProps2.xml><?xml version="1.0" encoding="utf-8"?>
-<ds:datastoreItem xmlns:ds="http://schemas.openxmlformats.org/officeDocument/2006/customXml" ds:itemID="{981D9428-CF29-460C-A5D3-C6EE483171F0}">
-  <ds:schemaRefs>
-    <ds:schemaRef ds:uri="http://schemas.microsoft.com/sharepoint/v3/contenttype/forms"/>
-  </ds:schemaRefs>
-</ds:datastoreItem>
-</file>
-
-<file path=customXml/itemProps3.xml><?xml version="1.0" encoding="utf-8"?>
 <ds:datastoreItem xmlns:ds="http://schemas.openxmlformats.org/officeDocument/2006/customXml" ds:itemID="{8FB2622F-2C3E-4609-9388-EF6310F23EC8}">
   <ds:schemaRefs>
     <ds:schemaRef ds:uri="http://schemas.microsoft.com/office/2006/metadata/contentType"/>
@@ -37356,4 +35078,12 @@
     <ds:schemaRef ds:uri="http://schemas.microsoft.com/internal/obd"/>
   </ds:schemaRefs>
 </ds:datastoreItem>
+</file>
+
+<file path=customXml/itemProps3.xml><?xml version="1.0" encoding="utf-8"?>
+<ds:datastoreItem xmlns:ds="http://schemas.openxmlformats.org/officeDocument/2006/customXml" ds:itemID="{981D9428-CF29-460C-A5D3-C6EE483171F0}">
+  <ds:schemaRefs>
+    <ds:schemaRef ds:uri="http://schemas.microsoft.com/sharepoint/v3/contenttype/forms"/>
+  </ds:schemaRefs>
+</ds:datastoreItem>
 </file>
--- a/포트폴리오.pptx
+++ b/포트폴리오.pptx
@@ -298,7 +298,7 @@
           <a:p>
             <a:fld id="{EDE86C09-8350-46A3-A934-715D20D4F05E}" type="datetimeFigureOut">
               <a:rPr lang="ko-KR" altLang="en-US" smtClean="0"/>
-              <a:t>2020-12-29</a:t>
+              <a:t>2021-01-05</a:t>
             </a:fld>
             <a:endParaRPr lang="ko-KR" altLang="en-US"/>
           </a:p>
@@ -468,7 +468,7 @@
           <a:p>
             <a:fld id="{EDE86C09-8350-46A3-A934-715D20D4F05E}" type="datetimeFigureOut">
               <a:rPr lang="ko-KR" altLang="en-US" smtClean="0"/>
-              <a:t>2020-12-29</a:t>
+              <a:t>2021-01-05</a:t>
             </a:fld>
             <a:endParaRPr lang="ko-KR" altLang="en-US"/>
           </a:p>
@@ -648,7 +648,7 @@
           <a:p>
             <a:fld id="{EDE86C09-8350-46A3-A934-715D20D4F05E}" type="datetimeFigureOut">
               <a:rPr lang="ko-KR" altLang="en-US" smtClean="0"/>
-              <a:t>2020-12-29</a:t>
+              <a:t>2021-01-05</a:t>
             </a:fld>
             <a:endParaRPr lang="ko-KR" altLang="en-US"/>
           </a:p>
@@ -818,7 +818,7 @@
           <a:p>
             <a:fld id="{EDE86C09-8350-46A3-A934-715D20D4F05E}" type="datetimeFigureOut">
               <a:rPr lang="ko-KR" altLang="en-US" smtClean="0"/>
-              <a:t>2020-12-29</a:t>
+              <a:t>2021-01-05</a:t>
             </a:fld>
             <a:endParaRPr lang="ko-KR" altLang="en-US"/>
           </a:p>
@@ -1064,7 +1064,7 @@
           <a:p>
             <a:fld id="{EDE86C09-8350-46A3-A934-715D20D4F05E}" type="datetimeFigureOut">
               <a:rPr lang="ko-KR" altLang="en-US" smtClean="0"/>
-              <a:t>2020-12-29</a:t>
+              <a:t>2021-01-05</a:t>
             </a:fld>
             <a:endParaRPr lang="ko-KR" altLang="en-US"/>
           </a:p>
@@ -1296,7 +1296,7 @@
           <a:p>
             <a:fld id="{EDE86C09-8350-46A3-A934-715D20D4F05E}" type="datetimeFigureOut">
               <a:rPr lang="ko-KR" altLang="en-US" smtClean="0"/>
-              <a:t>2020-12-29</a:t>
+              <a:t>2021-01-05</a:t>
             </a:fld>
             <a:endParaRPr lang="ko-KR" altLang="en-US"/>
           </a:p>
@@ -1663,7 +1663,7 @@
           <a:p>
             <a:fld id="{EDE86C09-8350-46A3-A934-715D20D4F05E}" type="datetimeFigureOut">
               <a:rPr lang="ko-KR" altLang="en-US" smtClean="0"/>
-              <a:t>2020-12-29</a:t>
+              <a:t>2021-01-05</a:t>
             </a:fld>
             <a:endParaRPr lang="ko-KR" altLang="en-US"/>
           </a:p>
@@ -1781,7 +1781,7 @@
           <a:p>
             <a:fld id="{EDE86C09-8350-46A3-A934-715D20D4F05E}" type="datetimeFigureOut">
               <a:rPr lang="ko-KR" altLang="en-US" smtClean="0"/>
-              <a:t>2020-12-29</a:t>
+              <a:t>2021-01-05</a:t>
             </a:fld>
             <a:endParaRPr lang="ko-KR" altLang="en-US"/>
           </a:p>
@@ -1876,7 +1876,7 @@
           <a:p>
             <a:fld id="{EDE86C09-8350-46A3-A934-715D20D4F05E}" type="datetimeFigureOut">
               <a:rPr lang="ko-KR" altLang="en-US" smtClean="0"/>
-              <a:t>2020-12-29</a:t>
+              <a:t>2021-01-05</a:t>
             </a:fld>
             <a:endParaRPr lang="ko-KR" altLang="en-US"/>
           </a:p>
@@ -2153,7 +2153,7 @@
           <a:p>
             <a:fld id="{EDE86C09-8350-46A3-A934-715D20D4F05E}" type="datetimeFigureOut">
               <a:rPr lang="ko-KR" altLang="en-US" smtClean="0"/>
-              <a:t>2020-12-29</a:t>
+              <a:t>2021-01-05</a:t>
             </a:fld>
             <a:endParaRPr lang="ko-KR" altLang="en-US"/>
           </a:p>
@@ -2410,7 +2410,7 @@
           <a:p>
             <a:fld id="{EDE86C09-8350-46A3-A934-715D20D4F05E}" type="datetimeFigureOut">
               <a:rPr lang="ko-KR" altLang="en-US" smtClean="0"/>
-              <a:t>2020-12-29</a:t>
+              <a:t>2021-01-05</a:t>
             </a:fld>
             <a:endParaRPr lang="ko-KR" altLang="en-US"/>
           </a:p>
@@ -2623,7 +2623,7 @@
           <a:p>
             <a:fld id="{EDE86C09-8350-46A3-A934-715D20D4F05E}" type="datetimeFigureOut">
               <a:rPr lang="ko-KR" altLang="en-US" smtClean="0"/>
-              <a:t>2020-12-29</a:t>
+              <a:t>2021-01-05</a:t>
             </a:fld>
             <a:endParaRPr lang="ko-KR" altLang="en-US"/>
           </a:p>
@@ -4511,7 +4511,7 @@
         </p:nvSpPr>
         <p:spPr bwMode="auto">
           <a:xfrm>
-            <a:off x="5135153" y="7276704"/>
+            <a:off x="5135153" y="6723247"/>
             <a:ext cx="10214874" cy="830997"/>
           </a:xfrm>
           <a:prstGeom prst="rect">
@@ -4766,7 +4766,7 @@
         </p:nvSpPr>
         <p:spPr bwMode="auto">
           <a:xfrm>
-            <a:off x="13610389" y="7397791"/>
+            <a:off x="13610389" y="6844334"/>
             <a:ext cx="2600616" cy="646331"/>
           </a:xfrm>
           <a:prstGeom prst="rect">
@@ -5243,7 +5243,7 @@
         </p:nvSpPr>
         <p:spPr bwMode="auto">
           <a:xfrm>
-            <a:off x="1143343" y="7240666"/>
+            <a:off x="1143343" y="7012063"/>
             <a:ext cx="3356811" cy="584775"/>
           </a:xfrm>
           <a:prstGeom prst="rect">
@@ -5505,7 +5505,7 @@
         </p:nvCxnSpPr>
         <p:spPr>
           <a:xfrm>
-            <a:off x="787400" y="6660528"/>
+            <a:off x="787400" y="6431925"/>
             <a:ext cx="16301601" cy="0"/>
           </a:xfrm>
           <a:prstGeom prst="line">
@@ -5548,7 +5548,7 @@
         </p:nvCxnSpPr>
         <p:spPr>
           <a:xfrm>
-            <a:off x="787400" y="9403728"/>
+            <a:off x="787400" y="9572167"/>
             <a:ext cx="16301601" cy="0"/>
           </a:xfrm>
           <a:prstGeom prst="line">
@@ -5636,7 +5636,7 @@
         </p:nvSpPr>
         <p:spPr bwMode="auto">
           <a:xfrm>
-            <a:off x="5135153" y="8264057"/>
+            <a:off x="5135153" y="7710600"/>
             <a:ext cx="10214874" cy="830997"/>
           </a:xfrm>
           <a:prstGeom prst="rect">
@@ -5941,7 +5941,7 @@
         </p:nvSpPr>
         <p:spPr bwMode="auto">
           <a:xfrm>
-            <a:off x="13610389" y="8511390"/>
+            <a:off x="13610389" y="7957933"/>
             <a:ext cx="2600616" cy="369332"/>
           </a:xfrm>
           <a:prstGeom prst="rect">
@@ -6127,6 +6127,458 @@
                 <a:ea typeface="맑은 고딕" panose="020B0503020000020004" pitchFamily="50" charset="-127"/>
               </a:rPr>
               <a:t>2020. 12. 15</a:t>
+            </a:r>
+          </a:p>
+        </p:txBody>
+      </p:sp>
+      <p:sp>
+        <p:nvSpPr>
+          <p:cNvPr id="17" name="Rectangle 1">
+            <a:extLst>
+              <a:ext uri="{FF2B5EF4-FFF2-40B4-BE49-F238E27FC236}">
+                <a16:creationId xmlns:a16="http://schemas.microsoft.com/office/drawing/2014/main" id="{0C8A690E-F1A0-413B-BD65-B38FFBA1CD3C}"/>
+              </a:ext>
+            </a:extLst>
+          </p:cNvPr>
+          <p:cNvSpPr>
+            <a:spLocks noChangeArrowheads="1"/>
+          </p:cNvSpPr>
+          <p:nvPr/>
+        </p:nvSpPr>
+        <p:spPr bwMode="auto">
+          <a:xfrm>
+            <a:off x="5135153" y="8702626"/>
+            <a:ext cx="10214874" cy="461665"/>
+          </a:xfrm>
+          <a:prstGeom prst="rect">
+            <a:avLst/>
+          </a:prstGeom>
+          <a:noFill/>
+          <a:ln>
+            <a:noFill/>
+          </a:ln>
+          <a:effectLst/>
+          <a:extLst>
+            <a:ext uri="{909E8E84-426E-40DD-AFC4-6F175D3DCCD1}">
+              <a14:hiddenFill xmlns:a14="http://schemas.microsoft.com/office/drawing/2010/main">
+                <a:solidFill>
+                  <a:schemeClr val="accent1"/>
+                </a:solidFill>
+              </a14:hiddenFill>
+            </a:ext>
+            <a:ext uri="{91240B29-F687-4F45-9708-019B960494DF}">
+              <a14:hiddenLine xmlns:a14="http://schemas.microsoft.com/office/drawing/2010/main" w="9525">
+                <a:solidFill>
+                  <a:schemeClr val="tx1"/>
+                </a:solidFill>
+                <a:miter lim="800000"/>
+                <a:headEnd/>
+                <a:tailEnd/>
+              </a14:hiddenLine>
+            </a:ext>
+            <a:ext uri="{AF507438-7753-43E0-B8FC-AC1667EBCBE1}">
+              <a14:hiddenEffects xmlns:a14="http://schemas.microsoft.com/office/drawing/2010/main">
+                <a:effectLst>
+                  <a:outerShdw dist="35921" dir="2700000" algn="ctr" rotWithShape="0">
+                    <a:schemeClr val="bg2"/>
+                  </a:outerShdw>
+                </a:effectLst>
+              </a14:hiddenEffects>
+            </a:ext>
+          </a:extLst>
+        </p:spPr>
+        <p:txBody>
+          <a:bodyPr vert="horz" wrap="square" lIns="91440" tIns="45720" rIns="91440" bIns="45720" numCol="1" anchor="ctr" anchorCtr="0" compatLnSpc="1">
+            <a:prstTxWarp prst="textNoShape">
+              <a:avLst/>
+            </a:prstTxWarp>
+            <a:spAutoFit/>
+          </a:bodyPr>
+          <a:lstStyle>
+            <a:lvl1pPr eaLnBrk="0" fontAlgn="base" hangingPunct="0">
+              <a:spcBef>
+                <a:spcPct val="0"/>
+              </a:spcBef>
+              <a:spcAft>
+                <a:spcPct val="0"/>
+              </a:spcAft>
+              <a:defRPr>
+                <a:solidFill>
+                  <a:schemeClr val="tx1"/>
+                </a:solidFill>
+                <a:latin typeface="Arial" panose="020B0604020202020204" pitchFamily="34" charset="0"/>
+              </a:defRPr>
+            </a:lvl1pPr>
+            <a:lvl2pPr eaLnBrk="0" fontAlgn="base" hangingPunct="0">
+              <a:spcBef>
+                <a:spcPct val="0"/>
+              </a:spcBef>
+              <a:spcAft>
+                <a:spcPct val="0"/>
+              </a:spcAft>
+              <a:defRPr>
+                <a:solidFill>
+                  <a:schemeClr val="tx1"/>
+                </a:solidFill>
+                <a:latin typeface="Arial" panose="020B0604020202020204" pitchFamily="34" charset="0"/>
+              </a:defRPr>
+            </a:lvl2pPr>
+            <a:lvl3pPr eaLnBrk="0" fontAlgn="base" hangingPunct="0">
+              <a:spcBef>
+                <a:spcPct val="0"/>
+              </a:spcBef>
+              <a:spcAft>
+                <a:spcPct val="0"/>
+              </a:spcAft>
+              <a:defRPr>
+                <a:solidFill>
+                  <a:schemeClr val="tx1"/>
+                </a:solidFill>
+                <a:latin typeface="Arial" panose="020B0604020202020204" pitchFamily="34" charset="0"/>
+              </a:defRPr>
+            </a:lvl3pPr>
+            <a:lvl4pPr eaLnBrk="0" fontAlgn="base" hangingPunct="0">
+              <a:spcBef>
+                <a:spcPct val="0"/>
+              </a:spcBef>
+              <a:spcAft>
+                <a:spcPct val="0"/>
+              </a:spcAft>
+              <a:defRPr>
+                <a:solidFill>
+                  <a:schemeClr val="tx1"/>
+                </a:solidFill>
+                <a:latin typeface="Arial" panose="020B0604020202020204" pitchFamily="34" charset="0"/>
+              </a:defRPr>
+            </a:lvl4pPr>
+            <a:lvl5pPr eaLnBrk="0" fontAlgn="base" hangingPunct="0">
+              <a:spcBef>
+                <a:spcPct val="0"/>
+              </a:spcBef>
+              <a:spcAft>
+                <a:spcPct val="0"/>
+              </a:spcAft>
+              <a:defRPr>
+                <a:solidFill>
+                  <a:schemeClr val="tx1"/>
+                </a:solidFill>
+                <a:latin typeface="Arial" panose="020B0604020202020204" pitchFamily="34" charset="0"/>
+              </a:defRPr>
+            </a:lvl5pPr>
+            <a:lvl6pPr eaLnBrk="0" fontAlgn="base" hangingPunct="0">
+              <a:spcBef>
+                <a:spcPct val="0"/>
+              </a:spcBef>
+              <a:spcAft>
+                <a:spcPct val="0"/>
+              </a:spcAft>
+              <a:defRPr>
+                <a:solidFill>
+                  <a:schemeClr val="tx1"/>
+                </a:solidFill>
+                <a:latin typeface="Arial" panose="020B0604020202020204" pitchFamily="34" charset="0"/>
+              </a:defRPr>
+            </a:lvl6pPr>
+            <a:lvl7pPr eaLnBrk="0" fontAlgn="base" hangingPunct="0">
+              <a:spcBef>
+                <a:spcPct val="0"/>
+              </a:spcBef>
+              <a:spcAft>
+                <a:spcPct val="0"/>
+              </a:spcAft>
+              <a:defRPr>
+                <a:solidFill>
+                  <a:schemeClr val="tx1"/>
+                </a:solidFill>
+                <a:latin typeface="Arial" panose="020B0604020202020204" pitchFamily="34" charset="0"/>
+              </a:defRPr>
+            </a:lvl7pPr>
+            <a:lvl8pPr eaLnBrk="0" fontAlgn="base" hangingPunct="0">
+              <a:spcBef>
+                <a:spcPct val="0"/>
+              </a:spcBef>
+              <a:spcAft>
+                <a:spcPct val="0"/>
+              </a:spcAft>
+              <a:defRPr>
+                <a:solidFill>
+                  <a:schemeClr val="tx1"/>
+                </a:solidFill>
+                <a:latin typeface="Arial" panose="020B0604020202020204" pitchFamily="34" charset="0"/>
+              </a:defRPr>
+            </a:lvl8pPr>
+            <a:lvl9pPr eaLnBrk="0" fontAlgn="base" hangingPunct="0">
+              <a:spcBef>
+                <a:spcPct val="0"/>
+              </a:spcBef>
+              <a:spcAft>
+                <a:spcPct val="0"/>
+              </a:spcAft>
+              <a:defRPr>
+                <a:solidFill>
+                  <a:schemeClr val="tx1"/>
+                </a:solidFill>
+                <a:latin typeface="Arial" panose="020B0604020202020204" pitchFamily="34" charset="0"/>
+              </a:defRPr>
+            </a:lvl9pPr>
+          </a:lstStyle>
+          <a:p>
+            <a:pPr marL="171450" indent="-171450" defTabSz="914400">
+              <a:buFont typeface="Arial" panose="020B0604020202020204" pitchFamily="34" charset="0"/>
+              <a:buChar char="•"/>
+            </a:pPr>
+            <a:r>
+              <a:rPr lang="en-US" altLang="ko-KR" sz="2400">
+                <a:solidFill>
+                  <a:srgbClr val="333333"/>
+                </a:solidFill>
+                <a:latin typeface="맑은 고딕" panose="020B0503020000020004" pitchFamily="50" charset="-127"/>
+                <a:ea typeface="맑은 고딕" panose="020B0503020000020004" pitchFamily="50" charset="-127"/>
+              </a:rPr>
+              <a:t>SQL </a:t>
+            </a:r>
+            <a:r>
+              <a:rPr lang="ko-KR" altLang="en-US" sz="2400">
+                <a:solidFill>
+                  <a:srgbClr val="333333"/>
+                </a:solidFill>
+                <a:latin typeface="맑은 고딕" panose="020B0503020000020004" pitchFamily="50" charset="-127"/>
+                <a:ea typeface="맑은 고딕" panose="020B0503020000020004" pitchFamily="50" charset="-127"/>
+              </a:rPr>
+              <a:t>개발자</a:t>
+            </a:r>
+            <a:r>
+              <a:rPr lang="en-US" altLang="ko-KR" sz="2400">
+                <a:solidFill>
+                  <a:srgbClr val="333333"/>
+                </a:solidFill>
+                <a:latin typeface="맑은 고딕" panose="020B0503020000020004" pitchFamily="50" charset="-127"/>
+                <a:ea typeface="맑은 고딕" panose="020B0503020000020004" pitchFamily="50" charset="-127"/>
+              </a:rPr>
+              <a:t>(SQLD) </a:t>
+            </a:r>
+            <a:r>
+              <a:rPr lang="ko-KR" altLang="en-US" sz="2400">
+                <a:solidFill>
+                  <a:srgbClr val="333333"/>
+                </a:solidFill>
+                <a:latin typeface="맑은 고딕" panose="020B0503020000020004" pitchFamily="50" charset="-127"/>
+                <a:ea typeface="맑은 고딕" panose="020B0503020000020004" pitchFamily="50" charset="-127"/>
+              </a:rPr>
+              <a:t>자격증</a:t>
+            </a:r>
+            <a:endParaRPr lang="en-US" altLang="ko-KR" sz="2400">
+              <a:solidFill>
+                <a:srgbClr val="333333"/>
+              </a:solidFill>
+              <a:latin typeface="맑은 고딕" panose="020B0503020000020004" pitchFamily="50" charset="-127"/>
+              <a:ea typeface="맑은 고딕" panose="020B0503020000020004" pitchFamily="50" charset="-127"/>
+            </a:endParaRPr>
+          </a:p>
+        </p:txBody>
+      </p:sp>
+      <p:sp>
+        <p:nvSpPr>
+          <p:cNvPr id="19" name="Rectangle 1">
+            <a:extLst>
+              <a:ext uri="{FF2B5EF4-FFF2-40B4-BE49-F238E27FC236}">
+                <a16:creationId xmlns:a16="http://schemas.microsoft.com/office/drawing/2014/main" id="{9234BBF7-DD57-4E85-B37E-FF06018879F6}"/>
+              </a:ext>
+            </a:extLst>
+          </p:cNvPr>
+          <p:cNvSpPr>
+            <a:spLocks noChangeArrowheads="1"/>
+          </p:cNvSpPr>
+          <p:nvPr/>
+        </p:nvSpPr>
+        <p:spPr bwMode="auto">
+          <a:xfrm>
+            <a:off x="13610389" y="8765293"/>
+            <a:ext cx="2600616" cy="369332"/>
+          </a:xfrm>
+          <a:prstGeom prst="rect">
+            <a:avLst/>
+          </a:prstGeom>
+          <a:noFill/>
+          <a:ln>
+            <a:noFill/>
+          </a:ln>
+          <a:effectLst/>
+          <a:extLst>
+            <a:ext uri="{909E8E84-426E-40DD-AFC4-6F175D3DCCD1}">
+              <a14:hiddenFill xmlns:a14="http://schemas.microsoft.com/office/drawing/2010/main">
+                <a:solidFill>
+                  <a:schemeClr val="accent1"/>
+                </a:solidFill>
+              </a14:hiddenFill>
+            </a:ext>
+            <a:ext uri="{91240B29-F687-4F45-9708-019B960494DF}">
+              <a14:hiddenLine xmlns:a14="http://schemas.microsoft.com/office/drawing/2010/main" w="9525">
+                <a:solidFill>
+                  <a:schemeClr val="tx1"/>
+                </a:solidFill>
+                <a:miter lim="800000"/>
+                <a:headEnd/>
+                <a:tailEnd/>
+              </a14:hiddenLine>
+            </a:ext>
+            <a:ext uri="{AF507438-7753-43E0-B8FC-AC1667EBCBE1}">
+              <a14:hiddenEffects xmlns:a14="http://schemas.microsoft.com/office/drawing/2010/main">
+                <a:effectLst>
+                  <a:outerShdw dist="35921" dir="2700000" algn="ctr" rotWithShape="0">
+                    <a:schemeClr val="bg2"/>
+                  </a:outerShdw>
+                </a:effectLst>
+              </a14:hiddenEffects>
+            </a:ext>
+          </a:extLst>
+        </p:spPr>
+        <p:txBody>
+          <a:bodyPr vert="horz" wrap="square" lIns="91440" tIns="45720" rIns="91440" bIns="45720" numCol="1" anchor="ctr" anchorCtr="0" compatLnSpc="1">
+            <a:prstTxWarp prst="textNoShape">
+              <a:avLst/>
+            </a:prstTxWarp>
+            <a:spAutoFit/>
+          </a:bodyPr>
+          <a:lstStyle>
+            <a:lvl1pPr eaLnBrk="0" fontAlgn="base" hangingPunct="0">
+              <a:spcBef>
+                <a:spcPct val="0"/>
+              </a:spcBef>
+              <a:spcAft>
+                <a:spcPct val="0"/>
+              </a:spcAft>
+              <a:defRPr>
+                <a:solidFill>
+                  <a:schemeClr val="tx1"/>
+                </a:solidFill>
+                <a:latin typeface="Arial" panose="020B0604020202020204" pitchFamily="34" charset="0"/>
+              </a:defRPr>
+            </a:lvl1pPr>
+            <a:lvl2pPr eaLnBrk="0" fontAlgn="base" hangingPunct="0">
+              <a:spcBef>
+                <a:spcPct val="0"/>
+              </a:spcBef>
+              <a:spcAft>
+                <a:spcPct val="0"/>
+              </a:spcAft>
+              <a:defRPr>
+                <a:solidFill>
+                  <a:schemeClr val="tx1"/>
+                </a:solidFill>
+                <a:latin typeface="Arial" panose="020B0604020202020204" pitchFamily="34" charset="0"/>
+              </a:defRPr>
+            </a:lvl2pPr>
+            <a:lvl3pPr eaLnBrk="0" fontAlgn="base" hangingPunct="0">
+              <a:spcBef>
+                <a:spcPct val="0"/>
+              </a:spcBef>
+              <a:spcAft>
+                <a:spcPct val="0"/>
+              </a:spcAft>
+              <a:defRPr>
+                <a:solidFill>
+                  <a:schemeClr val="tx1"/>
+                </a:solidFill>
+                <a:latin typeface="Arial" panose="020B0604020202020204" pitchFamily="34" charset="0"/>
+              </a:defRPr>
+            </a:lvl3pPr>
+            <a:lvl4pPr eaLnBrk="0" fontAlgn="base" hangingPunct="0">
+              <a:spcBef>
+                <a:spcPct val="0"/>
+              </a:spcBef>
+              <a:spcAft>
+                <a:spcPct val="0"/>
+              </a:spcAft>
+              <a:defRPr>
+                <a:solidFill>
+                  <a:schemeClr val="tx1"/>
+                </a:solidFill>
+                <a:latin typeface="Arial" panose="020B0604020202020204" pitchFamily="34" charset="0"/>
+              </a:defRPr>
+            </a:lvl4pPr>
+            <a:lvl5pPr eaLnBrk="0" fontAlgn="base" hangingPunct="0">
+              <a:spcBef>
+                <a:spcPct val="0"/>
+              </a:spcBef>
+              <a:spcAft>
+                <a:spcPct val="0"/>
+              </a:spcAft>
+              <a:defRPr>
+                <a:solidFill>
+                  <a:schemeClr val="tx1"/>
+                </a:solidFill>
+                <a:latin typeface="Arial" panose="020B0604020202020204" pitchFamily="34" charset="0"/>
+              </a:defRPr>
+            </a:lvl5pPr>
+            <a:lvl6pPr eaLnBrk="0" fontAlgn="base" hangingPunct="0">
+              <a:spcBef>
+                <a:spcPct val="0"/>
+              </a:spcBef>
+              <a:spcAft>
+                <a:spcPct val="0"/>
+              </a:spcAft>
+              <a:defRPr>
+                <a:solidFill>
+                  <a:schemeClr val="tx1"/>
+                </a:solidFill>
+                <a:latin typeface="Arial" panose="020B0604020202020204" pitchFamily="34" charset="0"/>
+              </a:defRPr>
+            </a:lvl6pPr>
+            <a:lvl7pPr eaLnBrk="0" fontAlgn="base" hangingPunct="0">
+              <a:spcBef>
+                <a:spcPct val="0"/>
+              </a:spcBef>
+              <a:spcAft>
+                <a:spcPct val="0"/>
+              </a:spcAft>
+              <a:defRPr>
+                <a:solidFill>
+                  <a:schemeClr val="tx1"/>
+                </a:solidFill>
+                <a:latin typeface="Arial" panose="020B0604020202020204" pitchFamily="34" charset="0"/>
+              </a:defRPr>
+            </a:lvl7pPr>
+            <a:lvl8pPr eaLnBrk="0" fontAlgn="base" hangingPunct="0">
+              <a:spcBef>
+                <a:spcPct val="0"/>
+              </a:spcBef>
+              <a:spcAft>
+                <a:spcPct val="0"/>
+              </a:spcAft>
+              <a:defRPr>
+                <a:solidFill>
+                  <a:schemeClr val="tx1"/>
+                </a:solidFill>
+                <a:latin typeface="Arial" panose="020B0604020202020204" pitchFamily="34" charset="0"/>
+              </a:defRPr>
+            </a:lvl8pPr>
+            <a:lvl9pPr eaLnBrk="0" fontAlgn="base" hangingPunct="0">
+              <a:spcBef>
+                <a:spcPct val="0"/>
+              </a:spcBef>
+              <a:spcAft>
+                <a:spcPct val="0"/>
+              </a:spcAft>
+              <a:defRPr>
+                <a:solidFill>
+                  <a:schemeClr val="tx1"/>
+                </a:solidFill>
+                <a:latin typeface="Arial" panose="020B0604020202020204" pitchFamily="34" charset="0"/>
+              </a:defRPr>
+            </a:lvl9pPr>
+          </a:lstStyle>
+          <a:p>
+            <a:pPr algn="r" defTabSz="914400"/>
+            <a:r>
+              <a:rPr lang="en-US" altLang="ko-KR">
+                <a:solidFill>
+                  <a:srgbClr val="333333"/>
+                </a:solidFill>
+                <a:latin typeface="맑은 고딕" panose="020B0503020000020004" pitchFamily="50" charset="-127"/>
+                <a:ea typeface="맑은 고딕" panose="020B0503020000020004" pitchFamily="50" charset="-127"/>
+              </a:rPr>
+              <a:t>2020. 12. 29</a:t>
             </a:r>
           </a:p>
         </p:txBody>
@@ -34900,9 +35352,12 @@
 </file>
 
 <file path=customXml/item1.xml><?xml version="1.0" encoding="utf-8"?>
-<p:properties xmlns:p="http://schemas.microsoft.com/office/2006/metadata/properties" xmlns:xsi="http://www.w3.org/2001/XMLSchema-instance" xmlns:pc="http://schemas.microsoft.com/office/infopath/2007/PartnerControls">
-  <documentManagement/>
-</p:properties>
+<?mso-contentType ?>
+<FormTemplates xmlns="http://schemas.microsoft.com/sharepoint/v3/contenttype/forms">
+  <Display>DocumentLibraryForm</Display>
+  <Edit>DocumentLibraryForm</Edit>
+  <New>DocumentLibraryForm</New>
+</FormTemplates>
 </file>
 
 <file path=customXml/item2.xml><?xml version="1.0" encoding="utf-8"?>
@@ -35038,26 +35493,15 @@
 </file>
 
 <file path=customXml/item3.xml><?xml version="1.0" encoding="utf-8"?>
-<?mso-contentType ?>
-<FormTemplates xmlns="http://schemas.microsoft.com/sharepoint/v3/contenttype/forms">
-  <Display>DocumentLibraryForm</Display>
-  <Edit>DocumentLibraryForm</Edit>
-  <New>DocumentLibraryForm</New>
-</FormTemplates>
+<p:properties xmlns:p="http://schemas.microsoft.com/office/2006/metadata/properties" xmlns:xsi="http://www.w3.org/2001/XMLSchema-instance" xmlns:pc="http://schemas.microsoft.com/office/infopath/2007/PartnerControls">
+  <documentManagement/>
+</p:properties>
 </file>
 
 <file path=customXml/itemProps1.xml><?xml version="1.0" encoding="utf-8"?>
-<ds:datastoreItem xmlns:ds="http://schemas.openxmlformats.org/officeDocument/2006/customXml" ds:itemID="{A3544500-C9BE-4E90-86F2-9D24B7C80C45}">
+<ds:datastoreItem xmlns:ds="http://schemas.openxmlformats.org/officeDocument/2006/customXml" ds:itemID="{981D9428-CF29-460C-A5D3-C6EE483171F0}">
   <ds:schemaRefs>
-    <ds:schemaRef ds:uri="http://schemas.microsoft.com/office/2006/documentManagement/types"/>
-    <ds:schemaRef ds:uri="http://schemas.microsoft.com/office/2006/metadata/properties"/>
-    <ds:schemaRef ds:uri="http://purl.org/dc/elements/1.1/"/>
-    <ds:schemaRef ds:uri="http://purl.org/dc/dcmitype/"/>
-    <ds:schemaRef ds:uri="b35b42e8-84bb-4999-a127-46c3e9b9aeb6"/>
-    <ds:schemaRef ds:uri="http://www.w3.org/XML/1998/namespace"/>
-    <ds:schemaRef ds:uri="http://schemas.microsoft.com/office/infopath/2007/PartnerControls"/>
-    <ds:schemaRef ds:uri="http://schemas.openxmlformats.org/package/2006/metadata/core-properties"/>
-    <ds:schemaRef ds:uri="http://purl.org/dc/terms/"/>
+    <ds:schemaRef ds:uri="http://schemas.microsoft.com/sharepoint/v3/contenttype/forms"/>
   </ds:schemaRefs>
 </ds:datastoreItem>
 </file>
@@ -35081,9 +35525,17 @@
 </file>
 
 <file path=customXml/itemProps3.xml><?xml version="1.0" encoding="utf-8"?>
-<ds:datastoreItem xmlns:ds="http://schemas.openxmlformats.org/officeDocument/2006/customXml" ds:itemID="{981D9428-CF29-460C-A5D3-C6EE483171F0}">
+<ds:datastoreItem xmlns:ds="http://schemas.openxmlformats.org/officeDocument/2006/customXml" ds:itemID="{A3544500-C9BE-4E90-86F2-9D24B7C80C45}">
   <ds:schemaRefs>
-    <ds:schemaRef ds:uri="http://schemas.microsoft.com/sharepoint/v3/contenttype/forms"/>
+    <ds:schemaRef ds:uri="http://schemas.microsoft.com/office/2006/documentManagement/types"/>
+    <ds:schemaRef ds:uri="http://schemas.microsoft.com/office/2006/metadata/properties"/>
+    <ds:schemaRef ds:uri="http://purl.org/dc/elements/1.1/"/>
+    <ds:schemaRef ds:uri="http://purl.org/dc/dcmitype/"/>
+    <ds:schemaRef ds:uri="b35b42e8-84bb-4999-a127-46c3e9b9aeb6"/>
+    <ds:schemaRef ds:uri="http://www.w3.org/XML/1998/namespace"/>
+    <ds:schemaRef ds:uri="http://schemas.microsoft.com/office/infopath/2007/PartnerControls"/>
+    <ds:schemaRef ds:uri="http://schemas.openxmlformats.org/package/2006/metadata/core-properties"/>
+    <ds:schemaRef ds:uri="http://purl.org/dc/terms/"/>
   </ds:schemaRefs>
 </ds:datastoreItem>
 </file>